--- a/프로젝트 문서/기획서.pptx
+++ b/프로젝트 문서/기획서.pptx
@@ -289,7 +289,7 @@
           <a:p>
             <a:fld id="{9726B004-2BA4-4F9F-9C81-E8C2B4C1763F}" type="datetimeFigureOut">
               <a:rPr lang="ko-KR" altLang="en-US" smtClean="0"/>
-              <a:t>2025-02-14</a:t>
+              <a:t>2025-02-17</a:t>
             </a:fld>
             <a:endParaRPr lang="ko-KR" altLang="en-US"/>
           </a:p>
@@ -601,7 +601,7 @@
           <a:p>
             <a:fld id="{9726B004-2BA4-4F9F-9C81-E8C2B4C1763F}" type="datetimeFigureOut">
               <a:rPr lang="ko-KR" altLang="en-US" smtClean="0"/>
-              <a:t>2025-02-14</a:t>
+              <a:t>2025-02-17</a:t>
             </a:fld>
             <a:endParaRPr lang="ko-KR" altLang="en-US"/>
           </a:p>
@@ -823,7 +823,7 @@
           <a:p>
             <a:fld id="{9726B004-2BA4-4F9F-9C81-E8C2B4C1763F}" type="datetimeFigureOut">
               <a:rPr lang="ko-KR" altLang="en-US" smtClean="0"/>
-              <a:t>2025-02-14</a:t>
+              <a:t>2025-02-17</a:t>
             </a:fld>
             <a:endParaRPr lang="ko-KR" altLang="en-US"/>
           </a:p>
@@ -1114,7 +1114,7 @@
           <a:p>
             <a:fld id="{9726B004-2BA4-4F9F-9C81-E8C2B4C1763F}" type="datetimeFigureOut">
               <a:rPr lang="ko-KR" altLang="en-US" smtClean="0"/>
-              <a:t>2025-02-14</a:t>
+              <a:t>2025-02-17</a:t>
             </a:fld>
             <a:endParaRPr lang="ko-KR" altLang="en-US"/>
           </a:p>
@@ -1568,7 +1568,7 @@
           <a:p>
             <a:fld id="{9726B004-2BA4-4F9F-9C81-E8C2B4C1763F}" type="datetimeFigureOut">
               <a:rPr lang="ko-KR" altLang="en-US" smtClean="0"/>
-              <a:t>2025-02-14</a:t>
+              <a:t>2025-02-17</a:t>
             </a:fld>
             <a:endParaRPr lang="ko-KR" altLang="en-US"/>
           </a:p>
@@ -2144,7 +2144,7 @@
           <a:p>
             <a:fld id="{9726B004-2BA4-4F9F-9C81-E8C2B4C1763F}" type="datetimeFigureOut">
               <a:rPr lang="ko-KR" altLang="en-US" smtClean="0"/>
-              <a:t>2025-02-14</a:t>
+              <a:t>2025-02-17</a:t>
             </a:fld>
             <a:endParaRPr lang="ko-KR" altLang="en-US"/>
           </a:p>
@@ -2996,7 +2996,7 @@
           <a:p>
             <a:fld id="{9726B004-2BA4-4F9F-9C81-E8C2B4C1763F}" type="datetimeFigureOut">
               <a:rPr lang="ko-KR" altLang="en-US" smtClean="0"/>
-              <a:t>2025-02-14</a:t>
+              <a:t>2025-02-17</a:t>
             </a:fld>
             <a:endParaRPr lang="ko-KR" altLang="en-US"/>
           </a:p>
@@ -3201,7 +3201,7 @@
           <a:p>
             <a:fld id="{9726B004-2BA4-4F9F-9C81-E8C2B4C1763F}" type="datetimeFigureOut">
               <a:rPr lang="ko-KR" altLang="en-US" smtClean="0"/>
-              <a:t>2025-02-14</a:t>
+              <a:t>2025-02-17</a:t>
             </a:fld>
             <a:endParaRPr lang="ko-KR" altLang="en-US"/>
           </a:p>
@@ -3415,7 +3415,7 @@
           <a:p>
             <a:fld id="{9726B004-2BA4-4F9F-9C81-E8C2B4C1763F}" type="datetimeFigureOut">
               <a:rPr lang="ko-KR" altLang="en-US" smtClean="0"/>
-              <a:t>2025-02-14</a:t>
+              <a:t>2025-02-17</a:t>
             </a:fld>
             <a:endParaRPr lang="ko-KR" altLang="en-US"/>
           </a:p>
@@ -3601,7 +3601,7 @@
           <a:p>
             <a:fld id="{9726B004-2BA4-4F9F-9C81-E8C2B4C1763F}" type="datetimeFigureOut">
               <a:rPr lang="ko-KR" altLang="en-US" smtClean="0"/>
-              <a:t>2025-02-14</a:t>
+              <a:t>2025-02-17</a:t>
             </a:fld>
             <a:endParaRPr lang="ko-KR" altLang="en-US"/>
           </a:p>
@@ -3818,7 +3818,7 @@
           <a:p>
             <a:fld id="{9726B004-2BA4-4F9F-9C81-E8C2B4C1763F}" type="datetimeFigureOut">
               <a:rPr lang="ko-KR" altLang="en-US" smtClean="0"/>
-              <a:t>2025-02-14</a:t>
+              <a:t>2025-02-17</a:t>
             </a:fld>
             <a:endParaRPr lang="ko-KR" altLang="en-US"/>
           </a:p>
@@ -4098,7 +4098,7 @@
           <a:p>
             <a:fld id="{9726B004-2BA4-4F9F-9C81-E8C2B4C1763F}" type="datetimeFigureOut">
               <a:rPr lang="ko-KR" altLang="en-US" smtClean="0"/>
-              <a:t>2025-02-14</a:t>
+              <a:t>2025-02-17</a:t>
             </a:fld>
             <a:endParaRPr lang="ko-KR" altLang="en-US"/>
           </a:p>
@@ -4365,7 +4365,7 @@
           <a:p>
             <a:fld id="{9726B004-2BA4-4F9F-9C81-E8C2B4C1763F}" type="datetimeFigureOut">
               <a:rPr lang="ko-KR" altLang="en-US" smtClean="0"/>
-              <a:t>2025-02-14</a:t>
+              <a:t>2025-02-17</a:t>
             </a:fld>
             <a:endParaRPr lang="ko-KR" altLang="en-US"/>
           </a:p>
@@ -4780,7 +4780,7 @@
           <a:p>
             <a:fld id="{9726B004-2BA4-4F9F-9C81-E8C2B4C1763F}" type="datetimeFigureOut">
               <a:rPr lang="ko-KR" altLang="en-US" smtClean="0"/>
-              <a:t>2025-02-14</a:t>
+              <a:t>2025-02-17</a:t>
             </a:fld>
             <a:endParaRPr lang="ko-KR" altLang="en-US"/>
           </a:p>
@@ -4928,7 +4928,7 @@
           <a:p>
             <a:fld id="{9726B004-2BA4-4F9F-9C81-E8C2B4C1763F}" type="datetimeFigureOut">
               <a:rPr lang="ko-KR" altLang="en-US" smtClean="0"/>
-              <a:t>2025-02-14</a:t>
+              <a:t>2025-02-17</a:t>
             </a:fld>
             <a:endParaRPr lang="ko-KR" altLang="en-US"/>
           </a:p>
@@ -5053,7 +5053,7 @@
           <a:p>
             <a:fld id="{9726B004-2BA4-4F9F-9C81-E8C2B4C1763F}" type="datetimeFigureOut">
               <a:rPr lang="ko-KR" altLang="en-US" smtClean="0"/>
-              <a:t>2025-02-14</a:t>
+              <a:t>2025-02-17</a:t>
             </a:fld>
             <a:endParaRPr lang="ko-KR" altLang="en-US"/>
           </a:p>
@@ -5332,7 +5332,7 @@
           <a:p>
             <a:fld id="{9726B004-2BA4-4F9F-9C81-E8C2B4C1763F}" type="datetimeFigureOut">
               <a:rPr lang="ko-KR" altLang="en-US" smtClean="0"/>
-              <a:t>2025-02-14</a:t>
+              <a:t>2025-02-17</a:t>
             </a:fld>
             <a:endParaRPr lang="ko-KR" altLang="en-US"/>
           </a:p>
@@ -5644,7 +5644,7 @@
           <a:p>
             <a:fld id="{9726B004-2BA4-4F9F-9C81-E8C2B4C1763F}" type="datetimeFigureOut">
               <a:rPr lang="ko-KR" altLang="en-US" smtClean="0"/>
-              <a:t>2025-02-14</a:t>
+              <a:t>2025-02-17</a:t>
             </a:fld>
             <a:endParaRPr lang="ko-KR" altLang="en-US"/>
           </a:p>
@@ -5897,7 +5897,7 @@
           <a:p>
             <a:fld id="{9726B004-2BA4-4F9F-9C81-E8C2B4C1763F}" type="datetimeFigureOut">
               <a:rPr lang="ko-KR" altLang="en-US" smtClean="0"/>
-              <a:t>2025-02-14</a:t>
+              <a:t>2025-02-17</a:t>
             </a:fld>
             <a:endParaRPr lang="ko-KR" altLang="en-US"/>
           </a:p>
@@ -6663,6 +6663,53 @@
           </a:p>
         </p:txBody>
       </p:sp>
+      <p:pic>
+        <p:nvPicPr>
+          <p:cNvPr id="1026" name="Picture 2" descr="https://search.pstatic.net/common/?src=http%3A%2F%2Fblogfiles.naver.net%2FMjAyNDExMjJfMzAg%2FMDAxNzMyMjM5NjAxODUz._8w42j19DlDgNg3viLItImbUWx2SDFgTnhy3hxm-aEsg.bzadrNzGrgDImfCXQTLJhAicbrsNxVuykQHqaucic3sg.JPEG%2FCK_ti122a12506.jpg&amp;type=sc960_832">
+            <a:extLst>
+              <a:ext uri="{FF2B5EF4-FFF2-40B4-BE49-F238E27FC236}">
+                <a16:creationId xmlns:a16="http://schemas.microsoft.com/office/drawing/2014/main" id="{20EC7953-128D-4C67-831A-06995F31EC57}"/>
+              </a:ext>
+            </a:extLst>
+          </p:cNvPr>
+          <p:cNvPicPr>
+            <a:picLocks noChangeAspect="1" noChangeArrowheads="1"/>
+          </p:cNvPicPr>
+          <p:nvPr/>
+        </p:nvPicPr>
+        <p:blipFill>
+          <a:blip r:embed="rId2">
+            <a:extLst>
+              <a:ext uri="{28A0092B-C50C-407E-A947-70E740481C1C}">
+                <a14:useLocalDpi xmlns:a14="http://schemas.microsoft.com/office/drawing/2010/main" val="0"/>
+              </a:ext>
+            </a:extLst>
+          </a:blip>
+          <a:srcRect/>
+          <a:stretch>
+            <a:fillRect/>
+          </a:stretch>
+        </p:blipFill>
+        <p:spPr bwMode="auto">
+          <a:xfrm>
+            <a:off x="6294785" y="1871338"/>
+            <a:ext cx="4811180" cy="4147011"/>
+          </a:xfrm>
+          <a:prstGeom prst="rect">
+            <a:avLst/>
+          </a:prstGeom>
+          <a:noFill/>
+          <a:extLst>
+            <a:ext uri="{909E8E84-426E-40DD-AFC4-6F175D3DCCD1}">
+              <a14:hiddenFill xmlns:a14="http://schemas.microsoft.com/office/drawing/2010/main">
+                <a:solidFill>
+                  <a:srgbClr val="FFFFFF"/>
+                </a:solidFill>
+              </a14:hiddenFill>
+            </a:ext>
+          </a:extLst>
+        </p:spPr>
+      </p:pic>
     </p:spTree>
     <p:extLst>
       <p:ext uri="{BB962C8B-B14F-4D97-AF65-F5344CB8AC3E}">
@@ -6875,10 +6922,10 @@
       </p:sp>
       <p:graphicFrame>
         <p:nvGraphicFramePr>
-          <p:cNvPr id="5" name="내용 개체 틀 4">
+          <p:cNvPr id="11" name="내용 개체 틀 10">
             <a:extLst>
               <a:ext uri="{FF2B5EF4-FFF2-40B4-BE49-F238E27FC236}">
-                <a16:creationId xmlns:a16="http://schemas.microsoft.com/office/drawing/2014/main" id="{09126E82-5A30-444C-99BB-DEED8D92B094}"/>
+                <a16:creationId xmlns:a16="http://schemas.microsoft.com/office/drawing/2014/main" id="{48EDA438-8F65-493F-9DC8-5C42F7433874}"/>
               </a:ext>
             </a:extLst>
           </p:cNvPr>
@@ -6889,63 +6936,63 @@
             <p:ph idx="1"/>
             <p:extLst>
               <p:ext uri="{D42A27DB-BD31-4B8C-83A1-F6EECF244321}">
-                <p14:modId xmlns:p14="http://schemas.microsoft.com/office/powerpoint/2010/main" val="4128695126"/>
+                <p14:modId xmlns:p14="http://schemas.microsoft.com/office/powerpoint/2010/main" val="684788831"/>
               </p:ext>
             </p:extLst>
           </p:nvPr>
         </p:nvGraphicFramePr>
         <p:xfrm>
-          <a:off x="1152939" y="2067340"/>
-          <a:ext cx="9475305" cy="4121425"/>
+          <a:off x="1047565" y="1926454"/>
+          <a:ext cx="8558074" cy="4039340"/>
         </p:xfrm>
         <a:graphic>
           <a:graphicData uri="http://schemas.openxmlformats.org/drawingml/2006/table">
             <a:tbl>
               <a:tblPr/>
               <a:tblGrid>
-                <a:gridCol w="1895061">
+                <a:gridCol w="2799370">
                   <a:extLst>
                     <a:ext uri="{9D8B030D-6E8A-4147-A177-3AD203B41FA5}">
-                      <a16:colId xmlns:a16="http://schemas.microsoft.com/office/drawing/2014/main" val="3966821736"/>
+                      <a16:colId xmlns:a16="http://schemas.microsoft.com/office/drawing/2014/main" val="1994951601"/>
                     </a:ext>
                   </a:extLst>
                 </a:gridCol>
-                <a:gridCol w="1895061">
+                <a:gridCol w="1439676">
                   <a:extLst>
                     <a:ext uri="{9D8B030D-6E8A-4147-A177-3AD203B41FA5}">
-                      <a16:colId xmlns:a16="http://schemas.microsoft.com/office/drawing/2014/main" val="1578282114"/>
+                      <a16:colId xmlns:a16="http://schemas.microsoft.com/office/drawing/2014/main" val="2760721798"/>
                     </a:ext>
                   </a:extLst>
                 </a:gridCol>
-                <a:gridCol w="1895061">
+                <a:gridCol w="1439676">
                   <a:extLst>
                     <a:ext uri="{9D8B030D-6E8A-4147-A177-3AD203B41FA5}">
-                      <a16:colId xmlns:a16="http://schemas.microsoft.com/office/drawing/2014/main" val="1175084819"/>
+                      <a16:colId xmlns:a16="http://schemas.microsoft.com/office/drawing/2014/main" val="3344912898"/>
                     </a:ext>
                   </a:extLst>
                 </a:gridCol>
-                <a:gridCol w="1895061">
+                <a:gridCol w="1439676">
                   <a:extLst>
                     <a:ext uri="{9D8B030D-6E8A-4147-A177-3AD203B41FA5}">
-                      <a16:colId xmlns:a16="http://schemas.microsoft.com/office/drawing/2014/main" val="3625906061"/>
+                      <a16:colId xmlns:a16="http://schemas.microsoft.com/office/drawing/2014/main" val="1840958659"/>
                     </a:ext>
                   </a:extLst>
                 </a:gridCol>
-                <a:gridCol w="1895061">
+                <a:gridCol w="1439676">
                   <a:extLst>
                     <a:ext uri="{9D8B030D-6E8A-4147-A177-3AD203B41FA5}">
-                      <a16:colId xmlns:a16="http://schemas.microsoft.com/office/drawing/2014/main" val="2097413338"/>
+                      <a16:colId xmlns:a16="http://schemas.microsoft.com/office/drawing/2014/main" val="4141921100"/>
                     </a:ext>
                   </a:extLst>
                 </a:gridCol>
               </a:tblGrid>
-              <a:tr h="620187">
+              <a:tr h="431386">
                 <a:tc>
                   <a:txBody>
                     <a:bodyPr/>
                     <a:lstStyle/>
                     <a:p>
-                      <a:pPr algn="l" fontAlgn="b"/>
+                      <a:pPr algn="l" fontAlgn="ctr"/>
                       <a:endParaRPr lang="ko-KR" altLang="en-US" sz="1100" b="0" i="0" u="none" strike="noStrike" dirty="0">
                         <a:solidFill>
                           <a:srgbClr val="000000"/>
@@ -6956,7 +7003,7 @@
                       </a:endParaRPr>
                     </a:p>
                   </a:txBody>
-                  <a:tcPr marL="9525" marR="9525" marT="9525" marB="0" anchor="b">
+                  <a:tcPr marL="9525" marR="9525" marT="9525" marB="0" anchor="ctr">
                     <a:lnL w="12700" cap="flat" cmpd="sng" algn="ctr">
                       <a:solidFill>
                         <a:schemeClr val="tx1"/>
@@ -7000,9 +7047,9 @@
                     <a:bodyPr/>
                     <a:lstStyle/>
                     <a:p>
-                      <a:pPr algn="l" fontAlgn="b"/>
+                      <a:pPr algn="l" fontAlgn="ctr"/>
                       <a:r>
-                        <a:rPr lang="en-US" altLang="ko-KR" sz="1100" b="0" i="0" u="none" strike="noStrike">
+                        <a:rPr lang="en-US" altLang="ko-KR" sz="1100" b="0" i="0" u="none" strike="noStrike" dirty="0">
                           <a:solidFill>
                             <a:srgbClr val="000000"/>
                           </a:solidFill>
@@ -7013,7 +7060,7 @@
                         <a:t>1</a:t>
                       </a:r>
                       <a:r>
-                        <a:rPr lang="ko-KR" altLang="en-US" sz="1100" b="0" i="0" u="none" strike="noStrike">
+                        <a:rPr lang="ko-KR" altLang="en-US" sz="1100" b="0" i="0" u="none" strike="noStrike" dirty="0">
                           <a:solidFill>
                             <a:srgbClr val="000000"/>
                           </a:solidFill>
@@ -7025,7 +7072,7 @@
                       </a:r>
                     </a:p>
                   </a:txBody>
-                  <a:tcPr marL="9525" marR="9525" marT="9525" marB="0" anchor="b">
+                  <a:tcPr marL="9525" marR="9525" marT="9525" marB="0" anchor="ctr">
                     <a:lnL w="12700" cap="flat" cmpd="sng" algn="ctr">
                       <a:solidFill>
                         <a:schemeClr val="tx1"/>
@@ -7069,7 +7116,7 @@
                     <a:bodyPr/>
                     <a:lstStyle/>
                     <a:p>
-                      <a:pPr algn="l" fontAlgn="b"/>
+                      <a:pPr algn="l" fontAlgn="ctr"/>
                       <a:r>
                         <a:rPr lang="en-US" altLang="ko-KR" sz="1100" b="0" i="0" u="none" strike="noStrike">
                           <a:solidFill>
@@ -7094,7 +7141,7 @@
                       </a:r>
                     </a:p>
                   </a:txBody>
-                  <a:tcPr marL="9525" marR="9525" marT="9525" marB="0" anchor="b">
+                  <a:tcPr marL="9525" marR="9525" marT="9525" marB="0" anchor="ctr">
                     <a:lnL w="12700" cap="flat" cmpd="sng" algn="ctr">
                       <a:solidFill>
                         <a:schemeClr val="tx1"/>
@@ -7138,7 +7185,7 @@
                     <a:bodyPr/>
                     <a:lstStyle/>
                     <a:p>
-                      <a:pPr algn="l" fontAlgn="b"/>
+                      <a:pPr algn="l" fontAlgn="ctr"/>
                       <a:r>
                         <a:rPr lang="en-US" altLang="ko-KR" sz="1100" b="0" i="0" u="none" strike="noStrike">
                           <a:solidFill>
@@ -7163,7 +7210,7 @@
                       </a:r>
                     </a:p>
                   </a:txBody>
-                  <a:tcPr marL="9525" marR="9525" marT="9525" marB="0" anchor="b">
+                  <a:tcPr marL="9525" marR="9525" marT="9525" marB="0" anchor="ctr">
                     <a:lnL w="12700" cap="flat" cmpd="sng" algn="ctr">
                       <a:solidFill>
                         <a:schemeClr val="tx1"/>
@@ -7207,7 +7254,7 @@
                     <a:bodyPr/>
                     <a:lstStyle/>
                     <a:p>
-                      <a:pPr algn="l" fontAlgn="b"/>
+                      <a:pPr algn="l" fontAlgn="ctr"/>
                       <a:r>
                         <a:rPr lang="en-US" altLang="ko-KR" sz="1100" b="0" i="0" u="none" strike="noStrike">
                           <a:solidFill>
@@ -7232,7 +7279,7 @@
                       </a:r>
                     </a:p>
                   </a:txBody>
-                  <a:tcPr marL="9525" marR="9525" marT="9525" marB="0" anchor="b">
+                  <a:tcPr marL="9525" marR="9525" marT="9525" marB="0" anchor="ctr">
                     <a:lnL w="12700" cap="flat" cmpd="sng" algn="ctr">
                       <a:solidFill>
                         <a:schemeClr val="tx1"/>
@@ -7273,17 +7320,17 @@
                 </a:tc>
                 <a:extLst>
                   <a:ext uri="{0D108BD9-81ED-4DB2-BD59-A6C34878D82A}">
-                    <a16:rowId xmlns:a16="http://schemas.microsoft.com/office/drawing/2014/main" val="1177612561"/>
+                    <a16:rowId xmlns:a16="http://schemas.microsoft.com/office/drawing/2014/main" val="3011588133"/>
                   </a:ext>
                 </a:extLst>
               </a:tr>
-              <a:tr h="1020490">
+              <a:tr h="431386">
                 <a:tc>
                   <a:txBody>
                     <a:bodyPr/>
                     <a:lstStyle/>
                     <a:p>
-                      <a:pPr algn="l" fontAlgn="b"/>
+                      <a:pPr algn="l" fontAlgn="ctr"/>
                       <a:r>
                         <a:rPr lang="ko-KR" altLang="en-US" sz="1100" b="0" i="0" u="none" strike="noStrike" dirty="0">
                           <a:solidFill>
@@ -7293,33 +7340,11 @@
                           <a:latin typeface="맑은 고딕" panose="020B0503020000020004" pitchFamily="50" charset="-127"/>
                           <a:ea typeface="맑은 고딕" panose="020B0503020000020004" pitchFamily="50" charset="-127"/>
                         </a:rPr>
-                        <a:t>화면설계</a:t>
-                      </a:r>
-                      <a:r>
-                        <a:rPr lang="en-US" altLang="ko-KR" sz="1100" b="0" i="0" u="none" strike="noStrike" dirty="0">
-                          <a:solidFill>
-                            <a:srgbClr val="000000"/>
-                          </a:solidFill>
-                          <a:effectLst/>
-                          <a:latin typeface="맑은 고딕" panose="020B0503020000020004" pitchFamily="50" charset="-127"/>
-                          <a:ea typeface="맑은 고딕" panose="020B0503020000020004" pitchFamily="50" charset="-127"/>
-                        </a:rPr>
-                        <a:t>/</a:t>
-                      </a:r>
-                      <a:r>
-                        <a:rPr lang="ko-KR" altLang="en-US" sz="1100" b="0" i="0" u="none" strike="noStrike" dirty="0">
-                          <a:solidFill>
-                            <a:srgbClr val="000000"/>
-                          </a:solidFill>
-                          <a:effectLst/>
-                          <a:latin typeface="맑은 고딕" panose="020B0503020000020004" pitchFamily="50" charset="-127"/>
-                          <a:ea typeface="맑은 고딕" panose="020B0503020000020004" pitchFamily="50" charset="-127"/>
-                        </a:rPr>
-                        <a:t>구현</a:t>
+                        <a:t>화면 설계</a:t>
                       </a:r>
                     </a:p>
                   </a:txBody>
-                  <a:tcPr marL="9525" marR="9525" marT="9525" marB="0" anchor="b">
+                  <a:tcPr marL="9525" marR="9525" marT="9525" marB="0" anchor="ctr">
                     <a:lnL w="12700" cap="flat" cmpd="sng" algn="ctr">
                       <a:solidFill>
                         <a:schemeClr val="tx1"/>
@@ -7356,14 +7381,6 @@
                       <a:headEnd type="none" w="med" len="med"/>
                       <a:tailEnd type="none" w="med" len="med"/>
                     </a:lnB>
-                    <a:lnTlToBr w="12700" cmpd="sng">
-                      <a:noFill/>
-                      <a:prstDash val="solid"/>
-                    </a:lnTlToBr>
-                    <a:lnBlToTr w="12700" cmpd="sng">
-                      <a:noFill/>
-                      <a:prstDash val="solid"/>
-                    </a:lnBlToTr>
                   </a:tcPr>
                 </a:tc>
                 <a:tc>
@@ -7371,11 +7388,11 @@
                     <a:bodyPr/>
                     <a:lstStyle/>
                     <a:p>
-                      <a:pPr algn="l" fontAlgn="b"/>
+                      <a:pPr algn="l" fontAlgn="ctr"/>
                       <a:r>
-                        <a:rPr lang="ko-KR" altLang="en-US" sz="1100" b="0" i="0" u="none" strike="noStrike" dirty="0">
+                        <a:rPr lang="ko-KR" altLang="en-US" sz="1100" b="0" i="0" u="none" strike="noStrike">
                           <a:solidFill>
-                            <a:srgbClr val="FFFF00"/>
+                            <a:srgbClr val="4472C4"/>
                           </a:solidFill>
                           <a:effectLst/>
                           <a:latin typeface="맑은 고딕" panose="020B0503020000020004" pitchFamily="50" charset="-127"/>
@@ -7385,7 +7402,7 @@
                       </a:r>
                     </a:p>
                   </a:txBody>
-                  <a:tcPr marL="9525" marR="9525" marT="9525" marB="0" anchor="b">
+                  <a:tcPr marL="9525" marR="9525" marT="9525" marB="0" anchor="ctr">
                     <a:lnL w="12700" cap="flat" cmpd="sng" algn="ctr">
                       <a:solidFill>
                         <a:schemeClr val="tx1"/>
@@ -7423,7 +7440,7 @@
                       <a:tailEnd type="none" w="med" len="med"/>
                     </a:lnB>
                     <a:solidFill>
-                      <a:srgbClr val="FFFF00"/>
+                      <a:srgbClr val="8EA9DB"/>
                     </a:solidFill>
                   </a:tcPr>
                 </a:tc>
@@ -7432,62 +7449,7 @@
                     <a:bodyPr/>
                     <a:lstStyle/>
                     <a:p>
-                      <a:pPr algn="l" fontAlgn="b"/>
-                      <a:endParaRPr lang="ko-KR" altLang="en-US" sz="1100" b="0" i="0" u="none" strike="noStrike" dirty="0">
-                        <a:solidFill>
-                          <a:srgbClr val="000000"/>
-                        </a:solidFill>
-                        <a:effectLst/>
-                        <a:latin typeface="맑은 고딕" panose="020B0503020000020004" pitchFamily="50" charset="-127"/>
-                        <a:ea typeface="맑은 고딕" panose="020B0503020000020004" pitchFamily="50" charset="-127"/>
-                      </a:endParaRPr>
-                    </a:p>
-                  </a:txBody>
-                  <a:tcPr marL="9525" marR="9525" marT="9525" marB="0" anchor="b">
-                    <a:lnL w="12700" cap="flat" cmpd="sng" algn="ctr">
-                      <a:solidFill>
-                        <a:schemeClr val="tx1"/>
-                      </a:solidFill>
-                      <a:prstDash val="solid"/>
-                      <a:round/>
-                      <a:headEnd type="none" w="med" len="med"/>
-                      <a:tailEnd type="none" w="med" len="med"/>
-                    </a:lnL>
-                    <a:lnR w="12700" cap="flat" cmpd="sng" algn="ctr">
-                      <a:solidFill>
-                        <a:schemeClr val="tx1"/>
-                      </a:solidFill>
-                      <a:prstDash val="solid"/>
-                      <a:round/>
-                      <a:headEnd type="none" w="med" len="med"/>
-                      <a:tailEnd type="none" w="med" len="med"/>
-                    </a:lnR>
-                    <a:lnT w="12700" cap="flat" cmpd="sng" algn="ctr">
-                      <a:solidFill>
-                        <a:schemeClr val="tx1"/>
-                      </a:solidFill>
-                      <a:prstDash val="solid"/>
-                      <a:round/>
-                      <a:headEnd type="none" w="med" len="med"/>
-                      <a:tailEnd type="none" w="med" len="med"/>
-                    </a:lnT>
-                    <a:lnB w="12700" cap="flat" cmpd="sng" algn="ctr">
-                      <a:solidFill>
-                        <a:schemeClr val="tx1"/>
-                      </a:solidFill>
-                      <a:prstDash val="solid"/>
-                      <a:round/>
-                      <a:headEnd type="none" w="med" len="med"/>
-                      <a:tailEnd type="none" w="med" len="med"/>
-                    </a:lnB>
-                  </a:tcPr>
-                </a:tc>
-                <a:tc>
-                  <a:txBody>
-                    <a:bodyPr/>
-                    <a:lstStyle/>
-                    <a:p>
-                      <a:pPr algn="l" fontAlgn="b"/>
+                      <a:pPr algn="l" fontAlgn="ctr"/>
                       <a:endParaRPr lang="ko-KR" altLang="en-US" sz="1100" b="0" i="0" u="none" strike="noStrike">
                         <a:solidFill>
                           <a:srgbClr val="000000"/>
@@ -7498,7 +7460,7 @@
                       </a:endParaRPr>
                     </a:p>
                   </a:txBody>
-                  <a:tcPr marL="9525" marR="9525" marT="9525" marB="0" anchor="b">
+                  <a:tcPr marL="9525" marR="9525" marT="9525" marB="0" anchor="ctr">
                     <a:lnL w="12700" cap="flat" cmpd="sng" algn="ctr">
                       <a:solidFill>
                         <a:schemeClr val="tx1"/>
@@ -7542,7 +7504,7 @@
                     <a:bodyPr/>
                     <a:lstStyle/>
                     <a:p>
-                      <a:pPr algn="l" fontAlgn="b"/>
+                      <a:pPr algn="l" fontAlgn="ctr"/>
                       <a:endParaRPr lang="ko-KR" altLang="en-US" sz="1100" b="0" i="0" u="none" strike="noStrike">
                         <a:solidFill>
                           <a:srgbClr val="000000"/>
@@ -7553,7 +7515,62 @@
                       </a:endParaRPr>
                     </a:p>
                   </a:txBody>
-                  <a:tcPr marL="9525" marR="9525" marT="9525" marB="0" anchor="b">
+                  <a:tcPr marL="9525" marR="9525" marT="9525" marB="0" anchor="ctr">
+                    <a:lnL w="12700" cap="flat" cmpd="sng" algn="ctr">
+                      <a:solidFill>
+                        <a:schemeClr val="tx1"/>
+                      </a:solidFill>
+                      <a:prstDash val="solid"/>
+                      <a:round/>
+                      <a:headEnd type="none" w="med" len="med"/>
+                      <a:tailEnd type="none" w="med" len="med"/>
+                    </a:lnL>
+                    <a:lnR w="12700" cap="flat" cmpd="sng" algn="ctr">
+                      <a:solidFill>
+                        <a:schemeClr val="tx1"/>
+                      </a:solidFill>
+                      <a:prstDash val="solid"/>
+                      <a:round/>
+                      <a:headEnd type="none" w="med" len="med"/>
+                      <a:tailEnd type="none" w="med" len="med"/>
+                    </a:lnR>
+                    <a:lnT w="12700" cap="flat" cmpd="sng" algn="ctr">
+                      <a:solidFill>
+                        <a:schemeClr val="tx1"/>
+                      </a:solidFill>
+                      <a:prstDash val="solid"/>
+                      <a:round/>
+                      <a:headEnd type="none" w="med" len="med"/>
+                      <a:tailEnd type="none" w="med" len="med"/>
+                    </a:lnT>
+                    <a:lnB w="12700" cap="flat" cmpd="sng" algn="ctr">
+                      <a:solidFill>
+                        <a:schemeClr val="tx1"/>
+                      </a:solidFill>
+                      <a:prstDash val="solid"/>
+                      <a:round/>
+                      <a:headEnd type="none" w="med" len="med"/>
+                      <a:tailEnd type="none" w="med" len="med"/>
+                    </a:lnB>
+                  </a:tcPr>
+                </a:tc>
+                <a:tc>
+                  <a:txBody>
+                    <a:bodyPr/>
+                    <a:lstStyle/>
+                    <a:p>
+                      <a:pPr algn="l" fontAlgn="ctr"/>
+                      <a:endParaRPr lang="ko-KR" altLang="en-US" sz="1100" b="0" i="0" u="none" strike="noStrike">
+                        <a:solidFill>
+                          <a:srgbClr val="000000"/>
+                        </a:solidFill>
+                        <a:effectLst/>
+                        <a:latin typeface="맑은 고딕" panose="020B0503020000020004" pitchFamily="50" charset="-127"/>
+                        <a:ea typeface="맑은 고딕" panose="020B0503020000020004" pitchFamily="50" charset="-127"/>
+                      </a:endParaRPr>
+                    </a:p>
+                  </a:txBody>
+                  <a:tcPr marL="9525" marR="9525" marT="9525" marB="0" anchor="ctr">
                     <a:lnL w="12700" cap="flat" cmpd="sng" algn="ctr">
                       <a:solidFill>
                         <a:schemeClr val="tx1"/>
@@ -7594,17 +7611,308 @@
                 </a:tc>
                 <a:extLst>
                   <a:ext uri="{0D108BD9-81ED-4DB2-BD59-A6C34878D82A}">
-                    <a16:rowId xmlns:a16="http://schemas.microsoft.com/office/drawing/2014/main" val="1187360111"/>
+                    <a16:rowId xmlns:a16="http://schemas.microsoft.com/office/drawing/2014/main" val="1884858456"/>
                   </a:ext>
                 </a:extLst>
               </a:tr>
-              <a:tr h="620187">
-                <a:tc gridSpan="2">
+              <a:tr h="431386">
+                <a:tc>
                   <a:txBody>
                     <a:bodyPr/>
                     <a:lstStyle/>
                     <a:p>
-                      <a:pPr algn="l" fontAlgn="b"/>
+                      <a:pPr algn="l" fontAlgn="ctr"/>
+                      <a:r>
+                        <a:rPr lang="ko-KR" altLang="en-US" sz="1100" b="0" i="0" u="none" strike="noStrike">
+                          <a:solidFill>
+                            <a:srgbClr val="000000"/>
+                          </a:solidFill>
+                          <a:effectLst/>
+                          <a:latin typeface="맑은 고딕" panose="020B0503020000020004" pitchFamily="50" charset="-127"/>
+                          <a:ea typeface="맑은 고딕" panose="020B0503020000020004" pitchFamily="50" charset="-127"/>
+                        </a:rPr>
+                        <a:t>화면 구현</a:t>
+                      </a:r>
+                    </a:p>
+                  </a:txBody>
+                  <a:tcPr marL="9525" marR="9525" marT="9525" marB="0" anchor="ctr">
+                    <a:lnL w="12700" cap="flat" cmpd="sng" algn="ctr">
+                      <a:solidFill>
+                        <a:schemeClr val="tx1"/>
+                      </a:solidFill>
+                      <a:prstDash val="solid"/>
+                      <a:round/>
+                      <a:headEnd type="none" w="med" len="med"/>
+                      <a:tailEnd type="none" w="med" len="med"/>
+                    </a:lnL>
+                    <a:lnR w="12700" cap="flat" cmpd="sng" algn="ctr">
+                      <a:solidFill>
+                        <a:schemeClr val="tx1"/>
+                      </a:solidFill>
+                      <a:prstDash val="solid"/>
+                      <a:round/>
+                      <a:headEnd type="none" w="med" len="med"/>
+                      <a:tailEnd type="none" w="med" len="med"/>
+                    </a:lnR>
+                    <a:lnT w="12700" cap="flat" cmpd="sng" algn="ctr">
+                      <a:solidFill>
+                        <a:schemeClr val="tx1"/>
+                      </a:solidFill>
+                      <a:prstDash val="solid"/>
+                      <a:round/>
+                      <a:headEnd type="none" w="med" len="med"/>
+                      <a:tailEnd type="none" w="med" len="med"/>
+                    </a:lnT>
+                    <a:lnB w="12700" cap="flat" cmpd="sng" algn="ctr">
+                      <a:solidFill>
+                        <a:schemeClr val="tx1"/>
+                      </a:solidFill>
+                      <a:prstDash val="solid"/>
+                      <a:round/>
+                      <a:headEnd type="none" w="med" len="med"/>
+                      <a:tailEnd type="none" w="med" len="med"/>
+                    </a:lnB>
+                  </a:tcPr>
+                </a:tc>
+                <a:tc>
+                  <a:txBody>
+                    <a:bodyPr/>
+                    <a:lstStyle/>
+                    <a:p>
+                      <a:pPr algn="l" fontAlgn="ctr"/>
+                      <a:r>
+                        <a:rPr lang="ko-KR" altLang="en-US" sz="1100" b="0" i="0" u="none" strike="noStrike">
+                          <a:solidFill>
+                            <a:srgbClr val="000000"/>
+                          </a:solidFill>
+                          <a:effectLst/>
+                          <a:latin typeface="맑은 고딕" panose="020B0503020000020004" pitchFamily="50" charset="-127"/>
+                          <a:ea typeface="맑은 고딕" panose="020B0503020000020004" pitchFamily="50" charset="-127"/>
+                        </a:rPr>
+                        <a:t>　</a:t>
+                      </a:r>
+                    </a:p>
+                  </a:txBody>
+                  <a:tcPr marL="9525" marR="9525" marT="9525" marB="0" anchor="ctr">
+                    <a:lnL w="12700" cap="flat" cmpd="sng" algn="ctr">
+                      <a:solidFill>
+                        <a:schemeClr val="tx1"/>
+                      </a:solidFill>
+                      <a:prstDash val="solid"/>
+                      <a:round/>
+                      <a:headEnd type="none" w="med" len="med"/>
+                      <a:tailEnd type="none" w="med" len="med"/>
+                    </a:lnL>
+                    <a:lnR w="12700" cap="flat" cmpd="sng" algn="ctr">
+                      <a:solidFill>
+                        <a:schemeClr val="tx1"/>
+                      </a:solidFill>
+                      <a:prstDash val="solid"/>
+                      <a:round/>
+                      <a:headEnd type="none" w="med" len="med"/>
+                      <a:tailEnd type="none" w="med" len="med"/>
+                    </a:lnR>
+                    <a:lnT w="12700" cap="flat" cmpd="sng" algn="ctr">
+                      <a:solidFill>
+                        <a:schemeClr val="tx1"/>
+                      </a:solidFill>
+                      <a:prstDash val="solid"/>
+                      <a:round/>
+                      <a:headEnd type="none" w="med" len="med"/>
+                      <a:tailEnd type="none" w="med" len="med"/>
+                    </a:lnT>
+                    <a:lnB w="12700" cap="flat" cmpd="sng" algn="ctr">
+                      <a:solidFill>
+                        <a:schemeClr val="tx1"/>
+                      </a:solidFill>
+                      <a:prstDash val="solid"/>
+                      <a:round/>
+                      <a:headEnd type="none" w="med" len="med"/>
+                      <a:tailEnd type="none" w="med" len="med"/>
+                    </a:lnB>
+                    <a:solidFill>
+                      <a:srgbClr val="8EA9DB"/>
+                    </a:solidFill>
+                  </a:tcPr>
+                </a:tc>
+                <a:tc>
+                  <a:txBody>
+                    <a:bodyPr/>
+                    <a:lstStyle/>
+                    <a:p>
+                      <a:pPr algn="l" fontAlgn="ctr"/>
+                      <a:endParaRPr lang="ko-KR" altLang="en-US" sz="1100" b="0" i="0" u="none" strike="noStrike">
+                        <a:solidFill>
+                          <a:srgbClr val="000000"/>
+                        </a:solidFill>
+                        <a:effectLst/>
+                        <a:latin typeface="맑은 고딕" panose="020B0503020000020004" pitchFamily="50" charset="-127"/>
+                        <a:ea typeface="맑은 고딕" panose="020B0503020000020004" pitchFamily="50" charset="-127"/>
+                      </a:endParaRPr>
+                    </a:p>
+                  </a:txBody>
+                  <a:tcPr marL="9525" marR="9525" marT="9525" marB="0" anchor="ctr">
+                    <a:lnL w="12700" cap="flat" cmpd="sng" algn="ctr">
+                      <a:solidFill>
+                        <a:schemeClr val="tx1"/>
+                      </a:solidFill>
+                      <a:prstDash val="solid"/>
+                      <a:round/>
+                      <a:headEnd type="none" w="med" len="med"/>
+                      <a:tailEnd type="none" w="med" len="med"/>
+                    </a:lnL>
+                    <a:lnR w="12700" cap="flat" cmpd="sng" algn="ctr">
+                      <a:solidFill>
+                        <a:schemeClr val="tx1"/>
+                      </a:solidFill>
+                      <a:prstDash val="solid"/>
+                      <a:round/>
+                      <a:headEnd type="none" w="med" len="med"/>
+                      <a:tailEnd type="none" w="med" len="med"/>
+                    </a:lnR>
+                    <a:lnT w="12700" cap="flat" cmpd="sng" algn="ctr">
+                      <a:solidFill>
+                        <a:schemeClr val="tx1"/>
+                      </a:solidFill>
+                      <a:prstDash val="solid"/>
+                      <a:round/>
+                      <a:headEnd type="none" w="med" len="med"/>
+                      <a:tailEnd type="none" w="med" len="med"/>
+                    </a:lnT>
+                    <a:lnB w="12700" cap="flat" cmpd="sng" algn="ctr">
+                      <a:solidFill>
+                        <a:schemeClr val="tx1"/>
+                      </a:solidFill>
+                      <a:prstDash val="solid"/>
+                      <a:round/>
+                      <a:headEnd type="none" w="med" len="med"/>
+                      <a:tailEnd type="none" w="med" len="med"/>
+                    </a:lnB>
+                  </a:tcPr>
+                </a:tc>
+                <a:tc>
+                  <a:txBody>
+                    <a:bodyPr/>
+                    <a:lstStyle/>
+                    <a:p>
+                      <a:pPr algn="l" fontAlgn="ctr"/>
+                      <a:endParaRPr lang="ko-KR" altLang="en-US" sz="1100" b="0" i="0" u="none" strike="noStrike">
+                        <a:solidFill>
+                          <a:srgbClr val="000000"/>
+                        </a:solidFill>
+                        <a:effectLst/>
+                        <a:latin typeface="맑은 고딕" panose="020B0503020000020004" pitchFamily="50" charset="-127"/>
+                        <a:ea typeface="맑은 고딕" panose="020B0503020000020004" pitchFamily="50" charset="-127"/>
+                      </a:endParaRPr>
+                    </a:p>
+                  </a:txBody>
+                  <a:tcPr marL="9525" marR="9525" marT="9525" marB="0" anchor="ctr">
+                    <a:lnL w="12700" cap="flat" cmpd="sng" algn="ctr">
+                      <a:solidFill>
+                        <a:schemeClr val="tx1"/>
+                      </a:solidFill>
+                      <a:prstDash val="solid"/>
+                      <a:round/>
+                      <a:headEnd type="none" w="med" len="med"/>
+                      <a:tailEnd type="none" w="med" len="med"/>
+                    </a:lnL>
+                    <a:lnR w="12700" cap="flat" cmpd="sng" algn="ctr">
+                      <a:solidFill>
+                        <a:schemeClr val="tx1"/>
+                      </a:solidFill>
+                      <a:prstDash val="solid"/>
+                      <a:round/>
+                      <a:headEnd type="none" w="med" len="med"/>
+                      <a:tailEnd type="none" w="med" len="med"/>
+                    </a:lnR>
+                    <a:lnT w="12700" cap="flat" cmpd="sng" algn="ctr">
+                      <a:solidFill>
+                        <a:schemeClr val="tx1"/>
+                      </a:solidFill>
+                      <a:prstDash val="solid"/>
+                      <a:round/>
+                      <a:headEnd type="none" w="med" len="med"/>
+                      <a:tailEnd type="none" w="med" len="med"/>
+                    </a:lnT>
+                    <a:lnB w="12700" cap="flat" cmpd="sng" algn="ctr">
+                      <a:solidFill>
+                        <a:schemeClr val="tx1"/>
+                      </a:solidFill>
+                      <a:prstDash val="solid"/>
+                      <a:round/>
+                      <a:headEnd type="none" w="med" len="med"/>
+                      <a:tailEnd type="none" w="med" len="med"/>
+                    </a:lnB>
+                  </a:tcPr>
+                </a:tc>
+                <a:tc>
+                  <a:txBody>
+                    <a:bodyPr/>
+                    <a:lstStyle/>
+                    <a:p>
+                      <a:pPr algn="l" fontAlgn="ctr"/>
+                      <a:endParaRPr lang="ko-KR" altLang="en-US" sz="1100" b="0" i="0" u="none" strike="noStrike">
+                        <a:solidFill>
+                          <a:srgbClr val="000000"/>
+                        </a:solidFill>
+                        <a:effectLst/>
+                        <a:latin typeface="맑은 고딕" panose="020B0503020000020004" pitchFamily="50" charset="-127"/>
+                        <a:ea typeface="맑은 고딕" panose="020B0503020000020004" pitchFamily="50" charset="-127"/>
+                      </a:endParaRPr>
+                    </a:p>
+                  </a:txBody>
+                  <a:tcPr marL="9525" marR="9525" marT="9525" marB="0" anchor="ctr">
+                    <a:lnL w="12700" cap="flat" cmpd="sng" algn="ctr">
+                      <a:solidFill>
+                        <a:schemeClr val="tx1"/>
+                      </a:solidFill>
+                      <a:prstDash val="solid"/>
+                      <a:round/>
+                      <a:headEnd type="none" w="med" len="med"/>
+                      <a:tailEnd type="none" w="med" len="med"/>
+                    </a:lnL>
+                    <a:lnR w="12700" cap="flat" cmpd="sng" algn="ctr">
+                      <a:solidFill>
+                        <a:schemeClr val="tx1"/>
+                      </a:solidFill>
+                      <a:prstDash val="solid"/>
+                      <a:round/>
+                      <a:headEnd type="none" w="med" len="med"/>
+                      <a:tailEnd type="none" w="med" len="med"/>
+                    </a:lnR>
+                    <a:lnT w="12700" cap="flat" cmpd="sng" algn="ctr">
+                      <a:solidFill>
+                        <a:schemeClr val="tx1"/>
+                      </a:solidFill>
+                      <a:prstDash val="solid"/>
+                      <a:round/>
+                      <a:headEnd type="none" w="med" len="med"/>
+                      <a:tailEnd type="none" w="med" len="med"/>
+                    </a:lnT>
+                    <a:lnB w="12700" cap="flat" cmpd="sng" algn="ctr">
+                      <a:solidFill>
+                        <a:schemeClr val="tx1"/>
+                      </a:solidFill>
+                      <a:prstDash val="solid"/>
+                      <a:round/>
+                      <a:headEnd type="none" w="med" len="med"/>
+                      <a:tailEnd type="none" w="med" len="med"/>
+                    </a:lnB>
+                  </a:tcPr>
+                </a:tc>
+                <a:extLst>
+                  <a:ext uri="{0D108BD9-81ED-4DB2-BD59-A6C34878D82A}">
+                    <a16:rowId xmlns:a16="http://schemas.microsoft.com/office/drawing/2014/main" val="3241519366"/>
+                  </a:ext>
+                </a:extLst>
+              </a:tr>
+              <a:tr h="627470">
+                <a:tc>
+                  <a:txBody>
+                    <a:bodyPr/>
+                    <a:lstStyle/>
+                    <a:p>
+                      <a:pPr algn="l" fontAlgn="ctr"/>
                       <a:r>
                         <a:rPr lang="ko-KR" altLang="en-US" sz="1100" b="0" i="0" u="none" strike="noStrike">
                           <a:solidFill>
@@ -7616,17 +7924,108 @@
                         </a:rPr>
                         <a:t>데이터 수집</a:t>
                       </a:r>
-                      <a:r>
-                        <a:rPr lang="en-US" altLang="ko-KR" sz="1100" b="0" i="0" u="none" strike="noStrike">
-                          <a:solidFill>
-                            <a:srgbClr val="000000"/>
-                          </a:solidFill>
-                          <a:effectLst/>
-                          <a:latin typeface="맑은 고딕" panose="020B0503020000020004" pitchFamily="50" charset="-127"/>
-                          <a:ea typeface="맑은 고딕" panose="020B0503020000020004" pitchFamily="50" charset="-127"/>
-                        </a:rPr>
-                        <a:t>/</a:t>
-                      </a:r>
+                    </a:p>
+                  </a:txBody>
+                  <a:tcPr marL="9525" marR="9525" marT="9525" marB="0" anchor="ctr">
+                    <a:lnL w="12700" cap="flat" cmpd="sng" algn="ctr">
+                      <a:solidFill>
+                        <a:schemeClr val="tx1"/>
+                      </a:solidFill>
+                      <a:prstDash val="solid"/>
+                      <a:round/>
+                      <a:headEnd type="none" w="med" len="med"/>
+                      <a:tailEnd type="none" w="med" len="med"/>
+                    </a:lnL>
+                    <a:lnR w="12700" cap="flat" cmpd="sng" algn="ctr">
+                      <a:solidFill>
+                        <a:schemeClr val="tx1"/>
+                      </a:solidFill>
+                      <a:prstDash val="solid"/>
+                      <a:round/>
+                      <a:headEnd type="none" w="med" len="med"/>
+                      <a:tailEnd type="none" w="med" len="med"/>
+                    </a:lnR>
+                    <a:lnT w="12700" cap="flat" cmpd="sng" algn="ctr">
+                      <a:solidFill>
+                        <a:schemeClr val="tx1"/>
+                      </a:solidFill>
+                      <a:prstDash val="solid"/>
+                      <a:round/>
+                      <a:headEnd type="none" w="med" len="med"/>
+                      <a:tailEnd type="none" w="med" len="med"/>
+                    </a:lnT>
+                    <a:lnB w="12700" cap="flat" cmpd="sng" algn="ctr">
+                      <a:solidFill>
+                        <a:schemeClr val="tx1"/>
+                      </a:solidFill>
+                      <a:prstDash val="solid"/>
+                      <a:round/>
+                      <a:headEnd type="none" w="med" len="med"/>
+                      <a:tailEnd type="none" w="med" len="med"/>
+                    </a:lnB>
+                  </a:tcPr>
+                </a:tc>
+                <a:tc>
+                  <a:txBody>
+                    <a:bodyPr/>
+                    <a:lstStyle/>
+                    <a:p>
+                      <a:pPr algn="l" fontAlgn="ctr"/>
+                      <a:endParaRPr lang="ko-KR" altLang="en-US" sz="1100" b="0" i="0" u="none" strike="noStrike">
+                        <a:solidFill>
+                          <a:srgbClr val="000000"/>
+                        </a:solidFill>
+                        <a:effectLst/>
+                        <a:latin typeface="맑은 고딕" panose="020B0503020000020004" pitchFamily="50" charset="-127"/>
+                        <a:ea typeface="맑은 고딕" panose="020B0503020000020004" pitchFamily="50" charset="-127"/>
+                      </a:endParaRPr>
+                    </a:p>
+                  </a:txBody>
+                  <a:tcPr marL="9525" marR="9525" marT="9525" marB="0" anchor="ctr">
+                    <a:lnL w="12700" cap="flat" cmpd="sng" algn="ctr">
+                      <a:solidFill>
+                        <a:schemeClr val="tx1"/>
+                      </a:solidFill>
+                      <a:prstDash val="solid"/>
+                      <a:round/>
+                      <a:headEnd type="none" w="med" len="med"/>
+                      <a:tailEnd type="none" w="med" len="med"/>
+                    </a:lnL>
+                    <a:lnR w="12700" cap="flat" cmpd="sng" algn="ctr">
+                      <a:solidFill>
+                        <a:schemeClr val="tx1"/>
+                      </a:solidFill>
+                      <a:prstDash val="solid"/>
+                      <a:round/>
+                      <a:headEnd type="none" w="med" len="med"/>
+                      <a:tailEnd type="none" w="med" len="med"/>
+                    </a:lnR>
+                    <a:lnT w="12700" cap="flat" cmpd="sng" algn="ctr">
+                      <a:solidFill>
+                        <a:schemeClr val="tx1"/>
+                      </a:solidFill>
+                      <a:prstDash val="solid"/>
+                      <a:round/>
+                      <a:headEnd type="none" w="med" len="med"/>
+                      <a:tailEnd type="none" w="med" len="med"/>
+                    </a:lnT>
+                    <a:lnB w="12700" cap="flat" cmpd="sng" algn="ctr">
+                      <a:solidFill>
+                        <a:schemeClr val="tx1"/>
+                      </a:solidFill>
+                      <a:prstDash val="solid"/>
+                      <a:round/>
+                      <a:headEnd type="none" w="med" len="med"/>
+                      <a:tailEnd type="none" w="med" len="med"/>
+                    </a:lnB>
+                  </a:tcPr>
+                </a:tc>
+                <a:tc>
+                  <a:txBody>
+                    <a:bodyPr/>
+                    <a:lstStyle/>
+                    <a:p>
+                      <a:pPr algn="l" fontAlgn="ctr"/>
                       <a:r>
                         <a:rPr lang="ko-KR" altLang="en-US" sz="1100" b="0" i="0" u="none" strike="noStrike">
                           <a:solidFill>
@@ -7636,11 +8035,11 @@
                           <a:latin typeface="맑은 고딕" panose="020B0503020000020004" pitchFamily="50" charset="-127"/>
                           <a:ea typeface="맑은 고딕" panose="020B0503020000020004" pitchFamily="50" charset="-127"/>
                         </a:rPr>
-                        <a:t>전처리</a:t>
+                        <a:t>　</a:t>
                       </a:r>
                     </a:p>
                   </a:txBody>
-                  <a:tcPr marL="9525" marR="9525" marT="9525" marB="0" anchor="b">
+                  <a:tcPr marL="9525" marR="9525" marT="9525" marB="0" anchor="ctr">
                     <a:lnL w="12700" cap="flat" cmpd="sng" algn="ctr">
                       <a:solidFill>
                         <a:schemeClr val="tx1"/>
@@ -7677,25 +8076,599 @@
                       <a:headEnd type="none" w="med" len="med"/>
                       <a:tailEnd type="none" w="med" len="med"/>
                     </a:lnB>
+                    <a:solidFill>
+                      <a:srgbClr val="8EA9DB"/>
+                    </a:solidFill>
                   </a:tcPr>
-                </a:tc>
-                <a:tc hMerge="1">
-                  <a:txBody>
-                    <a:bodyPr/>
-                    <a:lstStyle/>
-                    <a:p>
-                      <a:pPr latinLnBrk="1"/>
-                      <a:endParaRPr lang="ko-KR" altLang="en-US"/>
-                    </a:p>
-                  </a:txBody>
-                  <a:tcPr/>
                 </a:tc>
                 <a:tc>
                   <a:txBody>
                     <a:bodyPr/>
                     <a:lstStyle/>
                     <a:p>
-                      <a:pPr algn="l" fontAlgn="b"/>
+                      <a:pPr algn="l" fontAlgn="ctr"/>
+                      <a:endParaRPr lang="ko-KR" altLang="en-US" sz="1100" b="0" i="0" u="none" strike="noStrike">
+                        <a:solidFill>
+                          <a:srgbClr val="000000"/>
+                        </a:solidFill>
+                        <a:effectLst/>
+                        <a:latin typeface="맑은 고딕" panose="020B0503020000020004" pitchFamily="50" charset="-127"/>
+                        <a:ea typeface="맑은 고딕" panose="020B0503020000020004" pitchFamily="50" charset="-127"/>
+                      </a:endParaRPr>
+                    </a:p>
+                  </a:txBody>
+                  <a:tcPr marL="9525" marR="9525" marT="9525" marB="0" anchor="ctr">
+                    <a:lnL w="12700" cap="flat" cmpd="sng" algn="ctr">
+                      <a:solidFill>
+                        <a:schemeClr val="tx1"/>
+                      </a:solidFill>
+                      <a:prstDash val="solid"/>
+                      <a:round/>
+                      <a:headEnd type="none" w="med" len="med"/>
+                      <a:tailEnd type="none" w="med" len="med"/>
+                    </a:lnL>
+                    <a:lnR w="12700" cap="flat" cmpd="sng" algn="ctr">
+                      <a:solidFill>
+                        <a:schemeClr val="tx1"/>
+                      </a:solidFill>
+                      <a:prstDash val="solid"/>
+                      <a:round/>
+                      <a:headEnd type="none" w="med" len="med"/>
+                      <a:tailEnd type="none" w="med" len="med"/>
+                    </a:lnR>
+                    <a:lnT w="12700" cap="flat" cmpd="sng" algn="ctr">
+                      <a:solidFill>
+                        <a:schemeClr val="tx1"/>
+                      </a:solidFill>
+                      <a:prstDash val="solid"/>
+                      <a:round/>
+                      <a:headEnd type="none" w="med" len="med"/>
+                      <a:tailEnd type="none" w="med" len="med"/>
+                    </a:lnT>
+                    <a:lnB w="12700" cap="flat" cmpd="sng" algn="ctr">
+                      <a:solidFill>
+                        <a:schemeClr val="tx1"/>
+                      </a:solidFill>
+                      <a:prstDash val="solid"/>
+                      <a:round/>
+                      <a:headEnd type="none" w="med" len="med"/>
+                      <a:tailEnd type="none" w="med" len="med"/>
+                    </a:lnB>
+                  </a:tcPr>
+                </a:tc>
+                <a:tc>
+                  <a:txBody>
+                    <a:bodyPr/>
+                    <a:lstStyle/>
+                    <a:p>
+                      <a:pPr algn="l" fontAlgn="ctr"/>
+                      <a:endParaRPr lang="ko-KR" altLang="en-US" sz="1100" b="0" i="0" u="none" strike="noStrike">
+                        <a:solidFill>
+                          <a:srgbClr val="000000"/>
+                        </a:solidFill>
+                        <a:effectLst/>
+                        <a:latin typeface="맑은 고딕" panose="020B0503020000020004" pitchFamily="50" charset="-127"/>
+                        <a:ea typeface="맑은 고딕" panose="020B0503020000020004" pitchFamily="50" charset="-127"/>
+                      </a:endParaRPr>
+                    </a:p>
+                  </a:txBody>
+                  <a:tcPr marL="9525" marR="9525" marT="9525" marB="0" anchor="ctr">
+                    <a:lnL w="12700" cap="flat" cmpd="sng" algn="ctr">
+                      <a:solidFill>
+                        <a:schemeClr val="tx1"/>
+                      </a:solidFill>
+                      <a:prstDash val="solid"/>
+                      <a:round/>
+                      <a:headEnd type="none" w="med" len="med"/>
+                      <a:tailEnd type="none" w="med" len="med"/>
+                    </a:lnL>
+                    <a:lnR w="12700" cap="flat" cmpd="sng" algn="ctr">
+                      <a:solidFill>
+                        <a:schemeClr val="tx1"/>
+                      </a:solidFill>
+                      <a:prstDash val="solid"/>
+                      <a:round/>
+                      <a:headEnd type="none" w="med" len="med"/>
+                      <a:tailEnd type="none" w="med" len="med"/>
+                    </a:lnR>
+                    <a:lnT w="12700" cap="flat" cmpd="sng" algn="ctr">
+                      <a:solidFill>
+                        <a:schemeClr val="tx1"/>
+                      </a:solidFill>
+                      <a:prstDash val="solid"/>
+                      <a:round/>
+                      <a:headEnd type="none" w="med" len="med"/>
+                      <a:tailEnd type="none" w="med" len="med"/>
+                    </a:lnT>
+                    <a:lnB w="12700" cap="flat" cmpd="sng" algn="ctr">
+                      <a:solidFill>
+                        <a:schemeClr val="tx1"/>
+                      </a:solidFill>
+                      <a:prstDash val="solid"/>
+                      <a:round/>
+                      <a:headEnd type="none" w="med" len="med"/>
+                      <a:tailEnd type="none" w="med" len="med"/>
+                    </a:lnB>
+                  </a:tcPr>
+                </a:tc>
+                <a:extLst>
+                  <a:ext uri="{0D108BD9-81ED-4DB2-BD59-A6C34878D82A}">
+                    <a16:rowId xmlns:a16="http://schemas.microsoft.com/office/drawing/2014/main" val="771905097"/>
+                  </a:ext>
+                </a:extLst>
+              </a:tr>
+              <a:tr h="431386">
+                <a:tc>
+                  <a:txBody>
+                    <a:bodyPr/>
+                    <a:lstStyle/>
+                    <a:p>
+                      <a:pPr algn="l" fontAlgn="ctr"/>
+                      <a:r>
+                        <a:rPr lang="ko-KR" altLang="en-US" sz="1100" b="0" i="0" u="none" strike="noStrike">
+                          <a:solidFill>
+                            <a:srgbClr val="000000"/>
+                          </a:solidFill>
+                          <a:effectLst/>
+                          <a:latin typeface="맑은 고딕" panose="020B0503020000020004" pitchFamily="50" charset="-127"/>
+                          <a:ea typeface="맑은 고딕" panose="020B0503020000020004" pitchFamily="50" charset="-127"/>
+                        </a:rPr>
+                        <a:t>데이터 전처리</a:t>
+                      </a:r>
+                    </a:p>
+                  </a:txBody>
+                  <a:tcPr marL="9525" marR="9525" marT="9525" marB="0" anchor="ctr">
+                    <a:lnL w="12700" cap="flat" cmpd="sng" algn="ctr">
+                      <a:solidFill>
+                        <a:schemeClr val="tx1"/>
+                      </a:solidFill>
+                      <a:prstDash val="solid"/>
+                      <a:round/>
+                      <a:headEnd type="none" w="med" len="med"/>
+                      <a:tailEnd type="none" w="med" len="med"/>
+                    </a:lnL>
+                    <a:lnR w="12700" cap="flat" cmpd="sng" algn="ctr">
+                      <a:solidFill>
+                        <a:schemeClr val="tx1"/>
+                      </a:solidFill>
+                      <a:prstDash val="solid"/>
+                      <a:round/>
+                      <a:headEnd type="none" w="med" len="med"/>
+                      <a:tailEnd type="none" w="med" len="med"/>
+                    </a:lnR>
+                    <a:lnT w="12700" cap="flat" cmpd="sng" algn="ctr">
+                      <a:solidFill>
+                        <a:schemeClr val="tx1"/>
+                      </a:solidFill>
+                      <a:prstDash val="solid"/>
+                      <a:round/>
+                      <a:headEnd type="none" w="med" len="med"/>
+                      <a:tailEnd type="none" w="med" len="med"/>
+                    </a:lnT>
+                    <a:lnB w="12700" cap="flat" cmpd="sng" algn="ctr">
+                      <a:solidFill>
+                        <a:schemeClr val="tx1"/>
+                      </a:solidFill>
+                      <a:prstDash val="solid"/>
+                      <a:round/>
+                      <a:headEnd type="none" w="med" len="med"/>
+                      <a:tailEnd type="none" w="med" len="med"/>
+                    </a:lnB>
+                  </a:tcPr>
+                </a:tc>
+                <a:tc>
+                  <a:txBody>
+                    <a:bodyPr/>
+                    <a:lstStyle/>
+                    <a:p>
+                      <a:pPr algn="l" fontAlgn="ctr"/>
+                      <a:endParaRPr lang="ko-KR" altLang="en-US" sz="1100" b="0" i="0" u="none" strike="noStrike">
+                        <a:solidFill>
+                          <a:srgbClr val="000000"/>
+                        </a:solidFill>
+                        <a:effectLst/>
+                        <a:latin typeface="맑은 고딕" panose="020B0503020000020004" pitchFamily="50" charset="-127"/>
+                        <a:ea typeface="맑은 고딕" panose="020B0503020000020004" pitchFamily="50" charset="-127"/>
+                      </a:endParaRPr>
+                    </a:p>
+                  </a:txBody>
+                  <a:tcPr marL="9525" marR="9525" marT="9525" marB="0" anchor="ctr">
+                    <a:lnL w="12700" cap="flat" cmpd="sng" algn="ctr">
+                      <a:solidFill>
+                        <a:schemeClr val="tx1"/>
+                      </a:solidFill>
+                      <a:prstDash val="solid"/>
+                      <a:round/>
+                      <a:headEnd type="none" w="med" len="med"/>
+                      <a:tailEnd type="none" w="med" len="med"/>
+                    </a:lnL>
+                    <a:lnR w="12700" cap="flat" cmpd="sng" algn="ctr">
+                      <a:solidFill>
+                        <a:schemeClr val="tx1"/>
+                      </a:solidFill>
+                      <a:prstDash val="solid"/>
+                      <a:round/>
+                      <a:headEnd type="none" w="med" len="med"/>
+                      <a:tailEnd type="none" w="med" len="med"/>
+                    </a:lnR>
+                    <a:lnT w="12700" cap="flat" cmpd="sng" algn="ctr">
+                      <a:solidFill>
+                        <a:schemeClr val="tx1"/>
+                      </a:solidFill>
+                      <a:prstDash val="solid"/>
+                      <a:round/>
+                      <a:headEnd type="none" w="med" len="med"/>
+                      <a:tailEnd type="none" w="med" len="med"/>
+                    </a:lnT>
+                    <a:lnB w="12700" cap="flat" cmpd="sng" algn="ctr">
+                      <a:solidFill>
+                        <a:schemeClr val="tx1"/>
+                      </a:solidFill>
+                      <a:prstDash val="solid"/>
+                      <a:round/>
+                      <a:headEnd type="none" w="med" len="med"/>
+                      <a:tailEnd type="none" w="med" len="med"/>
+                    </a:lnB>
+                  </a:tcPr>
+                </a:tc>
+                <a:tc>
+                  <a:txBody>
+                    <a:bodyPr/>
+                    <a:lstStyle/>
+                    <a:p>
+                      <a:pPr algn="l" fontAlgn="ctr"/>
+                      <a:r>
+                        <a:rPr lang="ko-KR" altLang="en-US" sz="1100" b="0" i="0" u="none" strike="noStrike">
+                          <a:solidFill>
+                            <a:srgbClr val="000000"/>
+                          </a:solidFill>
+                          <a:effectLst/>
+                          <a:latin typeface="맑은 고딕" panose="020B0503020000020004" pitchFamily="50" charset="-127"/>
+                          <a:ea typeface="맑은 고딕" panose="020B0503020000020004" pitchFamily="50" charset="-127"/>
+                        </a:rPr>
+                        <a:t>　</a:t>
+                      </a:r>
+                    </a:p>
+                  </a:txBody>
+                  <a:tcPr marL="9525" marR="9525" marT="9525" marB="0" anchor="ctr">
+                    <a:lnL w="12700" cap="flat" cmpd="sng" algn="ctr">
+                      <a:solidFill>
+                        <a:schemeClr val="tx1"/>
+                      </a:solidFill>
+                      <a:prstDash val="solid"/>
+                      <a:round/>
+                      <a:headEnd type="none" w="med" len="med"/>
+                      <a:tailEnd type="none" w="med" len="med"/>
+                    </a:lnL>
+                    <a:lnR w="12700" cap="flat" cmpd="sng" algn="ctr">
+                      <a:solidFill>
+                        <a:schemeClr val="tx1"/>
+                      </a:solidFill>
+                      <a:prstDash val="solid"/>
+                      <a:round/>
+                      <a:headEnd type="none" w="med" len="med"/>
+                      <a:tailEnd type="none" w="med" len="med"/>
+                    </a:lnR>
+                    <a:lnT w="12700" cap="flat" cmpd="sng" algn="ctr">
+                      <a:solidFill>
+                        <a:schemeClr val="tx1"/>
+                      </a:solidFill>
+                      <a:prstDash val="solid"/>
+                      <a:round/>
+                      <a:headEnd type="none" w="med" len="med"/>
+                      <a:tailEnd type="none" w="med" len="med"/>
+                    </a:lnT>
+                    <a:lnB w="12700" cap="flat" cmpd="sng" algn="ctr">
+                      <a:solidFill>
+                        <a:schemeClr val="tx1"/>
+                      </a:solidFill>
+                      <a:prstDash val="solid"/>
+                      <a:round/>
+                      <a:headEnd type="none" w="med" len="med"/>
+                      <a:tailEnd type="none" w="med" len="med"/>
+                    </a:lnB>
+                    <a:solidFill>
+                      <a:srgbClr val="8EA9DB"/>
+                    </a:solidFill>
+                  </a:tcPr>
+                </a:tc>
+                <a:tc>
+                  <a:txBody>
+                    <a:bodyPr/>
+                    <a:lstStyle/>
+                    <a:p>
+                      <a:pPr algn="l" fontAlgn="ctr"/>
+                      <a:endParaRPr lang="ko-KR" altLang="en-US" sz="1100" b="0" i="0" u="none" strike="noStrike">
+                        <a:solidFill>
+                          <a:srgbClr val="000000"/>
+                        </a:solidFill>
+                        <a:effectLst/>
+                        <a:latin typeface="맑은 고딕" panose="020B0503020000020004" pitchFamily="50" charset="-127"/>
+                        <a:ea typeface="맑은 고딕" panose="020B0503020000020004" pitchFamily="50" charset="-127"/>
+                      </a:endParaRPr>
+                    </a:p>
+                  </a:txBody>
+                  <a:tcPr marL="9525" marR="9525" marT="9525" marB="0" anchor="ctr">
+                    <a:lnL w="12700" cap="flat" cmpd="sng" algn="ctr">
+                      <a:solidFill>
+                        <a:schemeClr val="tx1"/>
+                      </a:solidFill>
+                      <a:prstDash val="solid"/>
+                      <a:round/>
+                      <a:headEnd type="none" w="med" len="med"/>
+                      <a:tailEnd type="none" w="med" len="med"/>
+                    </a:lnL>
+                    <a:lnR w="12700" cap="flat" cmpd="sng" algn="ctr">
+                      <a:solidFill>
+                        <a:schemeClr val="tx1"/>
+                      </a:solidFill>
+                      <a:prstDash val="solid"/>
+                      <a:round/>
+                      <a:headEnd type="none" w="med" len="med"/>
+                      <a:tailEnd type="none" w="med" len="med"/>
+                    </a:lnR>
+                    <a:lnT w="12700" cap="flat" cmpd="sng" algn="ctr">
+                      <a:solidFill>
+                        <a:schemeClr val="tx1"/>
+                      </a:solidFill>
+                      <a:prstDash val="solid"/>
+                      <a:round/>
+                      <a:headEnd type="none" w="med" len="med"/>
+                      <a:tailEnd type="none" w="med" len="med"/>
+                    </a:lnT>
+                    <a:lnB w="12700" cap="flat" cmpd="sng" algn="ctr">
+                      <a:solidFill>
+                        <a:schemeClr val="tx1"/>
+                      </a:solidFill>
+                      <a:prstDash val="solid"/>
+                      <a:round/>
+                      <a:headEnd type="none" w="med" len="med"/>
+                      <a:tailEnd type="none" w="med" len="med"/>
+                    </a:lnB>
+                  </a:tcPr>
+                </a:tc>
+                <a:tc>
+                  <a:txBody>
+                    <a:bodyPr/>
+                    <a:lstStyle/>
+                    <a:p>
+                      <a:pPr algn="l" fontAlgn="ctr"/>
+                      <a:endParaRPr lang="ko-KR" altLang="en-US" sz="1100" b="0" i="0" u="none" strike="noStrike">
+                        <a:solidFill>
+                          <a:srgbClr val="000000"/>
+                        </a:solidFill>
+                        <a:effectLst/>
+                        <a:latin typeface="맑은 고딕" panose="020B0503020000020004" pitchFamily="50" charset="-127"/>
+                        <a:ea typeface="맑은 고딕" panose="020B0503020000020004" pitchFamily="50" charset="-127"/>
+                      </a:endParaRPr>
+                    </a:p>
+                  </a:txBody>
+                  <a:tcPr marL="9525" marR="9525" marT="9525" marB="0" anchor="ctr">
+                    <a:lnL w="12700" cap="flat" cmpd="sng" algn="ctr">
+                      <a:solidFill>
+                        <a:schemeClr val="tx1"/>
+                      </a:solidFill>
+                      <a:prstDash val="solid"/>
+                      <a:round/>
+                      <a:headEnd type="none" w="med" len="med"/>
+                      <a:tailEnd type="none" w="med" len="med"/>
+                    </a:lnL>
+                    <a:lnR w="12700" cap="flat" cmpd="sng" algn="ctr">
+                      <a:solidFill>
+                        <a:schemeClr val="tx1"/>
+                      </a:solidFill>
+                      <a:prstDash val="solid"/>
+                      <a:round/>
+                      <a:headEnd type="none" w="med" len="med"/>
+                      <a:tailEnd type="none" w="med" len="med"/>
+                    </a:lnR>
+                    <a:lnT w="12700" cap="flat" cmpd="sng" algn="ctr">
+                      <a:solidFill>
+                        <a:schemeClr val="tx1"/>
+                      </a:solidFill>
+                      <a:prstDash val="solid"/>
+                      <a:round/>
+                      <a:headEnd type="none" w="med" len="med"/>
+                      <a:tailEnd type="none" w="med" len="med"/>
+                    </a:lnT>
+                    <a:lnB w="12700" cap="flat" cmpd="sng" algn="ctr">
+                      <a:solidFill>
+                        <a:schemeClr val="tx1"/>
+                      </a:solidFill>
+                      <a:prstDash val="solid"/>
+                      <a:round/>
+                      <a:headEnd type="none" w="med" len="med"/>
+                      <a:tailEnd type="none" w="med" len="med"/>
+                    </a:lnB>
+                  </a:tcPr>
+                </a:tc>
+                <a:extLst>
+                  <a:ext uri="{0D108BD9-81ED-4DB2-BD59-A6C34878D82A}">
+                    <a16:rowId xmlns:a16="http://schemas.microsoft.com/office/drawing/2014/main" val="826615732"/>
+                  </a:ext>
+                </a:extLst>
+              </a:tr>
+              <a:tr h="627470">
+                <a:tc>
+                  <a:txBody>
+                    <a:bodyPr/>
+                    <a:lstStyle/>
+                    <a:p>
+                      <a:pPr algn="l" fontAlgn="ctr"/>
+                      <a:r>
+                        <a:rPr lang="ko-KR" altLang="en-US" sz="1100" b="0" i="0" u="none" strike="noStrike">
+                          <a:solidFill>
+                            <a:srgbClr val="000000"/>
+                          </a:solidFill>
+                          <a:effectLst/>
+                          <a:latin typeface="맑은 고딕" panose="020B0503020000020004" pitchFamily="50" charset="-127"/>
+                          <a:ea typeface="맑은 고딕" panose="020B0503020000020004" pitchFamily="50" charset="-127"/>
+                        </a:rPr>
+                        <a:t>모델 구현</a:t>
+                      </a:r>
+                    </a:p>
+                  </a:txBody>
+                  <a:tcPr marL="9525" marR="9525" marT="9525" marB="0" anchor="ctr">
+                    <a:lnL w="12700" cap="flat" cmpd="sng" algn="ctr">
+                      <a:solidFill>
+                        <a:schemeClr val="tx1"/>
+                      </a:solidFill>
+                      <a:prstDash val="solid"/>
+                      <a:round/>
+                      <a:headEnd type="none" w="med" len="med"/>
+                      <a:tailEnd type="none" w="med" len="med"/>
+                    </a:lnL>
+                    <a:lnR w="12700" cap="flat" cmpd="sng" algn="ctr">
+                      <a:solidFill>
+                        <a:schemeClr val="tx1"/>
+                      </a:solidFill>
+                      <a:prstDash val="solid"/>
+                      <a:round/>
+                      <a:headEnd type="none" w="med" len="med"/>
+                      <a:tailEnd type="none" w="med" len="med"/>
+                    </a:lnR>
+                    <a:lnT w="12700" cap="flat" cmpd="sng" algn="ctr">
+                      <a:solidFill>
+                        <a:schemeClr val="tx1"/>
+                      </a:solidFill>
+                      <a:prstDash val="solid"/>
+                      <a:round/>
+                      <a:headEnd type="none" w="med" len="med"/>
+                      <a:tailEnd type="none" w="med" len="med"/>
+                    </a:lnT>
+                    <a:lnB w="12700" cap="flat" cmpd="sng" algn="ctr">
+                      <a:solidFill>
+                        <a:schemeClr val="tx1"/>
+                      </a:solidFill>
+                      <a:prstDash val="solid"/>
+                      <a:round/>
+                      <a:headEnd type="none" w="med" len="med"/>
+                      <a:tailEnd type="none" w="med" len="med"/>
+                    </a:lnB>
+                  </a:tcPr>
+                </a:tc>
+                <a:tc>
+                  <a:txBody>
+                    <a:bodyPr/>
+                    <a:lstStyle/>
+                    <a:p>
+                      <a:pPr algn="l" fontAlgn="ctr"/>
+                      <a:endParaRPr lang="ko-KR" altLang="en-US" sz="1100" b="0" i="0" u="none" strike="noStrike">
+                        <a:solidFill>
+                          <a:srgbClr val="000000"/>
+                        </a:solidFill>
+                        <a:effectLst/>
+                        <a:latin typeface="맑은 고딕" panose="020B0503020000020004" pitchFamily="50" charset="-127"/>
+                        <a:ea typeface="맑은 고딕" panose="020B0503020000020004" pitchFamily="50" charset="-127"/>
+                      </a:endParaRPr>
+                    </a:p>
+                  </a:txBody>
+                  <a:tcPr marL="9525" marR="9525" marT="9525" marB="0" anchor="ctr">
+                    <a:lnL w="12700" cap="flat" cmpd="sng" algn="ctr">
+                      <a:solidFill>
+                        <a:schemeClr val="tx1"/>
+                      </a:solidFill>
+                      <a:prstDash val="solid"/>
+                      <a:round/>
+                      <a:headEnd type="none" w="med" len="med"/>
+                      <a:tailEnd type="none" w="med" len="med"/>
+                    </a:lnL>
+                    <a:lnR w="12700" cap="flat" cmpd="sng" algn="ctr">
+                      <a:solidFill>
+                        <a:schemeClr val="tx1"/>
+                      </a:solidFill>
+                      <a:prstDash val="solid"/>
+                      <a:round/>
+                      <a:headEnd type="none" w="med" len="med"/>
+                      <a:tailEnd type="none" w="med" len="med"/>
+                    </a:lnR>
+                    <a:lnT w="12700" cap="flat" cmpd="sng" algn="ctr">
+                      <a:solidFill>
+                        <a:schemeClr val="tx1"/>
+                      </a:solidFill>
+                      <a:prstDash val="solid"/>
+                      <a:round/>
+                      <a:headEnd type="none" w="med" len="med"/>
+                      <a:tailEnd type="none" w="med" len="med"/>
+                    </a:lnT>
+                    <a:lnB w="12700" cap="flat" cmpd="sng" algn="ctr">
+                      <a:solidFill>
+                        <a:schemeClr val="tx1"/>
+                      </a:solidFill>
+                      <a:prstDash val="solid"/>
+                      <a:round/>
+                      <a:headEnd type="none" w="med" len="med"/>
+                      <a:tailEnd type="none" w="med" len="med"/>
+                    </a:lnB>
+                  </a:tcPr>
+                </a:tc>
+                <a:tc>
+                  <a:txBody>
+                    <a:bodyPr/>
+                    <a:lstStyle/>
+                    <a:p>
+                      <a:pPr algn="l" fontAlgn="ctr"/>
+                      <a:r>
+                        <a:rPr lang="ko-KR" altLang="en-US" sz="1100" b="0" i="0" u="none" strike="noStrike">
+                          <a:solidFill>
+                            <a:srgbClr val="000000"/>
+                          </a:solidFill>
+                          <a:effectLst/>
+                          <a:latin typeface="맑은 고딕" panose="020B0503020000020004" pitchFamily="50" charset="-127"/>
+                          <a:ea typeface="맑은 고딕" panose="020B0503020000020004" pitchFamily="50" charset="-127"/>
+                        </a:rPr>
+                        <a:t>　</a:t>
+                      </a:r>
+                    </a:p>
+                  </a:txBody>
+                  <a:tcPr marL="9525" marR="9525" marT="9525" marB="0" anchor="ctr">
+                    <a:lnL w="12700" cap="flat" cmpd="sng" algn="ctr">
+                      <a:solidFill>
+                        <a:schemeClr val="tx1"/>
+                      </a:solidFill>
+                      <a:prstDash val="solid"/>
+                      <a:round/>
+                      <a:headEnd type="none" w="med" len="med"/>
+                      <a:tailEnd type="none" w="med" len="med"/>
+                    </a:lnL>
+                    <a:lnR w="12700" cap="flat" cmpd="sng" algn="ctr">
+                      <a:solidFill>
+                        <a:schemeClr val="tx1"/>
+                      </a:solidFill>
+                      <a:prstDash val="solid"/>
+                      <a:round/>
+                      <a:headEnd type="none" w="med" len="med"/>
+                      <a:tailEnd type="none" w="med" len="med"/>
+                    </a:lnR>
+                    <a:lnT w="12700" cap="flat" cmpd="sng" algn="ctr">
+                      <a:solidFill>
+                        <a:schemeClr val="tx1"/>
+                      </a:solidFill>
+                      <a:prstDash val="solid"/>
+                      <a:round/>
+                      <a:headEnd type="none" w="med" len="med"/>
+                      <a:tailEnd type="none" w="med" len="med"/>
+                    </a:lnT>
+                    <a:lnB w="12700" cap="flat" cmpd="sng" algn="ctr">
+                      <a:solidFill>
+                        <a:schemeClr val="tx1"/>
+                      </a:solidFill>
+                      <a:prstDash val="solid"/>
+                      <a:round/>
+                      <a:headEnd type="none" w="med" len="med"/>
+                      <a:tailEnd type="none" w="med" len="med"/>
+                    </a:lnB>
+                    <a:solidFill>
+                      <a:srgbClr val="8EA9DB"/>
+                    </a:solidFill>
+                  </a:tcPr>
+                </a:tc>
+                <a:tc>
+                  <a:txBody>
+                    <a:bodyPr/>
+                    <a:lstStyle/>
+                    <a:p>
+                      <a:pPr algn="l" fontAlgn="ctr"/>
                       <a:r>
                         <a:rPr lang="ko-KR" altLang="en-US" sz="1100" b="0" i="0" u="none" strike="noStrike" dirty="0">
                           <a:solidFill>
@@ -7709,7 +8682,7 @@
                       </a:r>
                     </a:p>
                   </a:txBody>
-                  <a:tcPr marL="9525" marR="9525" marT="9525" marB="0" anchor="b">
+                  <a:tcPr marL="9525" marR="9525" marT="9525" marB="0" anchor="ctr">
                     <a:lnL w="12700" cap="flat" cmpd="sng" algn="ctr">
                       <a:solidFill>
                         <a:schemeClr val="tx1"/>
@@ -7747,7 +8720,7 @@
                       <a:tailEnd type="none" w="med" len="med"/>
                     </a:lnB>
                     <a:solidFill>
-                      <a:srgbClr val="FFFF00"/>
+                      <a:srgbClr val="FFFFFF"/>
                     </a:solidFill>
                   </a:tcPr>
                 </a:tc>
@@ -7756,62 +8729,7 @@
                     <a:bodyPr/>
                     <a:lstStyle/>
                     <a:p>
-                      <a:pPr algn="l" fontAlgn="b"/>
-                      <a:endParaRPr lang="ko-KR" altLang="en-US" sz="1100" b="0" i="0" u="none" strike="noStrike" dirty="0">
-                        <a:solidFill>
-                          <a:srgbClr val="000000"/>
-                        </a:solidFill>
-                        <a:effectLst/>
-                        <a:latin typeface="맑은 고딕" panose="020B0503020000020004" pitchFamily="50" charset="-127"/>
-                        <a:ea typeface="맑은 고딕" panose="020B0503020000020004" pitchFamily="50" charset="-127"/>
-                      </a:endParaRPr>
-                    </a:p>
-                  </a:txBody>
-                  <a:tcPr marL="9525" marR="9525" marT="9525" marB="0" anchor="b">
-                    <a:lnL w="12700" cap="flat" cmpd="sng" algn="ctr">
-                      <a:solidFill>
-                        <a:schemeClr val="tx1"/>
-                      </a:solidFill>
-                      <a:prstDash val="solid"/>
-                      <a:round/>
-                      <a:headEnd type="none" w="med" len="med"/>
-                      <a:tailEnd type="none" w="med" len="med"/>
-                    </a:lnL>
-                    <a:lnR w="12700" cap="flat" cmpd="sng" algn="ctr">
-                      <a:solidFill>
-                        <a:schemeClr val="tx1"/>
-                      </a:solidFill>
-                      <a:prstDash val="solid"/>
-                      <a:round/>
-                      <a:headEnd type="none" w="med" len="med"/>
-                      <a:tailEnd type="none" w="med" len="med"/>
-                    </a:lnR>
-                    <a:lnT w="12700" cap="flat" cmpd="sng" algn="ctr">
-                      <a:solidFill>
-                        <a:schemeClr val="tx1"/>
-                      </a:solidFill>
-                      <a:prstDash val="solid"/>
-                      <a:round/>
-                      <a:headEnd type="none" w="med" len="med"/>
-                      <a:tailEnd type="none" w="med" len="med"/>
-                    </a:lnT>
-                    <a:lnB w="12700" cap="flat" cmpd="sng" algn="ctr">
-                      <a:solidFill>
-                        <a:schemeClr val="tx1"/>
-                      </a:solidFill>
-                      <a:prstDash val="solid"/>
-                      <a:round/>
-                      <a:headEnd type="none" w="med" len="med"/>
-                      <a:tailEnd type="none" w="med" len="med"/>
-                    </a:lnB>
-                  </a:tcPr>
-                </a:tc>
-                <a:tc>
-                  <a:txBody>
-                    <a:bodyPr/>
-                    <a:lstStyle/>
-                    <a:p>
-                      <a:pPr algn="l" fontAlgn="b"/>
+                      <a:pPr algn="l" fontAlgn="ctr"/>
                       <a:endParaRPr lang="ko-KR" altLang="en-US" sz="1100" b="0" i="0" u="none" strike="noStrike">
                         <a:solidFill>
                           <a:srgbClr val="000000"/>
@@ -7822,7 +8740,7 @@
                       </a:endParaRPr>
                     </a:p>
                   </a:txBody>
-                  <a:tcPr marL="9525" marR="9525" marT="9525" marB="0" anchor="b">
+                  <a:tcPr marL="9525" marR="9525" marT="9525" marB="0" anchor="ctr">
                     <a:lnL w="12700" cap="flat" cmpd="sng" algn="ctr">
                       <a:solidFill>
                         <a:schemeClr val="tx1"/>
@@ -7863,17 +8781,17 @@
                 </a:tc>
                 <a:extLst>
                   <a:ext uri="{0D108BD9-81ED-4DB2-BD59-A6C34878D82A}">
-                    <a16:rowId xmlns:a16="http://schemas.microsoft.com/office/drawing/2014/main" val="90646898"/>
+                    <a16:rowId xmlns:a16="http://schemas.microsoft.com/office/drawing/2014/main" val="2612983688"/>
                   </a:ext>
                 </a:extLst>
               </a:tr>
-              <a:tr h="620187">
+              <a:tr h="627470">
                 <a:tc>
                   <a:txBody>
                     <a:bodyPr/>
                     <a:lstStyle/>
                     <a:p>
-                      <a:pPr algn="l" fontAlgn="b"/>
+                      <a:pPr algn="l" fontAlgn="ctr"/>
                       <a:r>
                         <a:rPr lang="ko-KR" altLang="en-US" sz="1100" b="0" i="0" u="none" strike="noStrike">
                           <a:solidFill>
@@ -7883,11 +8801,11 @@
                           <a:latin typeface="맑은 고딕" panose="020B0503020000020004" pitchFamily="50" charset="-127"/>
                           <a:ea typeface="맑은 고딕" panose="020B0503020000020004" pitchFamily="50" charset="-127"/>
                         </a:rPr>
-                        <a:t>모델 구현</a:t>
+                        <a:t>인구피라미드 구현</a:t>
                       </a:r>
                     </a:p>
                   </a:txBody>
-                  <a:tcPr marL="9525" marR="9525" marT="9525" marB="0" anchor="b">
+                  <a:tcPr marL="9525" marR="9525" marT="9525" marB="0" anchor="ctr">
                     <a:lnL w="12700" cap="flat" cmpd="sng" algn="ctr">
                       <a:solidFill>
                         <a:schemeClr val="tx1"/>
@@ -7931,8 +8849,8 @@
                     <a:bodyPr/>
                     <a:lstStyle/>
                     <a:p>
-                      <a:pPr algn="l" fontAlgn="b"/>
-                      <a:endParaRPr lang="ko-KR" altLang="en-US" sz="1100" b="0" i="0" u="none" strike="noStrike" dirty="0">
+                      <a:pPr algn="l" fontAlgn="ctr"/>
+                      <a:endParaRPr lang="ko-KR" altLang="en-US" sz="1100" b="0" i="0" u="none" strike="noStrike">
                         <a:solidFill>
                           <a:srgbClr val="000000"/>
                         </a:solidFill>
@@ -7942,7 +8860,7 @@
                       </a:endParaRPr>
                     </a:p>
                   </a:txBody>
-                  <a:tcPr marL="9525" marR="9525" marT="9525" marB="0" anchor="b">
+                  <a:tcPr marL="9525" marR="9525" marT="9525" marB="0" anchor="ctr">
                     <a:lnL w="12700" cap="flat" cmpd="sng" algn="ctr">
                       <a:solidFill>
                         <a:schemeClr val="tx1"/>
@@ -7986,7 +8904,62 @@
                     <a:bodyPr/>
                     <a:lstStyle/>
                     <a:p>
-                      <a:pPr algn="l" fontAlgn="b"/>
+                      <a:pPr algn="l" fontAlgn="ctr"/>
+                      <a:endParaRPr lang="ko-KR" altLang="en-US" sz="1100" b="0" i="0" u="none" strike="noStrike">
+                        <a:solidFill>
+                          <a:srgbClr val="000000"/>
+                        </a:solidFill>
+                        <a:effectLst/>
+                        <a:latin typeface="맑은 고딕" panose="020B0503020000020004" pitchFamily="50" charset="-127"/>
+                        <a:ea typeface="맑은 고딕" panose="020B0503020000020004" pitchFamily="50" charset="-127"/>
+                      </a:endParaRPr>
+                    </a:p>
+                  </a:txBody>
+                  <a:tcPr marL="9525" marR="9525" marT="9525" marB="0" anchor="ctr">
+                    <a:lnL w="12700" cap="flat" cmpd="sng" algn="ctr">
+                      <a:solidFill>
+                        <a:schemeClr val="tx1"/>
+                      </a:solidFill>
+                      <a:prstDash val="solid"/>
+                      <a:round/>
+                      <a:headEnd type="none" w="med" len="med"/>
+                      <a:tailEnd type="none" w="med" len="med"/>
+                    </a:lnL>
+                    <a:lnR w="12700" cap="flat" cmpd="sng" algn="ctr">
+                      <a:solidFill>
+                        <a:schemeClr val="tx1"/>
+                      </a:solidFill>
+                      <a:prstDash val="solid"/>
+                      <a:round/>
+                      <a:headEnd type="none" w="med" len="med"/>
+                      <a:tailEnd type="none" w="med" len="med"/>
+                    </a:lnR>
+                    <a:lnT w="12700" cap="flat" cmpd="sng" algn="ctr">
+                      <a:solidFill>
+                        <a:schemeClr val="tx1"/>
+                      </a:solidFill>
+                      <a:prstDash val="solid"/>
+                      <a:round/>
+                      <a:headEnd type="none" w="med" len="med"/>
+                      <a:tailEnd type="none" w="med" len="med"/>
+                    </a:lnT>
+                    <a:lnB w="12700" cap="flat" cmpd="sng" algn="ctr">
+                      <a:solidFill>
+                        <a:schemeClr val="tx1"/>
+                      </a:solidFill>
+                      <a:prstDash val="solid"/>
+                      <a:round/>
+                      <a:headEnd type="none" w="med" len="med"/>
+                      <a:tailEnd type="none" w="med" len="med"/>
+                    </a:lnB>
+                  </a:tcPr>
+                </a:tc>
+                <a:tc>
+                  <a:txBody>
+                    <a:bodyPr/>
+                    <a:lstStyle/>
+                    <a:p>
+                      <a:pPr algn="l" fontAlgn="ctr"/>
                       <a:r>
                         <a:rPr lang="ko-KR" altLang="en-US" sz="1100" b="0" i="0" u="none" strike="noStrike">
                           <a:solidFill>
@@ -8000,7 +8973,7 @@
                       </a:r>
                     </a:p>
                   </a:txBody>
-                  <a:tcPr marL="9525" marR="9525" marT="9525" marB="0" anchor="b">
+                  <a:tcPr marL="9525" marR="9525" marT="9525" marB="0" anchor="ctr">
                     <a:lnL w="12700" cap="flat" cmpd="sng" algn="ctr">
                       <a:solidFill>
                         <a:schemeClr val="tx1"/>
@@ -8038,7 +9011,7 @@
                       <a:tailEnd type="none" w="med" len="med"/>
                     </a:lnB>
                     <a:solidFill>
-                      <a:srgbClr val="FFFF00"/>
+                      <a:srgbClr val="8EA9DB"/>
                     </a:solidFill>
                   </a:tcPr>
                 </a:tc>
@@ -8047,7 +9020,144 @@
                     <a:bodyPr/>
                     <a:lstStyle/>
                     <a:p>
-                      <a:pPr algn="l" fontAlgn="b"/>
+                      <a:pPr algn="l" fontAlgn="ctr"/>
+                      <a:r>
+                        <a:rPr lang="ko-KR" altLang="en-US" sz="1100" b="0" i="0" u="none" strike="noStrike">
+                          <a:solidFill>
+                            <a:srgbClr val="000000"/>
+                          </a:solidFill>
+                          <a:effectLst/>
+                          <a:latin typeface="맑은 고딕" panose="020B0503020000020004" pitchFamily="50" charset="-127"/>
+                          <a:ea typeface="맑은 고딕" panose="020B0503020000020004" pitchFamily="50" charset="-127"/>
+                        </a:rPr>
+                        <a:t>　</a:t>
+                      </a:r>
+                    </a:p>
+                  </a:txBody>
+                  <a:tcPr marL="9525" marR="9525" marT="9525" marB="0" anchor="ctr">
+                    <a:lnL w="12700" cap="flat" cmpd="sng" algn="ctr">
+                      <a:solidFill>
+                        <a:schemeClr val="tx1"/>
+                      </a:solidFill>
+                      <a:prstDash val="solid"/>
+                      <a:round/>
+                      <a:headEnd type="none" w="med" len="med"/>
+                      <a:tailEnd type="none" w="med" len="med"/>
+                    </a:lnL>
+                    <a:lnR w="12700" cap="flat" cmpd="sng" algn="ctr">
+                      <a:solidFill>
+                        <a:schemeClr val="tx1"/>
+                      </a:solidFill>
+                      <a:prstDash val="solid"/>
+                      <a:round/>
+                      <a:headEnd type="none" w="med" len="med"/>
+                      <a:tailEnd type="none" w="med" len="med"/>
+                    </a:lnR>
+                    <a:lnT w="12700" cap="flat" cmpd="sng" algn="ctr">
+                      <a:solidFill>
+                        <a:schemeClr val="tx1"/>
+                      </a:solidFill>
+                      <a:prstDash val="solid"/>
+                      <a:round/>
+                      <a:headEnd type="none" w="med" len="med"/>
+                      <a:tailEnd type="none" w="med" len="med"/>
+                    </a:lnT>
+                    <a:lnB w="12700" cap="flat" cmpd="sng" algn="ctr">
+                      <a:solidFill>
+                        <a:schemeClr val="tx1"/>
+                      </a:solidFill>
+                      <a:prstDash val="solid"/>
+                      <a:round/>
+                      <a:headEnd type="none" w="med" len="med"/>
+                      <a:tailEnd type="none" w="med" len="med"/>
+                    </a:lnB>
+                    <a:solidFill>
+                      <a:srgbClr val="8EA9DB"/>
+                    </a:solidFill>
+                  </a:tcPr>
+                </a:tc>
+                <a:extLst>
+                  <a:ext uri="{0D108BD9-81ED-4DB2-BD59-A6C34878D82A}">
+                    <a16:rowId xmlns:a16="http://schemas.microsoft.com/office/drawing/2014/main" val="392678792"/>
+                  </a:ext>
+                </a:extLst>
+              </a:tr>
+              <a:tr h="431386">
+                <a:tc>
+                  <a:txBody>
+                    <a:bodyPr/>
+                    <a:lstStyle/>
+                    <a:p>
+                      <a:pPr algn="l" fontAlgn="ctr"/>
+                      <a:r>
+                        <a:rPr lang="ko-KR" altLang="en-US" sz="1100" b="0" i="0" u="none" strike="noStrike" dirty="0" err="1">
+                          <a:solidFill>
+                            <a:srgbClr val="000000"/>
+                          </a:solidFill>
+                          <a:effectLst/>
+                          <a:latin typeface="맑은 고딕" panose="020B0503020000020004" pitchFamily="50" charset="-127"/>
+                          <a:ea typeface="맑은 고딕" panose="020B0503020000020004" pitchFamily="50" charset="-127"/>
+                        </a:rPr>
+                        <a:t>지역소멸예측</a:t>
+                      </a:r>
+                      <a:r>
+                        <a:rPr lang="ko-KR" altLang="en-US" sz="1100" b="0" i="0" u="none" strike="noStrike" dirty="0">
+                          <a:solidFill>
+                            <a:srgbClr val="000000"/>
+                          </a:solidFill>
+                          <a:effectLst/>
+                          <a:latin typeface="맑은 고딕" panose="020B0503020000020004" pitchFamily="50" charset="-127"/>
+                          <a:ea typeface="맑은 고딕" panose="020B0503020000020004" pitchFamily="50" charset="-127"/>
+                        </a:rPr>
+                        <a:t> 구현</a:t>
+                      </a:r>
+                    </a:p>
+                  </a:txBody>
+                  <a:tcPr marL="9525" marR="9525" marT="9525" marB="0" anchor="ctr">
+                    <a:lnL w="12700" cap="flat" cmpd="sng" algn="ctr">
+                      <a:solidFill>
+                        <a:schemeClr val="tx1"/>
+                      </a:solidFill>
+                      <a:prstDash val="solid"/>
+                      <a:round/>
+                      <a:headEnd type="none" w="med" len="med"/>
+                      <a:tailEnd type="none" w="med" len="med"/>
+                    </a:lnL>
+                    <a:lnR w="12700" cap="flat" cmpd="sng" algn="ctr">
+                      <a:solidFill>
+                        <a:schemeClr val="tx1"/>
+                      </a:solidFill>
+                      <a:prstDash val="solid"/>
+                      <a:round/>
+                      <a:headEnd type="none" w="med" len="med"/>
+                      <a:tailEnd type="none" w="med" len="med"/>
+                    </a:lnR>
+                    <a:lnT w="12700" cap="flat" cmpd="sng" algn="ctr">
+                      <a:solidFill>
+                        <a:schemeClr val="tx1"/>
+                      </a:solidFill>
+                      <a:prstDash val="solid"/>
+                      <a:round/>
+                      <a:headEnd type="none" w="med" len="med"/>
+                      <a:tailEnd type="none" w="med" len="med"/>
+                    </a:lnT>
+                    <a:lnB w="12700" cap="flat" cmpd="sng" algn="ctr">
+                      <a:solidFill>
+                        <a:schemeClr val="tx1"/>
+                      </a:solidFill>
+                      <a:prstDash val="solid"/>
+                      <a:round/>
+                      <a:headEnd type="none" w="med" len="med"/>
+                      <a:tailEnd type="none" w="med" len="med"/>
+                    </a:lnB>
+                  </a:tcPr>
+                </a:tc>
+                <a:tc>
+                  <a:txBody>
+                    <a:bodyPr/>
+                    <a:lstStyle/>
+                    <a:p>
+                      <a:pPr algn="l" fontAlgn="ctr"/>
                       <a:endParaRPr lang="ko-KR" altLang="en-US" sz="1100" b="0" i="0" u="none" strike="noStrike" dirty="0">
                         <a:solidFill>
                           <a:srgbClr val="000000"/>
@@ -8058,7 +9168,7 @@
                       </a:endParaRPr>
                     </a:p>
                   </a:txBody>
-                  <a:tcPr marL="9525" marR="9525" marT="9525" marB="0" anchor="b">
+                  <a:tcPr marL="9525" marR="9525" marT="9525" marB="0" anchor="ctr">
                     <a:lnL w="12700" cap="flat" cmpd="sng" algn="ctr">
                       <a:solidFill>
                         <a:schemeClr val="tx1"/>
@@ -8102,8 +9212,8 @@
                     <a:bodyPr/>
                     <a:lstStyle/>
                     <a:p>
-                      <a:pPr algn="l" fontAlgn="b"/>
-                      <a:endParaRPr lang="ko-KR" altLang="en-US" sz="1100" b="0" i="0" u="none" strike="noStrike">
+                      <a:pPr algn="l" fontAlgn="ctr"/>
+                      <a:endParaRPr lang="ko-KR" altLang="en-US" sz="1100" b="0" i="0" u="none" strike="noStrike" dirty="0">
                         <a:solidFill>
                           <a:srgbClr val="000000"/>
                         </a:solidFill>
@@ -8113,138 +9223,7 @@
                       </a:endParaRPr>
                     </a:p>
                   </a:txBody>
-                  <a:tcPr marL="9525" marR="9525" marT="9525" marB="0" anchor="b">
-                    <a:lnL w="12700" cap="flat" cmpd="sng" algn="ctr">
-                      <a:solidFill>
-                        <a:schemeClr val="tx1"/>
-                      </a:solidFill>
-                      <a:prstDash val="solid"/>
-                      <a:round/>
-                      <a:headEnd type="none" w="med" len="med"/>
-                      <a:tailEnd type="none" w="med" len="med"/>
-                    </a:lnL>
-                    <a:lnR w="12700" cap="flat" cmpd="sng" algn="ctr">
-                      <a:solidFill>
-                        <a:schemeClr val="tx1"/>
-                      </a:solidFill>
-                      <a:prstDash val="solid"/>
-                      <a:round/>
-                      <a:headEnd type="none" w="med" len="med"/>
-                      <a:tailEnd type="none" w="med" len="med"/>
-                    </a:lnR>
-                    <a:lnT w="12700" cap="flat" cmpd="sng" algn="ctr">
-                      <a:solidFill>
-                        <a:schemeClr val="tx1"/>
-                      </a:solidFill>
-                      <a:prstDash val="solid"/>
-                      <a:round/>
-                      <a:headEnd type="none" w="med" len="med"/>
-                      <a:tailEnd type="none" w="med" len="med"/>
-                    </a:lnT>
-                    <a:lnB w="12700" cap="flat" cmpd="sng" algn="ctr">
-                      <a:solidFill>
-                        <a:schemeClr val="tx1"/>
-                      </a:solidFill>
-                      <a:prstDash val="solid"/>
-                      <a:round/>
-                      <a:headEnd type="none" w="med" len="med"/>
-                      <a:tailEnd type="none" w="med" len="med"/>
-                    </a:lnB>
-                  </a:tcPr>
-                </a:tc>
-                <a:extLst>
-                  <a:ext uri="{0D108BD9-81ED-4DB2-BD59-A6C34878D82A}">
-                    <a16:rowId xmlns:a16="http://schemas.microsoft.com/office/drawing/2014/main" val="3245241403"/>
-                  </a:ext>
-                </a:extLst>
-              </a:tr>
-              <a:tr h="620187">
-                <a:tc gridSpan="2">
-                  <a:txBody>
-                    <a:bodyPr/>
-                    <a:lstStyle/>
-                    <a:p>
-                      <a:pPr algn="l" fontAlgn="b"/>
-                      <a:r>
-                        <a:rPr lang="ko-KR" altLang="en-US" sz="1100" b="0" i="0" u="none" strike="noStrike">
-                          <a:solidFill>
-                            <a:srgbClr val="000000"/>
-                          </a:solidFill>
-                          <a:effectLst/>
-                          <a:latin typeface="맑은 고딕" panose="020B0503020000020004" pitchFamily="50" charset="-127"/>
-                          <a:ea typeface="맑은 고딕" panose="020B0503020000020004" pitchFamily="50" charset="-127"/>
-                        </a:rPr>
-                        <a:t>인구피라미드 구현</a:t>
-                      </a:r>
-                    </a:p>
-                  </a:txBody>
-                  <a:tcPr marL="9525" marR="9525" marT="9525" marB="0" anchor="b">
-                    <a:lnL w="12700" cap="flat" cmpd="sng" algn="ctr">
-                      <a:solidFill>
-                        <a:schemeClr val="tx1"/>
-                      </a:solidFill>
-                      <a:prstDash val="solid"/>
-                      <a:round/>
-                      <a:headEnd type="none" w="med" len="med"/>
-                      <a:tailEnd type="none" w="med" len="med"/>
-                    </a:lnL>
-                    <a:lnR w="12700" cap="flat" cmpd="sng" algn="ctr">
-                      <a:solidFill>
-                        <a:schemeClr val="tx1"/>
-                      </a:solidFill>
-                      <a:prstDash val="solid"/>
-                      <a:round/>
-                      <a:headEnd type="none" w="med" len="med"/>
-                      <a:tailEnd type="none" w="med" len="med"/>
-                    </a:lnR>
-                    <a:lnT w="12700" cap="flat" cmpd="sng" algn="ctr">
-                      <a:solidFill>
-                        <a:schemeClr val="tx1"/>
-                      </a:solidFill>
-                      <a:prstDash val="solid"/>
-                      <a:round/>
-                      <a:headEnd type="none" w="med" len="med"/>
-                      <a:tailEnd type="none" w="med" len="med"/>
-                    </a:lnT>
-                    <a:lnB w="12700" cap="flat" cmpd="sng" algn="ctr">
-                      <a:solidFill>
-                        <a:schemeClr val="tx1"/>
-                      </a:solidFill>
-                      <a:prstDash val="solid"/>
-                      <a:round/>
-                      <a:headEnd type="none" w="med" len="med"/>
-                      <a:tailEnd type="none" w="med" len="med"/>
-                    </a:lnB>
-                  </a:tcPr>
-                </a:tc>
-                <a:tc hMerge="1">
-                  <a:txBody>
-                    <a:bodyPr/>
-                    <a:lstStyle/>
-                    <a:p>
-                      <a:pPr latinLnBrk="1"/>
-                      <a:endParaRPr lang="ko-KR" altLang="en-US"/>
-                    </a:p>
-                  </a:txBody>
-                  <a:tcPr/>
-                </a:tc>
-                <a:tc>
-                  <a:txBody>
-                    <a:bodyPr/>
-                    <a:lstStyle/>
-                    <a:p>
-                      <a:pPr algn="l" fontAlgn="b"/>
-                      <a:endParaRPr lang="ko-KR" altLang="en-US" sz="1100" b="0" i="0" u="none" strike="noStrike">
-                        <a:solidFill>
-                          <a:srgbClr val="000000"/>
-                        </a:solidFill>
-                        <a:effectLst/>
-                        <a:latin typeface="맑은 고딕" panose="020B0503020000020004" pitchFamily="50" charset="-127"/>
-                        <a:ea typeface="맑은 고딕" panose="020B0503020000020004" pitchFamily="50" charset="-127"/>
-                      </a:endParaRPr>
-                    </a:p>
-                  </a:txBody>
-                  <a:tcPr marL="9525" marR="9525" marT="9525" marB="0" anchor="b">
+                  <a:tcPr marL="9525" marR="9525" marT="9525" marB="0" anchor="ctr">
                     <a:lnL w="12700" cap="flat" cmpd="sng" algn="ctr">
                       <a:solidFill>
                         <a:schemeClr val="tx1"/>
@@ -8288,7 +9267,7 @@
                     <a:bodyPr/>
                     <a:lstStyle/>
                     <a:p>
-                      <a:pPr algn="l" fontAlgn="b"/>
+                      <a:pPr algn="l" fontAlgn="ctr"/>
                       <a:r>
                         <a:rPr lang="ko-KR" altLang="en-US" sz="1100" b="0" i="0" u="none" strike="noStrike" dirty="0">
                           <a:solidFill>
@@ -8302,7 +9281,7 @@
                       </a:r>
                     </a:p>
                   </a:txBody>
-                  <a:tcPr marL="9525" marR="9525" marT="9525" marB="0" anchor="b">
+                  <a:tcPr marL="9525" marR="9525" marT="9525" marB="0" anchor="ctr">
                     <a:lnL w="12700" cap="flat" cmpd="sng" algn="ctr">
                       <a:solidFill>
                         <a:schemeClr val="tx1"/>
@@ -8340,7 +9319,7 @@
                       <a:tailEnd type="none" w="med" len="med"/>
                     </a:lnB>
                     <a:solidFill>
-                      <a:srgbClr val="FFFF00"/>
+                      <a:srgbClr val="8EA9DB"/>
                     </a:solidFill>
                   </a:tcPr>
                 </a:tc>
@@ -8349,7 +9328,7 @@
                     <a:bodyPr/>
                     <a:lstStyle/>
                     <a:p>
-                      <a:pPr algn="l" fontAlgn="b"/>
+                      <a:pPr algn="l" fontAlgn="ctr"/>
                       <a:r>
                         <a:rPr lang="ko-KR" altLang="en-US" sz="1100" b="0" i="0" u="none" strike="noStrike" dirty="0">
                           <a:solidFill>
@@ -8363,7 +9342,7 @@
                       </a:r>
                     </a:p>
                   </a:txBody>
-                  <a:tcPr marL="9525" marR="9525" marT="9525" marB="0" anchor="b">
+                  <a:tcPr marL="9525" marR="9525" marT="9525" marB="0" anchor="ctr">
                     <a:lnL w="12700" cap="flat" cmpd="sng" algn="ctr">
                       <a:solidFill>
                         <a:schemeClr val="tx1"/>
@@ -8401,266 +9380,13 @@
                       <a:tailEnd type="none" w="med" len="med"/>
                     </a:lnB>
                     <a:solidFill>
-                      <a:srgbClr val="FFFF00"/>
+                      <a:srgbClr val="8EA9DB"/>
                     </a:solidFill>
                   </a:tcPr>
                 </a:tc>
                 <a:extLst>
                   <a:ext uri="{0D108BD9-81ED-4DB2-BD59-A6C34878D82A}">
-                    <a16:rowId xmlns:a16="http://schemas.microsoft.com/office/drawing/2014/main" val="1742254037"/>
-                  </a:ext>
-                </a:extLst>
-              </a:tr>
-              <a:tr h="620187">
-                <a:tc gridSpan="2">
-                  <a:txBody>
-                    <a:bodyPr/>
-                    <a:lstStyle/>
-                    <a:p>
-                      <a:pPr algn="l" fontAlgn="b"/>
-                      <a:r>
-                        <a:rPr lang="ko-KR" altLang="en-US" sz="1100" b="0" i="0" u="none" strike="noStrike">
-                          <a:solidFill>
-                            <a:srgbClr val="000000"/>
-                          </a:solidFill>
-                          <a:effectLst/>
-                          <a:latin typeface="맑은 고딕" panose="020B0503020000020004" pitchFamily="50" charset="-127"/>
-                          <a:ea typeface="맑은 고딕" panose="020B0503020000020004" pitchFamily="50" charset="-127"/>
-                        </a:rPr>
-                        <a:t>지역 소멸 예측 구현</a:t>
-                      </a:r>
-                    </a:p>
-                  </a:txBody>
-                  <a:tcPr marL="9525" marR="9525" marT="9525" marB="0" anchor="b">
-                    <a:lnL w="12700" cap="flat" cmpd="sng" algn="ctr">
-                      <a:solidFill>
-                        <a:schemeClr val="tx1"/>
-                      </a:solidFill>
-                      <a:prstDash val="solid"/>
-                      <a:round/>
-                      <a:headEnd type="none" w="med" len="med"/>
-                      <a:tailEnd type="none" w="med" len="med"/>
-                    </a:lnL>
-                    <a:lnR w="12700" cap="flat" cmpd="sng" algn="ctr">
-                      <a:solidFill>
-                        <a:schemeClr val="tx1"/>
-                      </a:solidFill>
-                      <a:prstDash val="solid"/>
-                      <a:round/>
-                      <a:headEnd type="none" w="med" len="med"/>
-                      <a:tailEnd type="none" w="med" len="med"/>
-                    </a:lnR>
-                    <a:lnT w="12700" cap="flat" cmpd="sng" algn="ctr">
-                      <a:solidFill>
-                        <a:schemeClr val="tx1"/>
-                      </a:solidFill>
-                      <a:prstDash val="solid"/>
-                      <a:round/>
-                      <a:headEnd type="none" w="med" len="med"/>
-                      <a:tailEnd type="none" w="med" len="med"/>
-                    </a:lnT>
-                    <a:lnB w="12700" cap="flat" cmpd="sng" algn="ctr">
-                      <a:solidFill>
-                        <a:schemeClr val="tx1"/>
-                      </a:solidFill>
-                      <a:prstDash val="solid"/>
-                      <a:round/>
-                      <a:headEnd type="none" w="med" len="med"/>
-                      <a:tailEnd type="none" w="med" len="med"/>
-                    </a:lnB>
-                  </a:tcPr>
-                </a:tc>
-                <a:tc hMerge="1">
-                  <a:txBody>
-                    <a:bodyPr/>
-                    <a:lstStyle/>
-                    <a:p>
-                      <a:pPr latinLnBrk="1"/>
-                      <a:endParaRPr lang="ko-KR" altLang="en-US"/>
-                    </a:p>
-                  </a:txBody>
-                  <a:tcPr/>
-                </a:tc>
-                <a:tc>
-                  <a:txBody>
-                    <a:bodyPr/>
-                    <a:lstStyle/>
-                    <a:p>
-                      <a:pPr algn="l" fontAlgn="b"/>
-                      <a:endParaRPr lang="ko-KR" altLang="en-US" sz="1100" b="0" i="0" u="none" strike="noStrike">
-                        <a:solidFill>
-                          <a:srgbClr val="000000"/>
-                        </a:solidFill>
-                        <a:effectLst/>
-                        <a:latin typeface="맑은 고딕" panose="020B0503020000020004" pitchFamily="50" charset="-127"/>
-                        <a:ea typeface="맑은 고딕" panose="020B0503020000020004" pitchFamily="50" charset="-127"/>
-                      </a:endParaRPr>
-                    </a:p>
-                  </a:txBody>
-                  <a:tcPr marL="9525" marR="9525" marT="9525" marB="0" anchor="b">
-                    <a:lnL w="12700" cap="flat" cmpd="sng" algn="ctr">
-                      <a:solidFill>
-                        <a:schemeClr val="tx1"/>
-                      </a:solidFill>
-                      <a:prstDash val="solid"/>
-                      <a:round/>
-                      <a:headEnd type="none" w="med" len="med"/>
-                      <a:tailEnd type="none" w="med" len="med"/>
-                    </a:lnL>
-                    <a:lnR w="12700" cap="flat" cmpd="sng" algn="ctr">
-                      <a:solidFill>
-                        <a:schemeClr val="tx1"/>
-                      </a:solidFill>
-                      <a:prstDash val="solid"/>
-                      <a:round/>
-                      <a:headEnd type="none" w="med" len="med"/>
-                      <a:tailEnd type="none" w="med" len="med"/>
-                    </a:lnR>
-                    <a:lnT w="12700" cap="flat" cmpd="sng" algn="ctr">
-                      <a:solidFill>
-                        <a:schemeClr val="tx1"/>
-                      </a:solidFill>
-                      <a:prstDash val="solid"/>
-                      <a:round/>
-                      <a:headEnd type="none" w="med" len="med"/>
-                      <a:tailEnd type="none" w="med" len="med"/>
-                    </a:lnT>
-                    <a:lnB w="12700" cap="flat" cmpd="sng" algn="ctr">
-                      <a:solidFill>
-                        <a:schemeClr val="tx1"/>
-                      </a:solidFill>
-                      <a:prstDash val="solid"/>
-                      <a:round/>
-                      <a:headEnd type="none" w="med" len="med"/>
-                      <a:tailEnd type="none" w="med" len="med"/>
-                    </a:lnB>
-                  </a:tcPr>
-                </a:tc>
-                <a:tc>
-                  <a:txBody>
-                    <a:bodyPr/>
-                    <a:lstStyle/>
-                    <a:p>
-                      <a:pPr algn="l" fontAlgn="b"/>
-                      <a:r>
-                        <a:rPr lang="ko-KR" altLang="en-US" sz="1100" b="0" i="0" u="none" strike="noStrike">
-                          <a:solidFill>
-                            <a:srgbClr val="000000"/>
-                          </a:solidFill>
-                          <a:effectLst/>
-                          <a:latin typeface="맑은 고딕" panose="020B0503020000020004" pitchFamily="50" charset="-127"/>
-                          <a:ea typeface="맑은 고딕" panose="020B0503020000020004" pitchFamily="50" charset="-127"/>
-                        </a:rPr>
-                        <a:t>　</a:t>
-                      </a:r>
-                    </a:p>
-                  </a:txBody>
-                  <a:tcPr marL="9525" marR="9525" marT="9525" marB="0" anchor="b">
-                    <a:lnL w="12700" cap="flat" cmpd="sng" algn="ctr">
-                      <a:solidFill>
-                        <a:schemeClr val="tx1"/>
-                      </a:solidFill>
-                      <a:prstDash val="solid"/>
-                      <a:round/>
-                      <a:headEnd type="none" w="med" len="med"/>
-                      <a:tailEnd type="none" w="med" len="med"/>
-                    </a:lnL>
-                    <a:lnR w="12700" cap="flat" cmpd="sng" algn="ctr">
-                      <a:solidFill>
-                        <a:schemeClr val="tx1"/>
-                      </a:solidFill>
-                      <a:prstDash val="solid"/>
-                      <a:round/>
-                      <a:headEnd type="none" w="med" len="med"/>
-                      <a:tailEnd type="none" w="med" len="med"/>
-                    </a:lnR>
-                    <a:lnT w="12700" cap="flat" cmpd="sng" algn="ctr">
-                      <a:solidFill>
-                        <a:schemeClr val="tx1"/>
-                      </a:solidFill>
-                      <a:prstDash val="solid"/>
-                      <a:round/>
-                      <a:headEnd type="none" w="med" len="med"/>
-                      <a:tailEnd type="none" w="med" len="med"/>
-                    </a:lnT>
-                    <a:lnB w="12700" cap="flat" cmpd="sng" algn="ctr">
-                      <a:solidFill>
-                        <a:schemeClr val="tx1"/>
-                      </a:solidFill>
-                      <a:prstDash val="solid"/>
-                      <a:round/>
-                      <a:headEnd type="none" w="med" len="med"/>
-                      <a:tailEnd type="none" w="med" len="med"/>
-                    </a:lnB>
-                    <a:solidFill>
-                      <a:srgbClr val="FFFF00"/>
-                    </a:solidFill>
-                  </a:tcPr>
-                </a:tc>
-                <a:tc>
-                  <a:txBody>
-                    <a:bodyPr/>
-                    <a:lstStyle/>
-                    <a:p>
-                      <a:pPr algn="l" fontAlgn="b"/>
-                      <a:r>
-                        <a:rPr lang="ko-KR" altLang="en-US" sz="1100" b="0" i="0" u="none" strike="noStrike" dirty="0">
-                          <a:solidFill>
-                            <a:srgbClr val="000000"/>
-                          </a:solidFill>
-                          <a:effectLst/>
-                          <a:latin typeface="맑은 고딕" panose="020B0503020000020004" pitchFamily="50" charset="-127"/>
-                          <a:ea typeface="맑은 고딕" panose="020B0503020000020004" pitchFamily="50" charset="-127"/>
-                        </a:rPr>
-                        <a:t>　</a:t>
-                      </a:r>
-                    </a:p>
-                  </a:txBody>
-                  <a:tcPr marL="9525" marR="9525" marT="9525" marB="0" anchor="b">
-                    <a:lnL w="12700" cap="flat" cmpd="sng" algn="ctr">
-                      <a:solidFill>
-                        <a:schemeClr val="tx1"/>
-                      </a:solidFill>
-                      <a:prstDash val="solid"/>
-                      <a:round/>
-                      <a:headEnd type="none" w="med" len="med"/>
-                      <a:tailEnd type="none" w="med" len="med"/>
-                    </a:lnL>
-                    <a:lnR w="12700" cap="flat" cmpd="sng" algn="ctr">
-                      <a:solidFill>
-                        <a:schemeClr val="tx1"/>
-                      </a:solidFill>
-                      <a:prstDash val="solid"/>
-                      <a:round/>
-                      <a:headEnd type="none" w="med" len="med"/>
-                      <a:tailEnd type="none" w="med" len="med"/>
-                    </a:lnR>
-                    <a:lnT w="12700" cap="flat" cmpd="sng" algn="ctr">
-                      <a:solidFill>
-                        <a:schemeClr val="tx1"/>
-                      </a:solidFill>
-                      <a:prstDash val="solid"/>
-                      <a:round/>
-                      <a:headEnd type="none" w="med" len="med"/>
-                      <a:tailEnd type="none" w="med" len="med"/>
-                    </a:lnT>
-                    <a:lnB w="12700" cap="flat" cmpd="sng" algn="ctr">
-                      <a:solidFill>
-                        <a:schemeClr val="tx1"/>
-                      </a:solidFill>
-                      <a:prstDash val="solid"/>
-                      <a:round/>
-                      <a:headEnd type="none" w="med" len="med"/>
-                      <a:tailEnd type="none" w="med" len="med"/>
-                    </a:lnB>
-                    <a:solidFill>
-                      <a:srgbClr val="FFFF00"/>
-                    </a:solidFill>
-                  </a:tcPr>
-                </a:tc>
-                <a:extLst>
-                  <a:ext uri="{0D108BD9-81ED-4DB2-BD59-A6C34878D82A}">
-                    <a16:rowId xmlns:a16="http://schemas.microsoft.com/office/drawing/2014/main" val="1009396811"/>
+                    <a16:rowId xmlns:a16="http://schemas.microsoft.com/office/drawing/2014/main" val="3532326218"/>
                   </a:ext>
                 </a:extLst>
               </a:tr>
@@ -8754,6 +9480,36 @@
             <a:r>
               <a:rPr lang="ko-KR" altLang="en-US" dirty="0"/>
               <a:t> 고령화 문제 심각성을 알린다</a:t>
+            </a:r>
+            <a:r>
+              <a:rPr lang="en-US" altLang="ko-KR" dirty="0"/>
+              <a:t>.</a:t>
+            </a:r>
+          </a:p>
+          <a:p>
+            <a:r>
+              <a:rPr lang="ko-KR" altLang="en-US" dirty="0"/>
+              <a:t>정책 수립 및 의사결정 지원에 도움을 줄 수 있다</a:t>
+            </a:r>
+            <a:r>
+              <a:rPr lang="en-US" altLang="ko-KR" dirty="0"/>
+              <a:t>.</a:t>
+            </a:r>
+          </a:p>
+          <a:p>
+            <a:r>
+              <a:rPr lang="ko-KR" altLang="en-US" dirty="0"/>
+              <a:t>지역 균형 발전 전략에 도움을 줄 수 있다</a:t>
+            </a:r>
+            <a:r>
+              <a:rPr lang="en-US" altLang="ko-KR" dirty="0"/>
+              <a:t>.</a:t>
+            </a:r>
+          </a:p>
+          <a:p>
+            <a:r>
+              <a:rPr lang="ko-KR" altLang="en-US" dirty="0"/>
+              <a:t>정확한 인구 변화 예측을 통해 기업 전략 계획 수립에 도움을 줄 수 있다</a:t>
             </a:r>
             <a:r>
               <a:rPr lang="en-US" altLang="ko-KR" dirty="0"/>

--- a/프로젝트 문서/기획서.pptx
+++ b/프로젝트 문서/기획서.pptx
@@ -2,7 +2,7 @@
 <file path=ppt/presentation.xml><?xml version="1.0" encoding="utf-8"?>
 <p:presentation xmlns:a="http://schemas.openxmlformats.org/drawingml/2006/main" xmlns:r="http://schemas.openxmlformats.org/officeDocument/2006/relationships" xmlns:p="http://schemas.openxmlformats.org/presentationml/2006/main" saveSubsetFonts="1">
   <p:sldMasterIdLst>
-    <p:sldMasterId id="2147483660" r:id="rId1"/>
+    <p:sldMasterId id="2147483679" r:id="rId1"/>
   </p:sldMasterIdLst>
   <p:sldIdLst>
     <p:sldId id="256" r:id="rId2"/>
@@ -17,9 +17,9 @@
   <p:notesSz cx="6858000" cy="9144000"/>
   <p:defaultTextStyle>
     <a:defPPr>
-      <a:defRPr lang="en-US"/>
+      <a:defRPr lang="ko-KR"/>
     </a:defPPr>
-    <a:lvl1pPr marL="0" algn="l" defTabSz="457200" rtl="0" eaLnBrk="1" latinLnBrk="0" hangingPunct="1">
+    <a:lvl1pPr marL="0" algn="l" defTabSz="914400" rtl="0" eaLnBrk="1" latinLnBrk="1" hangingPunct="1">
       <a:defRPr sz="1800" kern="1200">
         <a:solidFill>
           <a:schemeClr val="tx1"/>
@@ -29,7 +29,7 @@
         <a:cs typeface="+mn-cs"/>
       </a:defRPr>
     </a:lvl1pPr>
-    <a:lvl2pPr marL="457200" algn="l" defTabSz="457200" rtl="0" eaLnBrk="1" latinLnBrk="0" hangingPunct="1">
+    <a:lvl2pPr marL="457200" algn="l" defTabSz="914400" rtl="0" eaLnBrk="1" latinLnBrk="1" hangingPunct="1">
       <a:defRPr sz="1800" kern="1200">
         <a:solidFill>
           <a:schemeClr val="tx1"/>
@@ -39,7 +39,7 @@
         <a:cs typeface="+mn-cs"/>
       </a:defRPr>
     </a:lvl2pPr>
-    <a:lvl3pPr marL="914400" algn="l" defTabSz="457200" rtl="0" eaLnBrk="1" latinLnBrk="0" hangingPunct="1">
+    <a:lvl3pPr marL="914400" algn="l" defTabSz="914400" rtl="0" eaLnBrk="1" latinLnBrk="1" hangingPunct="1">
       <a:defRPr sz="1800" kern="1200">
         <a:solidFill>
           <a:schemeClr val="tx1"/>
@@ -49,7 +49,7 @@
         <a:cs typeface="+mn-cs"/>
       </a:defRPr>
     </a:lvl3pPr>
-    <a:lvl4pPr marL="1371600" algn="l" defTabSz="457200" rtl="0" eaLnBrk="1" latinLnBrk="0" hangingPunct="1">
+    <a:lvl4pPr marL="1371600" algn="l" defTabSz="914400" rtl="0" eaLnBrk="1" latinLnBrk="1" hangingPunct="1">
       <a:defRPr sz="1800" kern="1200">
         <a:solidFill>
           <a:schemeClr val="tx1"/>
@@ -59,7 +59,7 @@
         <a:cs typeface="+mn-cs"/>
       </a:defRPr>
     </a:lvl4pPr>
-    <a:lvl5pPr marL="1828800" algn="l" defTabSz="457200" rtl="0" eaLnBrk="1" latinLnBrk="0" hangingPunct="1">
+    <a:lvl5pPr marL="1828800" algn="l" defTabSz="914400" rtl="0" eaLnBrk="1" latinLnBrk="1" hangingPunct="1">
       <a:defRPr sz="1800" kern="1200">
         <a:solidFill>
           <a:schemeClr val="tx1"/>
@@ -69,7 +69,7 @@
         <a:cs typeface="+mn-cs"/>
       </a:defRPr>
     </a:lvl5pPr>
-    <a:lvl6pPr marL="2286000" algn="l" defTabSz="457200" rtl="0" eaLnBrk="1" latinLnBrk="0" hangingPunct="1">
+    <a:lvl6pPr marL="2286000" algn="l" defTabSz="914400" rtl="0" eaLnBrk="1" latinLnBrk="1" hangingPunct="1">
       <a:defRPr sz="1800" kern="1200">
         <a:solidFill>
           <a:schemeClr val="tx1"/>
@@ -79,7 +79,7 @@
         <a:cs typeface="+mn-cs"/>
       </a:defRPr>
     </a:lvl6pPr>
-    <a:lvl7pPr marL="2743200" algn="l" defTabSz="457200" rtl="0" eaLnBrk="1" latinLnBrk="0" hangingPunct="1">
+    <a:lvl7pPr marL="2743200" algn="l" defTabSz="914400" rtl="0" eaLnBrk="1" latinLnBrk="1" hangingPunct="1">
       <a:defRPr sz="1800" kern="1200">
         <a:solidFill>
           <a:schemeClr val="tx1"/>
@@ -89,7 +89,7 @@
         <a:cs typeface="+mn-cs"/>
       </a:defRPr>
     </a:lvl7pPr>
-    <a:lvl8pPr marL="3200400" algn="l" defTabSz="457200" rtl="0" eaLnBrk="1" latinLnBrk="0" hangingPunct="1">
+    <a:lvl8pPr marL="3200400" algn="l" defTabSz="914400" rtl="0" eaLnBrk="1" latinLnBrk="1" hangingPunct="1">
       <a:defRPr sz="1800" kern="1200">
         <a:solidFill>
           <a:schemeClr val="tx1"/>
@@ -99,7 +99,7 @@
         <a:cs typeface="+mn-cs"/>
       </a:defRPr>
     </a:lvl8pPr>
-    <a:lvl9pPr marL="3657600" algn="l" defTabSz="457200" rtl="0" eaLnBrk="1" latinLnBrk="0" hangingPunct="1">
+    <a:lvl9pPr marL="3657600" algn="l" defTabSz="914400" rtl="0" eaLnBrk="1" latinLnBrk="1" hangingPunct="1">
       <a:defRPr sz="1800" kern="1200">
         <a:solidFill>
           <a:schemeClr val="tx1"/>
@@ -135,100 +135,71 @@
           <a:chExt cx="0" cy="0"/>
         </a:xfrm>
       </p:grpSpPr>
-      <p:pic>
-        <p:nvPicPr>
-          <p:cNvPr id="7" name="Picture 6" descr="Droplets-HD-Title-R1d.png"/>
-          <p:cNvPicPr>
-            <a:picLocks noChangeAspect="1"/>
-          </p:cNvPicPr>
-          <p:nvPr/>
-        </p:nvPicPr>
-        <p:blipFill>
-          <a:blip r:embed="rId2">
-            <a:extLst>
-              <a:ext uri="{28A0092B-C50C-407E-A947-70E740481C1C}">
-                <a14:useLocalDpi xmlns:a14="http://schemas.microsoft.com/office/drawing/2010/main" val="0"/>
-              </a:ext>
-            </a:extLst>
-          </a:blip>
-          <a:stretch>
-            <a:fillRect/>
-          </a:stretch>
-        </p:blipFill>
+      <p:sp>
+        <p:nvSpPr>
+          <p:cNvPr id="2" name="제목 1">
+            <a:extLst>
+              <a:ext uri="{FF2B5EF4-FFF2-40B4-BE49-F238E27FC236}">
+                <a16:creationId xmlns:a16="http://schemas.microsoft.com/office/drawing/2014/main" id="{18AE989F-A2FA-45D3-9E10-A9AA52D90185}"/>
+              </a:ext>
+            </a:extLst>
+          </p:cNvPr>
+          <p:cNvSpPr>
+            <a:spLocks noGrp="1"/>
+          </p:cNvSpPr>
+          <p:nvPr>
+            <p:ph type="ctrTitle"/>
+          </p:nvPr>
+        </p:nvSpPr>
         <p:spPr>
           <a:xfrm>
-            <a:off x="0" y="0"/>
-            <a:ext cx="12192000" cy="6858000"/>
+            <a:off x="1524000" y="1122363"/>
+            <a:ext cx="9144000" cy="2387600"/>
           </a:xfrm>
-          <a:prstGeom prst="rect">
-            <a:avLst/>
-          </a:prstGeom>
         </p:spPr>
-      </p:pic>
-      <p:sp>
-        <p:nvSpPr>
-          <p:cNvPr id="2" name="Title 1"/>
-          <p:cNvSpPr>
-            <a:spLocks noGrp="1"/>
-          </p:cNvSpPr>
-          <p:nvPr>
-            <p:ph type="ctrTitle"/>
+        <p:txBody>
+          <a:bodyPr anchor="b"/>
+          <a:lstStyle>
+            <a:lvl1pPr algn="ctr">
+              <a:defRPr sz="6000"/>
+            </a:lvl1pPr>
+          </a:lstStyle>
+          <a:p>
+            <a:r>
+              <a:rPr lang="ko-KR" altLang="en-US"/>
+              <a:t>마스터 제목 스타일 편집</a:t>
+            </a:r>
+          </a:p>
+        </p:txBody>
+      </p:sp>
+      <p:sp>
+        <p:nvSpPr>
+          <p:cNvPr id="3" name="부제목 2">
+            <a:extLst>
+              <a:ext uri="{FF2B5EF4-FFF2-40B4-BE49-F238E27FC236}">
+                <a16:creationId xmlns:a16="http://schemas.microsoft.com/office/drawing/2014/main" id="{98FD1FEF-01DF-4A39-8D9D-BBBC910924BC}"/>
+              </a:ext>
+            </a:extLst>
+          </p:cNvPr>
+          <p:cNvSpPr>
+            <a:spLocks noGrp="1"/>
+          </p:cNvSpPr>
+          <p:nvPr>
+            <p:ph type="subTitle" idx="1"/>
           </p:nvPr>
         </p:nvSpPr>
         <p:spPr>
           <a:xfrm>
-            <a:off x="1751012" y="1300785"/>
-            <a:ext cx="8689976" cy="2509213"/>
+            <a:off x="1524000" y="3602038"/>
+            <a:ext cx="9144000" cy="1655762"/>
           </a:xfrm>
         </p:spPr>
         <p:txBody>
-          <a:bodyPr anchor="b">
-            <a:normAutofit/>
-          </a:bodyPr>
-          <a:lstStyle>
-            <a:lvl1pPr algn="ctr">
-              <a:defRPr sz="4800"/>
-            </a:lvl1pPr>
-          </a:lstStyle>
-          <a:p>
-            <a:r>
-              <a:rPr lang="ko-KR" altLang="en-US"/>
-              <a:t>마스터 제목 스타일 편집</a:t>
-            </a:r>
-            <a:endParaRPr lang="en-US" dirty="0"/>
-          </a:p>
-        </p:txBody>
-      </p:sp>
-      <p:sp>
-        <p:nvSpPr>
-          <p:cNvPr id="3" name="Subtitle 2"/>
-          <p:cNvSpPr>
-            <a:spLocks noGrp="1"/>
-          </p:cNvSpPr>
-          <p:nvPr>
-            <p:ph type="subTitle" idx="1"/>
-          </p:nvPr>
-        </p:nvSpPr>
-        <p:spPr>
-          <a:xfrm>
-            <a:off x="1751012" y="3886200"/>
-            <a:ext cx="8689976" cy="1371599"/>
-          </a:xfrm>
-        </p:spPr>
-        <p:txBody>
-          <a:bodyPr>
-            <a:normAutofit/>
-          </a:bodyPr>
+          <a:bodyPr/>
           <a:lstStyle>
             <a:lvl1pPr marL="0" indent="0" algn="ctr">
               <a:buNone/>
-              <a:defRPr sz="2200">
-                <a:solidFill>
-                  <a:schemeClr val="bg1">
-                    <a:lumMod val="50000"/>
-                  </a:schemeClr>
-                </a:solidFill>
-              </a:defRPr>
+              <a:defRPr sz="2400"/>
             </a:lvl1pPr>
             <a:lvl2pPr marL="457200" indent="0" algn="ctr">
               <a:buNone/>
@@ -268,13 +239,18 @@
               <a:rPr lang="ko-KR" altLang="en-US"/>
               <a:t>클릭하여 마스터 부제목 스타일 편집</a:t>
             </a:r>
-            <a:endParaRPr lang="en-US" dirty="0"/>
-          </a:p>
-        </p:txBody>
-      </p:sp>
-      <p:sp>
-        <p:nvSpPr>
-          <p:cNvPr id="4" name="Date Placeholder 3"/>
+          </a:p>
+        </p:txBody>
+      </p:sp>
+      <p:sp>
+        <p:nvSpPr>
+          <p:cNvPr id="4" name="날짜 개체 틀 3">
+            <a:extLst>
+              <a:ext uri="{FF2B5EF4-FFF2-40B4-BE49-F238E27FC236}">
+                <a16:creationId xmlns:a16="http://schemas.microsoft.com/office/drawing/2014/main" id="{4C351196-B8F2-4EE4-860D-0FBED0702B48}"/>
+              </a:ext>
+            </a:extLst>
+          </p:cNvPr>
           <p:cNvSpPr>
             <a:spLocks noGrp="1"/>
           </p:cNvSpPr>
@@ -289,7 +265,7 @@
           <a:p>
             <a:fld id="{9726B004-2BA4-4F9F-9C81-E8C2B4C1763F}" type="datetimeFigureOut">
               <a:rPr lang="ko-KR" altLang="en-US" smtClean="0"/>
-              <a:t>2025-02-17</a:t>
+              <a:t>2025-02-19</a:t>
             </a:fld>
             <a:endParaRPr lang="ko-KR" altLang="en-US"/>
           </a:p>
@@ -297,7 +273,13 @@
       </p:sp>
       <p:sp>
         <p:nvSpPr>
-          <p:cNvPr id="5" name="Footer Placeholder 4"/>
+          <p:cNvPr id="5" name="바닥글 개체 틀 4">
+            <a:extLst>
+              <a:ext uri="{FF2B5EF4-FFF2-40B4-BE49-F238E27FC236}">
+                <a16:creationId xmlns:a16="http://schemas.microsoft.com/office/drawing/2014/main" id="{BB864C81-2E46-4ED9-B292-1027B00B4844}"/>
+              </a:ext>
+            </a:extLst>
+          </p:cNvPr>
           <p:cNvSpPr>
             <a:spLocks noGrp="1"/>
           </p:cNvSpPr>
@@ -316,7 +298,13 @@
       </p:sp>
       <p:sp>
         <p:nvSpPr>
-          <p:cNvPr id="6" name="Slide Number Placeholder 5"/>
+          <p:cNvPr id="6" name="슬라이드 번호 개체 틀 5">
+            <a:extLst>
+              <a:ext uri="{FF2B5EF4-FFF2-40B4-BE49-F238E27FC236}">
+                <a16:creationId xmlns:a16="http://schemas.microsoft.com/office/drawing/2014/main" id="{D0E9B927-5D9E-4ACD-9B3F-1B224AAD7A4D}"/>
+              </a:ext>
+            </a:extLst>
+          </p:cNvPr>
           <p:cNvSpPr>
             <a:spLocks noGrp="1"/>
           </p:cNvSpPr>
@@ -340,7 +328,7 @@
     </p:spTree>
     <p:extLst>
       <p:ext uri="{BB962C8B-B14F-4D97-AF65-F5344CB8AC3E}">
-        <p14:creationId xmlns:p14="http://schemas.microsoft.com/office/powerpoint/2010/main" val="1561185913"/>
+        <p14:creationId xmlns:p14="http://schemas.microsoft.com/office/powerpoint/2010/main" val="2653191122"/>
       </p:ext>
     </p:extLst>
   </p:cSld>
@@ -351,2713 +339,6 @@
 </file>
 
 <file path=ppt/slideLayouts/slideLayout10.xml><?xml version="1.0" encoding="utf-8"?>
-<p:sldLayout xmlns:a="http://schemas.openxmlformats.org/drawingml/2006/main" xmlns:r="http://schemas.openxmlformats.org/officeDocument/2006/relationships" xmlns:p="http://schemas.openxmlformats.org/presentationml/2006/main" preserve="1">
-  <p:cSld name="캡션 있는 파노라마 그림">
-    <p:spTree>
-      <p:nvGrpSpPr>
-        <p:cNvPr id="1" name=""/>
-        <p:cNvGrpSpPr/>
-        <p:nvPr/>
-      </p:nvGrpSpPr>
-      <p:grpSpPr>
-        <a:xfrm>
-          <a:off x="0" y="0"/>
-          <a:ext cx="0" cy="0"/>
-          <a:chOff x="0" y="0"/>
-          <a:chExt cx="0" cy="0"/>
-        </a:xfrm>
-      </p:grpSpPr>
-      <p:pic>
-        <p:nvPicPr>
-          <p:cNvPr id="10" name="Picture 9" descr="Droplets-HD-Content-R1d.png"/>
-          <p:cNvPicPr>
-            <a:picLocks noChangeAspect="1"/>
-          </p:cNvPicPr>
-          <p:nvPr/>
-        </p:nvPicPr>
-        <p:blipFill>
-          <a:blip r:embed="rId2">
-            <a:extLst>
-              <a:ext uri="{28A0092B-C50C-407E-A947-70E740481C1C}">
-                <a14:useLocalDpi xmlns:a14="http://schemas.microsoft.com/office/drawing/2010/main" val="0"/>
-              </a:ext>
-            </a:extLst>
-          </a:blip>
-          <a:stretch>
-            <a:fillRect/>
-          </a:stretch>
-        </p:blipFill>
-        <p:spPr>
-          <a:xfrm>
-            <a:off x="0" y="0"/>
-            <a:ext cx="12192000" cy="6858000"/>
-          </a:xfrm>
-          <a:prstGeom prst="rect">
-            <a:avLst/>
-          </a:prstGeom>
-        </p:spPr>
-      </p:pic>
-      <p:sp>
-        <p:nvSpPr>
-          <p:cNvPr id="2" name="Title 1"/>
-          <p:cNvSpPr>
-            <a:spLocks noGrp="1"/>
-          </p:cNvSpPr>
-          <p:nvPr>
-            <p:ph type="title"/>
-          </p:nvPr>
-        </p:nvSpPr>
-        <p:spPr>
-          <a:xfrm>
-            <a:off x="913794" y="4289374"/>
-            <a:ext cx="10364432" cy="811610"/>
-          </a:xfrm>
-        </p:spPr>
-        <p:txBody>
-          <a:bodyPr anchor="b"/>
-          <a:lstStyle>
-            <a:lvl1pPr>
-              <a:defRPr sz="3200"/>
-            </a:lvl1pPr>
-          </a:lstStyle>
-          <a:p>
-            <a:r>
-              <a:rPr lang="ko-KR" altLang="en-US"/>
-              <a:t>마스터 제목 스타일 편집</a:t>
-            </a:r>
-            <a:endParaRPr lang="en-US" dirty="0"/>
-          </a:p>
-        </p:txBody>
-      </p:sp>
-      <p:sp>
-        <p:nvSpPr>
-          <p:cNvPr id="3" name="Picture Placeholder 2"/>
-          <p:cNvSpPr>
-            <a:spLocks noGrp="1" noChangeAspect="1"/>
-          </p:cNvSpPr>
-          <p:nvPr>
-            <p:ph type="pic" idx="1"/>
-          </p:nvPr>
-        </p:nvSpPr>
-        <p:spPr>
-          <a:xfrm>
-            <a:off x="1184744" y="698261"/>
-            <a:ext cx="9822532" cy="3214136"/>
-          </a:xfrm>
-          <a:prstGeom prst="roundRect">
-            <a:avLst>
-              <a:gd name="adj" fmla="val 4944"/>
-            </a:avLst>
-          </a:prstGeom>
-          <a:noFill/>
-          <a:ln w="82550" cap="sq">
-            <a:solidFill>
-              <a:srgbClr val="EAEAEA"/>
-            </a:solidFill>
-            <a:miter lim="800000"/>
-          </a:ln>
-          <a:effectLst/>
-          <a:scene3d>
-            <a:camera prst="orthographicFront"/>
-            <a:lightRig rig="threePt" dir="t">
-              <a:rot lat="0" lon="0" rev="2700000"/>
-            </a:lightRig>
-          </a:scene3d>
-          <a:sp3d contourW="6350">
-            <a:bevelT h="38100"/>
-            <a:contourClr>
-              <a:srgbClr val="C0C0C0"/>
-            </a:contourClr>
-          </a:sp3d>
-        </p:spPr>
-        <p:txBody>
-          <a:bodyPr anchor="t"/>
-          <a:lstStyle>
-            <a:lvl1pPr marL="0" indent="0" algn="ctr">
-              <a:buNone/>
-              <a:defRPr sz="3200"/>
-            </a:lvl1pPr>
-            <a:lvl2pPr marL="457200" indent="0">
-              <a:buNone/>
-              <a:defRPr sz="2800"/>
-            </a:lvl2pPr>
-            <a:lvl3pPr marL="914400" indent="0">
-              <a:buNone/>
-              <a:defRPr sz="2400"/>
-            </a:lvl3pPr>
-            <a:lvl4pPr marL="1371600" indent="0">
-              <a:buNone/>
-              <a:defRPr sz="2000"/>
-            </a:lvl4pPr>
-            <a:lvl5pPr marL="1828800" indent="0">
-              <a:buNone/>
-              <a:defRPr sz="2000"/>
-            </a:lvl5pPr>
-            <a:lvl6pPr marL="2286000" indent="0">
-              <a:buNone/>
-              <a:defRPr sz="2000"/>
-            </a:lvl6pPr>
-            <a:lvl7pPr marL="2743200" indent="0">
-              <a:buNone/>
-              <a:defRPr sz="2000"/>
-            </a:lvl7pPr>
-            <a:lvl8pPr marL="3200400" indent="0">
-              <a:buNone/>
-              <a:defRPr sz="2000"/>
-            </a:lvl8pPr>
-            <a:lvl9pPr marL="3657600" indent="0">
-              <a:buNone/>
-              <a:defRPr sz="2000"/>
-            </a:lvl9pPr>
-          </a:lstStyle>
-          <a:p>
-            <a:r>
-              <a:rPr lang="ko-KR" altLang="en-US"/>
-              <a:t>그림을 추가하려면 아이콘을 클릭하십시오</a:t>
-            </a:r>
-            <a:endParaRPr lang="en-US" dirty="0"/>
-          </a:p>
-        </p:txBody>
-      </p:sp>
-      <p:sp>
-        <p:nvSpPr>
-          <p:cNvPr id="4" name="Text Placeholder 3"/>
-          <p:cNvSpPr>
-            <a:spLocks noGrp="1"/>
-          </p:cNvSpPr>
-          <p:nvPr>
-            <p:ph type="body" sz="half" idx="2"/>
-          </p:nvPr>
-        </p:nvSpPr>
-        <p:spPr>
-          <a:xfrm>
-            <a:off x="913774" y="5108728"/>
-            <a:ext cx="10364452" cy="682472"/>
-          </a:xfrm>
-        </p:spPr>
-        <p:txBody>
-          <a:bodyPr/>
-          <a:lstStyle>
-            <a:lvl1pPr marL="0" indent="0" algn="ctr">
-              <a:buNone/>
-              <a:defRPr sz="1600"/>
-            </a:lvl1pPr>
-            <a:lvl2pPr marL="457200" indent="0">
-              <a:buNone/>
-              <a:defRPr sz="1400"/>
-            </a:lvl2pPr>
-            <a:lvl3pPr marL="914400" indent="0">
-              <a:buNone/>
-              <a:defRPr sz="1200"/>
-            </a:lvl3pPr>
-            <a:lvl4pPr marL="1371600" indent="0">
-              <a:buNone/>
-              <a:defRPr sz="1000"/>
-            </a:lvl4pPr>
-            <a:lvl5pPr marL="1828800" indent="0">
-              <a:buNone/>
-              <a:defRPr sz="1000"/>
-            </a:lvl5pPr>
-            <a:lvl6pPr marL="2286000" indent="0">
-              <a:buNone/>
-              <a:defRPr sz="1000"/>
-            </a:lvl6pPr>
-            <a:lvl7pPr marL="2743200" indent="0">
-              <a:buNone/>
-              <a:defRPr sz="1000"/>
-            </a:lvl7pPr>
-            <a:lvl8pPr marL="3200400" indent="0">
-              <a:buNone/>
-              <a:defRPr sz="1000"/>
-            </a:lvl8pPr>
-            <a:lvl9pPr marL="3657600" indent="0">
-              <a:buNone/>
-              <a:defRPr sz="1000"/>
-            </a:lvl9pPr>
-          </a:lstStyle>
-          <a:p>
-            <a:pPr lvl="0"/>
-            <a:r>
-              <a:rPr lang="ko-KR" altLang="en-US"/>
-              <a:t>마스터 텍스트 스타일 편집</a:t>
-            </a:r>
-          </a:p>
-        </p:txBody>
-      </p:sp>
-      <p:sp>
-        <p:nvSpPr>
-          <p:cNvPr id="5" name="Date Placeholder 4"/>
-          <p:cNvSpPr>
-            <a:spLocks noGrp="1"/>
-          </p:cNvSpPr>
-          <p:nvPr>
-            <p:ph type="dt" sz="half" idx="10"/>
-          </p:nvPr>
-        </p:nvSpPr>
-        <p:spPr/>
-        <p:txBody>
-          <a:bodyPr/>
-          <a:lstStyle/>
-          <a:p>
-            <a:fld id="{9726B004-2BA4-4F9F-9C81-E8C2B4C1763F}" type="datetimeFigureOut">
-              <a:rPr lang="ko-KR" altLang="en-US" smtClean="0"/>
-              <a:t>2025-02-17</a:t>
-            </a:fld>
-            <a:endParaRPr lang="ko-KR" altLang="en-US"/>
-          </a:p>
-        </p:txBody>
-      </p:sp>
-      <p:sp>
-        <p:nvSpPr>
-          <p:cNvPr id="6" name="Footer Placeholder 5"/>
-          <p:cNvSpPr>
-            <a:spLocks noGrp="1"/>
-          </p:cNvSpPr>
-          <p:nvPr>
-            <p:ph type="ftr" sz="quarter" idx="11"/>
-          </p:nvPr>
-        </p:nvSpPr>
-        <p:spPr/>
-        <p:txBody>
-          <a:bodyPr/>
-          <a:lstStyle/>
-          <a:p>
-            <a:endParaRPr lang="ko-KR" altLang="en-US"/>
-          </a:p>
-        </p:txBody>
-      </p:sp>
-      <p:sp>
-        <p:nvSpPr>
-          <p:cNvPr id="7" name="Slide Number Placeholder 6"/>
-          <p:cNvSpPr>
-            <a:spLocks noGrp="1"/>
-          </p:cNvSpPr>
-          <p:nvPr>
-            <p:ph type="sldNum" sz="quarter" idx="12"/>
-          </p:nvPr>
-        </p:nvSpPr>
-        <p:spPr/>
-        <p:txBody>
-          <a:bodyPr/>
-          <a:lstStyle/>
-          <a:p>
-            <a:fld id="{A619B825-BDEB-45A9-9F50-0C874E3B6804}" type="slidenum">
-              <a:rPr lang="ko-KR" altLang="en-US" smtClean="0"/>
-              <a:t>‹#›</a:t>
-            </a:fld>
-            <a:endParaRPr lang="ko-KR" altLang="en-US"/>
-          </a:p>
-        </p:txBody>
-      </p:sp>
-    </p:spTree>
-    <p:extLst>
-      <p:ext uri="{BB962C8B-B14F-4D97-AF65-F5344CB8AC3E}">
-        <p14:creationId xmlns:p14="http://schemas.microsoft.com/office/powerpoint/2010/main" val="1348740613"/>
-      </p:ext>
-    </p:extLst>
-  </p:cSld>
-  <p:clrMapOvr>
-    <a:masterClrMapping/>
-  </p:clrMapOvr>
-</p:sldLayout>
-</file>
-
-<file path=ppt/slideLayouts/slideLayout11.xml><?xml version="1.0" encoding="utf-8"?>
-<p:sldLayout xmlns:a="http://schemas.openxmlformats.org/drawingml/2006/main" xmlns:r="http://schemas.openxmlformats.org/officeDocument/2006/relationships" xmlns:p="http://schemas.openxmlformats.org/presentationml/2006/main" preserve="1">
-  <p:cSld name="제목 및 캡션">
-    <p:spTree>
-      <p:nvGrpSpPr>
-        <p:cNvPr id="1" name=""/>
-        <p:cNvGrpSpPr/>
-        <p:nvPr/>
-      </p:nvGrpSpPr>
-      <p:grpSpPr>
-        <a:xfrm>
-          <a:off x="0" y="0"/>
-          <a:ext cx="0" cy="0"/>
-          <a:chOff x="0" y="0"/>
-          <a:chExt cx="0" cy="0"/>
-        </a:xfrm>
-      </p:grpSpPr>
-      <p:pic>
-        <p:nvPicPr>
-          <p:cNvPr id="8" name="Picture 7" descr="Droplets-HD-Content-R1d.png"/>
-          <p:cNvPicPr>
-            <a:picLocks noChangeAspect="1"/>
-          </p:cNvPicPr>
-          <p:nvPr/>
-        </p:nvPicPr>
-        <p:blipFill>
-          <a:blip r:embed="rId2">
-            <a:extLst>
-              <a:ext uri="{28A0092B-C50C-407E-A947-70E740481C1C}">
-                <a14:useLocalDpi xmlns:a14="http://schemas.microsoft.com/office/drawing/2010/main" val="0"/>
-              </a:ext>
-            </a:extLst>
-          </a:blip>
-          <a:stretch>
-            <a:fillRect/>
-          </a:stretch>
-        </p:blipFill>
-        <p:spPr>
-          <a:xfrm>
-            <a:off x="0" y="0"/>
-            <a:ext cx="12192000" cy="6858000"/>
-          </a:xfrm>
-          <a:prstGeom prst="rect">
-            <a:avLst/>
-          </a:prstGeom>
-        </p:spPr>
-      </p:pic>
-      <p:sp>
-        <p:nvSpPr>
-          <p:cNvPr id="2" name="Title 1"/>
-          <p:cNvSpPr>
-            <a:spLocks noGrp="1"/>
-          </p:cNvSpPr>
-          <p:nvPr>
-            <p:ph type="title"/>
-          </p:nvPr>
-        </p:nvSpPr>
-        <p:spPr>
-          <a:xfrm>
-            <a:off x="913774" y="609599"/>
-            <a:ext cx="10364452" cy="3427245"/>
-          </a:xfrm>
-        </p:spPr>
-        <p:txBody>
-          <a:bodyPr anchor="ctr"/>
-          <a:lstStyle>
-            <a:lvl1pPr algn="ctr">
-              <a:defRPr sz="3200"/>
-            </a:lvl1pPr>
-          </a:lstStyle>
-          <a:p>
-            <a:r>
-              <a:rPr lang="ko-KR" altLang="en-US"/>
-              <a:t>마스터 제목 스타일 편집</a:t>
-            </a:r>
-            <a:endParaRPr lang="en-US" dirty="0"/>
-          </a:p>
-        </p:txBody>
-      </p:sp>
-      <p:sp>
-        <p:nvSpPr>
-          <p:cNvPr id="4" name="Text Placeholder 3"/>
-          <p:cNvSpPr>
-            <a:spLocks noGrp="1"/>
-          </p:cNvSpPr>
-          <p:nvPr>
-            <p:ph type="body" sz="half" idx="2"/>
-          </p:nvPr>
-        </p:nvSpPr>
-        <p:spPr>
-          <a:xfrm>
-            <a:off x="913775" y="4204821"/>
-            <a:ext cx="10364452" cy="1586380"/>
-          </a:xfrm>
-        </p:spPr>
-        <p:txBody>
-          <a:bodyPr anchor="ctr"/>
-          <a:lstStyle>
-            <a:lvl1pPr marL="0" indent="0" algn="ctr">
-              <a:buNone/>
-              <a:defRPr sz="1600"/>
-            </a:lvl1pPr>
-            <a:lvl2pPr marL="457200" indent="0">
-              <a:buNone/>
-              <a:defRPr sz="1400"/>
-            </a:lvl2pPr>
-            <a:lvl3pPr marL="914400" indent="0">
-              <a:buNone/>
-              <a:defRPr sz="1200"/>
-            </a:lvl3pPr>
-            <a:lvl4pPr marL="1371600" indent="0">
-              <a:buNone/>
-              <a:defRPr sz="1000"/>
-            </a:lvl4pPr>
-            <a:lvl5pPr marL="1828800" indent="0">
-              <a:buNone/>
-              <a:defRPr sz="1000"/>
-            </a:lvl5pPr>
-            <a:lvl6pPr marL="2286000" indent="0">
-              <a:buNone/>
-              <a:defRPr sz="1000"/>
-            </a:lvl6pPr>
-            <a:lvl7pPr marL="2743200" indent="0">
-              <a:buNone/>
-              <a:defRPr sz="1000"/>
-            </a:lvl7pPr>
-            <a:lvl8pPr marL="3200400" indent="0">
-              <a:buNone/>
-              <a:defRPr sz="1000"/>
-            </a:lvl8pPr>
-            <a:lvl9pPr marL="3657600" indent="0">
-              <a:buNone/>
-              <a:defRPr sz="1000"/>
-            </a:lvl9pPr>
-          </a:lstStyle>
-          <a:p>
-            <a:pPr lvl="0"/>
-            <a:r>
-              <a:rPr lang="ko-KR" altLang="en-US"/>
-              <a:t>마스터 텍스트 스타일 편집</a:t>
-            </a:r>
-          </a:p>
-        </p:txBody>
-      </p:sp>
-      <p:sp>
-        <p:nvSpPr>
-          <p:cNvPr id="5" name="Date Placeholder 4"/>
-          <p:cNvSpPr>
-            <a:spLocks noGrp="1"/>
-          </p:cNvSpPr>
-          <p:nvPr>
-            <p:ph type="dt" sz="half" idx="10"/>
-          </p:nvPr>
-        </p:nvSpPr>
-        <p:spPr/>
-        <p:txBody>
-          <a:bodyPr/>
-          <a:lstStyle/>
-          <a:p>
-            <a:fld id="{9726B004-2BA4-4F9F-9C81-E8C2B4C1763F}" type="datetimeFigureOut">
-              <a:rPr lang="ko-KR" altLang="en-US" smtClean="0"/>
-              <a:t>2025-02-17</a:t>
-            </a:fld>
-            <a:endParaRPr lang="ko-KR" altLang="en-US"/>
-          </a:p>
-        </p:txBody>
-      </p:sp>
-      <p:sp>
-        <p:nvSpPr>
-          <p:cNvPr id="6" name="Footer Placeholder 5"/>
-          <p:cNvSpPr>
-            <a:spLocks noGrp="1"/>
-          </p:cNvSpPr>
-          <p:nvPr>
-            <p:ph type="ftr" sz="quarter" idx="11"/>
-          </p:nvPr>
-        </p:nvSpPr>
-        <p:spPr/>
-        <p:txBody>
-          <a:bodyPr/>
-          <a:lstStyle/>
-          <a:p>
-            <a:endParaRPr lang="ko-KR" altLang="en-US"/>
-          </a:p>
-        </p:txBody>
-      </p:sp>
-      <p:sp>
-        <p:nvSpPr>
-          <p:cNvPr id="7" name="Slide Number Placeholder 6"/>
-          <p:cNvSpPr>
-            <a:spLocks noGrp="1"/>
-          </p:cNvSpPr>
-          <p:nvPr>
-            <p:ph type="sldNum" sz="quarter" idx="12"/>
-          </p:nvPr>
-        </p:nvSpPr>
-        <p:spPr/>
-        <p:txBody>
-          <a:bodyPr/>
-          <a:lstStyle/>
-          <a:p>
-            <a:fld id="{A619B825-BDEB-45A9-9F50-0C874E3B6804}" type="slidenum">
-              <a:rPr lang="ko-KR" altLang="en-US" smtClean="0"/>
-              <a:t>‹#›</a:t>
-            </a:fld>
-            <a:endParaRPr lang="ko-KR" altLang="en-US"/>
-          </a:p>
-        </p:txBody>
-      </p:sp>
-    </p:spTree>
-    <p:extLst>
-      <p:ext uri="{BB962C8B-B14F-4D97-AF65-F5344CB8AC3E}">
-        <p14:creationId xmlns:p14="http://schemas.microsoft.com/office/powerpoint/2010/main" val="407783640"/>
-      </p:ext>
-    </p:extLst>
-  </p:cSld>
-  <p:clrMapOvr>
-    <a:masterClrMapping/>
-  </p:clrMapOvr>
-</p:sldLayout>
-</file>
-
-<file path=ppt/slideLayouts/slideLayout12.xml><?xml version="1.0" encoding="utf-8"?>
-<p:sldLayout xmlns:a="http://schemas.openxmlformats.org/drawingml/2006/main" xmlns:r="http://schemas.openxmlformats.org/officeDocument/2006/relationships" xmlns:p="http://schemas.openxmlformats.org/presentationml/2006/main" preserve="1">
-  <p:cSld name="캡션 있는 인용문">
-    <p:spTree>
-      <p:nvGrpSpPr>
-        <p:cNvPr id="1" name=""/>
-        <p:cNvGrpSpPr/>
-        <p:nvPr/>
-      </p:nvGrpSpPr>
-      <p:grpSpPr>
-        <a:xfrm>
-          <a:off x="0" y="0"/>
-          <a:ext cx="0" cy="0"/>
-          <a:chOff x="0" y="0"/>
-          <a:chExt cx="0" cy="0"/>
-        </a:xfrm>
-      </p:grpSpPr>
-      <p:pic>
-        <p:nvPicPr>
-          <p:cNvPr id="11" name="Picture 10" descr="Droplets-HD-Content-R1d.png"/>
-          <p:cNvPicPr>
-            <a:picLocks noChangeAspect="1"/>
-          </p:cNvPicPr>
-          <p:nvPr/>
-        </p:nvPicPr>
-        <p:blipFill>
-          <a:blip r:embed="rId2">
-            <a:extLst>
-              <a:ext uri="{28A0092B-C50C-407E-A947-70E740481C1C}">
-                <a14:useLocalDpi xmlns:a14="http://schemas.microsoft.com/office/drawing/2010/main" val="0"/>
-              </a:ext>
-            </a:extLst>
-          </a:blip>
-          <a:stretch>
-            <a:fillRect/>
-          </a:stretch>
-        </p:blipFill>
-        <p:spPr>
-          <a:xfrm>
-            <a:off x="0" y="0"/>
-            <a:ext cx="12192000" cy="6858000"/>
-          </a:xfrm>
-          <a:prstGeom prst="rect">
-            <a:avLst/>
-          </a:prstGeom>
-        </p:spPr>
-      </p:pic>
-      <p:sp>
-        <p:nvSpPr>
-          <p:cNvPr id="2" name="Title 1"/>
-          <p:cNvSpPr>
-            <a:spLocks noGrp="1"/>
-          </p:cNvSpPr>
-          <p:nvPr>
-            <p:ph type="title"/>
-          </p:nvPr>
-        </p:nvSpPr>
-        <p:spPr>
-          <a:xfrm>
-            <a:off x="1446212" y="609600"/>
-            <a:ext cx="9302752" cy="2992904"/>
-          </a:xfrm>
-        </p:spPr>
-        <p:txBody>
-          <a:bodyPr anchor="ctr"/>
-          <a:lstStyle>
-            <a:lvl1pPr>
-              <a:defRPr sz="3200"/>
-            </a:lvl1pPr>
-          </a:lstStyle>
-          <a:p>
-            <a:r>
-              <a:rPr lang="ko-KR" altLang="en-US"/>
-              <a:t>마스터 제목 스타일 편집</a:t>
-            </a:r>
-            <a:endParaRPr lang="en-US" dirty="0"/>
-          </a:p>
-        </p:txBody>
-      </p:sp>
-      <p:sp>
-        <p:nvSpPr>
-          <p:cNvPr id="12" name="Text Placeholder 3"/>
-          <p:cNvSpPr>
-            <a:spLocks noGrp="1"/>
-          </p:cNvSpPr>
-          <p:nvPr>
-            <p:ph type="body" sz="half" idx="13"/>
-          </p:nvPr>
-        </p:nvSpPr>
-        <p:spPr>
-          <a:xfrm>
-            <a:off x="1720644" y="3610032"/>
-            <a:ext cx="8752299" cy="594788"/>
-          </a:xfrm>
-        </p:spPr>
-        <p:txBody>
-          <a:bodyPr anchor="t">
-            <a:normAutofit/>
-          </a:bodyPr>
-          <a:lstStyle>
-            <a:lvl1pPr marL="0" indent="0">
-              <a:buNone/>
-              <a:defRPr sz="1400"/>
-            </a:lvl1pPr>
-            <a:lvl2pPr marL="457200" indent="0">
-              <a:buNone/>
-              <a:defRPr sz="1400"/>
-            </a:lvl2pPr>
-            <a:lvl3pPr marL="914400" indent="0">
-              <a:buNone/>
-              <a:defRPr sz="1200"/>
-            </a:lvl3pPr>
-            <a:lvl4pPr marL="1371600" indent="0">
-              <a:buNone/>
-              <a:defRPr sz="1000"/>
-            </a:lvl4pPr>
-            <a:lvl5pPr marL="1828800" indent="0">
-              <a:buNone/>
-              <a:defRPr sz="1000"/>
-            </a:lvl5pPr>
-            <a:lvl6pPr marL="2286000" indent="0">
-              <a:buNone/>
-              <a:defRPr sz="1000"/>
-            </a:lvl6pPr>
-            <a:lvl7pPr marL="2743200" indent="0">
-              <a:buNone/>
-              <a:defRPr sz="1000"/>
-            </a:lvl7pPr>
-            <a:lvl8pPr marL="3200400" indent="0">
-              <a:buNone/>
-              <a:defRPr sz="1000"/>
-            </a:lvl8pPr>
-            <a:lvl9pPr marL="3657600" indent="0">
-              <a:buNone/>
-              <a:defRPr sz="1000"/>
-            </a:lvl9pPr>
-          </a:lstStyle>
-          <a:p>
-            <a:pPr lvl="0"/>
-            <a:r>
-              <a:rPr lang="ko-KR" altLang="en-US"/>
-              <a:t>마스터 텍스트 스타일 편집</a:t>
-            </a:r>
-          </a:p>
-        </p:txBody>
-      </p:sp>
-      <p:sp>
-        <p:nvSpPr>
-          <p:cNvPr id="4" name="Text Placeholder 3"/>
-          <p:cNvSpPr>
-            <a:spLocks noGrp="1"/>
-          </p:cNvSpPr>
-          <p:nvPr>
-            <p:ph type="body" sz="half" idx="2"/>
-          </p:nvPr>
-        </p:nvSpPr>
-        <p:spPr>
-          <a:xfrm>
-            <a:off x="913774" y="4372796"/>
-            <a:ext cx="10364452" cy="1421053"/>
-          </a:xfrm>
-        </p:spPr>
-        <p:txBody>
-          <a:bodyPr anchor="ctr">
-            <a:normAutofit/>
-          </a:bodyPr>
-          <a:lstStyle>
-            <a:lvl1pPr marL="0" indent="0" algn="ctr">
-              <a:buNone/>
-              <a:defRPr sz="1600"/>
-            </a:lvl1pPr>
-            <a:lvl2pPr marL="457200" indent="0">
-              <a:buNone/>
-              <a:defRPr sz="1400"/>
-            </a:lvl2pPr>
-            <a:lvl3pPr marL="914400" indent="0">
-              <a:buNone/>
-              <a:defRPr sz="1200"/>
-            </a:lvl3pPr>
-            <a:lvl4pPr marL="1371600" indent="0">
-              <a:buNone/>
-              <a:defRPr sz="1000"/>
-            </a:lvl4pPr>
-            <a:lvl5pPr marL="1828800" indent="0">
-              <a:buNone/>
-              <a:defRPr sz="1000"/>
-            </a:lvl5pPr>
-            <a:lvl6pPr marL="2286000" indent="0">
-              <a:buNone/>
-              <a:defRPr sz="1000"/>
-            </a:lvl6pPr>
-            <a:lvl7pPr marL="2743200" indent="0">
-              <a:buNone/>
-              <a:defRPr sz="1000"/>
-            </a:lvl7pPr>
-            <a:lvl8pPr marL="3200400" indent="0">
-              <a:buNone/>
-              <a:defRPr sz="1000"/>
-            </a:lvl8pPr>
-            <a:lvl9pPr marL="3657600" indent="0">
-              <a:buNone/>
-              <a:defRPr sz="1000"/>
-            </a:lvl9pPr>
-          </a:lstStyle>
-          <a:p>
-            <a:pPr lvl="0"/>
-            <a:r>
-              <a:rPr lang="ko-KR" altLang="en-US"/>
-              <a:t>마스터 텍스트 스타일 편집</a:t>
-            </a:r>
-          </a:p>
-        </p:txBody>
-      </p:sp>
-      <p:sp>
-        <p:nvSpPr>
-          <p:cNvPr id="5" name="Date Placeholder 4"/>
-          <p:cNvSpPr>
-            <a:spLocks noGrp="1"/>
-          </p:cNvSpPr>
-          <p:nvPr>
-            <p:ph type="dt" sz="half" idx="10"/>
-          </p:nvPr>
-        </p:nvSpPr>
-        <p:spPr/>
-        <p:txBody>
-          <a:bodyPr/>
-          <a:lstStyle/>
-          <a:p>
-            <a:fld id="{9726B004-2BA4-4F9F-9C81-E8C2B4C1763F}" type="datetimeFigureOut">
-              <a:rPr lang="ko-KR" altLang="en-US" smtClean="0"/>
-              <a:t>2025-02-17</a:t>
-            </a:fld>
-            <a:endParaRPr lang="ko-KR" altLang="en-US"/>
-          </a:p>
-        </p:txBody>
-      </p:sp>
-      <p:sp>
-        <p:nvSpPr>
-          <p:cNvPr id="6" name="Footer Placeholder 5"/>
-          <p:cNvSpPr>
-            <a:spLocks noGrp="1"/>
-          </p:cNvSpPr>
-          <p:nvPr>
-            <p:ph type="ftr" sz="quarter" idx="11"/>
-          </p:nvPr>
-        </p:nvSpPr>
-        <p:spPr/>
-        <p:txBody>
-          <a:bodyPr/>
-          <a:lstStyle/>
-          <a:p>
-            <a:endParaRPr lang="ko-KR" altLang="en-US"/>
-          </a:p>
-        </p:txBody>
-      </p:sp>
-      <p:sp>
-        <p:nvSpPr>
-          <p:cNvPr id="7" name="Slide Number Placeholder 6"/>
-          <p:cNvSpPr>
-            <a:spLocks noGrp="1"/>
-          </p:cNvSpPr>
-          <p:nvPr>
-            <p:ph type="sldNum" sz="quarter" idx="12"/>
-          </p:nvPr>
-        </p:nvSpPr>
-        <p:spPr/>
-        <p:txBody>
-          <a:bodyPr/>
-          <a:lstStyle/>
-          <a:p>
-            <a:fld id="{A619B825-BDEB-45A9-9F50-0C874E3B6804}" type="slidenum">
-              <a:rPr lang="ko-KR" altLang="en-US" smtClean="0"/>
-              <a:t>‹#›</a:t>
-            </a:fld>
-            <a:endParaRPr lang="ko-KR" altLang="en-US"/>
-          </a:p>
-        </p:txBody>
-      </p:sp>
-      <p:sp>
-        <p:nvSpPr>
-          <p:cNvPr id="13" name="TextBox 12"/>
-          <p:cNvSpPr txBox="1"/>
-          <p:nvPr/>
-        </p:nvSpPr>
-        <p:spPr>
-          <a:xfrm>
-            <a:off x="1001488" y="754166"/>
-            <a:ext cx="609600" cy="584776"/>
-          </a:xfrm>
-          <a:prstGeom prst="rect">
-            <a:avLst/>
-          </a:prstGeom>
-        </p:spPr>
-        <p:txBody>
-          <a:bodyPr vert="horz" lIns="91440" tIns="45720" rIns="91440" bIns="45720" rtlCol="0" anchor="ctr">
-            <a:noAutofit/>
-          </a:bodyPr>
-          <a:lstStyle>
-            <a:lvl1pPr>
-              <a:spcBef>
-                <a:spcPct val="0"/>
-              </a:spcBef>
-              <a:buNone/>
-              <a:defRPr sz="3200" b="0" cap="all">
-                <a:ln w="3175" cmpd="sng">
-                  <a:noFill/>
-                </a:ln>
-                <a:effectLst>
-                  <a:glow rad="38100">
-                    <a:schemeClr val="bg1">
-                      <a:lumMod val="65000"/>
-                      <a:lumOff val="35000"/>
-                      <a:alpha val="40000"/>
-                    </a:schemeClr>
-                  </a:glow>
-                  <a:outerShdw blurRad="28575" dist="38100" dir="14040000" algn="tl" rotWithShape="0">
-                    <a:srgbClr val="000000">
-                      <a:alpha val="25000"/>
-                    </a:srgbClr>
-                  </a:outerShdw>
-                </a:effectLst>
-              </a:defRPr>
-            </a:lvl1pPr>
-            <a:lvl2pPr>
-              <a:defRPr>
-                <a:solidFill>
-                  <a:schemeClr val="tx2"/>
-                </a:solidFill>
-              </a:defRPr>
-            </a:lvl2pPr>
-            <a:lvl3pPr>
-              <a:defRPr>
-                <a:solidFill>
-                  <a:schemeClr val="tx2"/>
-                </a:solidFill>
-              </a:defRPr>
-            </a:lvl3pPr>
-            <a:lvl4pPr>
-              <a:defRPr>
-                <a:solidFill>
-                  <a:schemeClr val="tx2"/>
-                </a:solidFill>
-              </a:defRPr>
-            </a:lvl4pPr>
-            <a:lvl5pPr>
-              <a:defRPr>
-                <a:solidFill>
-                  <a:schemeClr val="tx2"/>
-                </a:solidFill>
-              </a:defRPr>
-            </a:lvl5pPr>
-            <a:lvl6pPr>
-              <a:defRPr>
-                <a:solidFill>
-                  <a:schemeClr val="tx2"/>
-                </a:solidFill>
-              </a:defRPr>
-            </a:lvl6pPr>
-            <a:lvl7pPr>
-              <a:defRPr>
-                <a:solidFill>
-                  <a:schemeClr val="tx2"/>
-                </a:solidFill>
-              </a:defRPr>
-            </a:lvl7pPr>
-            <a:lvl8pPr>
-              <a:defRPr>
-                <a:solidFill>
-                  <a:schemeClr val="tx2"/>
-                </a:solidFill>
-              </a:defRPr>
-            </a:lvl8pPr>
-            <a:lvl9pPr>
-              <a:defRPr>
-                <a:solidFill>
-                  <a:schemeClr val="tx2"/>
-                </a:solidFill>
-              </a:defRPr>
-            </a:lvl9pPr>
-          </a:lstStyle>
-          <a:p>
-            <a:pPr lvl="0"/>
-            <a:r>
-              <a:rPr lang="en-US" sz="8000" dirty="0">
-                <a:solidFill>
-                  <a:schemeClr val="tx1"/>
-                </a:solidFill>
-                <a:effectLst/>
-              </a:rPr>
-              <a:t>“</a:t>
-            </a:r>
-          </a:p>
-        </p:txBody>
-      </p:sp>
-      <p:sp>
-        <p:nvSpPr>
-          <p:cNvPr id="14" name="TextBox 13"/>
-          <p:cNvSpPr txBox="1"/>
-          <p:nvPr/>
-        </p:nvSpPr>
-        <p:spPr>
-          <a:xfrm>
-            <a:off x="10557558" y="2993578"/>
-            <a:ext cx="609600" cy="584776"/>
-          </a:xfrm>
-          <a:prstGeom prst="rect">
-            <a:avLst/>
-          </a:prstGeom>
-        </p:spPr>
-        <p:txBody>
-          <a:bodyPr vert="horz" lIns="91440" tIns="45720" rIns="91440" bIns="45720" rtlCol="0" anchor="ctr">
-            <a:noAutofit/>
-          </a:bodyPr>
-          <a:lstStyle>
-            <a:lvl1pPr>
-              <a:spcBef>
-                <a:spcPct val="0"/>
-              </a:spcBef>
-              <a:buNone/>
-              <a:defRPr sz="3200" b="0" cap="all">
-                <a:ln w="3175" cmpd="sng">
-                  <a:noFill/>
-                </a:ln>
-                <a:effectLst>
-                  <a:glow rad="38100">
-                    <a:schemeClr val="bg1">
-                      <a:lumMod val="65000"/>
-                      <a:lumOff val="35000"/>
-                      <a:alpha val="40000"/>
-                    </a:schemeClr>
-                  </a:glow>
-                  <a:outerShdw blurRad="28575" dist="38100" dir="14040000" algn="tl" rotWithShape="0">
-                    <a:srgbClr val="000000">
-                      <a:alpha val="25000"/>
-                    </a:srgbClr>
-                  </a:outerShdw>
-                </a:effectLst>
-              </a:defRPr>
-            </a:lvl1pPr>
-            <a:lvl2pPr>
-              <a:defRPr>
-                <a:solidFill>
-                  <a:schemeClr val="tx2"/>
-                </a:solidFill>
-              </a:defRPr>
-            </a:lvl2pPr>
-            <a:lvl3pPr>
-              <a:defRPr>
-                <a:solidFill>
-                  <a:schemeClr val="tx2"/>
-                </a:solidFill>
-              </a:defRPr>
-            </a:lvl3pPr>
-            <a:lvl4pPr>
-              <a:defRPr>
-                <a:solidFill>
-                  <a:schemeClr val="tx2"/>
-                </a:solidFill>
-              </a:defRPr>
-            </a:lvl4pPr>
-            <a:lvl5pPr>
-              <a:defRPr>
-                <a:solidFill>
-                  <a:schemeClr val="tx2"/>
-                </a:solidFill>
-              </a:defRPr>
-            </a:lvl5pPr>
-            <a:lvl6pPr>
-              <a:defRPr>
-                <a:solidFill>
-                  <a:schemeClr val="tx2"/>
-                </a:solidFill>
-              </a:defRPr>
-            </a:lvl6pPr>
-            <a:lvl7pPr>
-              <a:defRPr>
-                <a:solidFill>
-                  <a:schemeClr val="tx2"/>
-                </a:solidFill>
-              </a:defRPr>
-            </a:lvl7pPr>
-            <a:lvl8pPr>
-              <a:defRPr>
-                <a:solidFill>
-                  <a:schemeClr val="tx2"/>
-                </a:solidFill>
-              </a:defRPr>
-            </a:lvl8pPr>
-            <a:lvl9pPr>
-              <a:defRPr>
-                <a:solidFill>
-                  <a:schemeClr val="tx2"/>
-                </a:solidFill>
-              </a:defRPr>
-            </a:lvl9pPr>
-          </a:lstStyle>
-          <a:p>
-            <a:pPr lvl="0" algn="r"/>
-            <a:r>
-              <a:rPr lang="en-US" sz="8000" dirty="0">
-                <a:solidFill>
-                  <a:schemeClr val="tx1"/>
-                </a:solidFill>
-                <a:effectLst/>
-              </a:rPr>
-              <a:t>”</a:t>
-            </a:r>
-          </a:p>
-        </p:txBody>
-      </p:sp>
-    </p:spTree>
-    <p:extLst>
-      <p:ext uri="{BB962C8B-B14F-4D97-AF65-F5344CB8AC3E}">
-        <p14:creationId xmlns:p14="http://schemas.microsoft.com/office/powerpoint/2010/main" val="3200570497"/>
-      </p:ext>
-    </p:extLst>
-  </p:cSld>
-  <p:clrMapOvr>
-    <a:masterClrMapping/>
-  </p:clrMapOvr>
-</p:sldLayout>
-</file>
-
-<file path=ppt/slideLayouts/slideLayout13.xml><?xml version="1.0" encoding="utf-8"?>
-<p:sldLayout xmlns:a="http://schemas.openxmlformats.org/drawingml/2006/main" xmlns:r="http://schemas.openxmlformats.org/officeDocument/2006/relationships" xmlns:p="http://schemas.openxmlformats.org/presentationml/2006/main" preserve="1">
-  <p:cSld name="명함">
-    <p:spTree>
-      <p:nvGrpSpPr>
-        <p:cNvPr id="1" name=""/>
-        <p:cNvGrpSpPr/>
-        <p:nvPr/>
-      </p:nvGrpSpPr>
-      <p:grpSpPr>
-        <a:xfrm>
-          <a:off x="0" y="0"/>
-          <a:ext cx="0" cy="0"/>
-          <a:chOff x="0" y="0"/>
-          <a:chExt cx="0" cy="0"/>
-        </a:xfrm>
-      </p:grpSpPr>
-      <p:pic>
-        <p:nvPicPr>
-          <p:cNvPr id="8" name="Picture 7" descr="Droplets-HD-Content-R1d.png"/>
-          <p:cNvPicPr>
-            <a:picLocks noChangeAspect="1"/>
-          </p:cNvPicPr>
-          <p:nvPr/>
-        </p:nvPicPr>
-        <p:blipFill>
-          <a:blip r:embed="rId2">
-            <a:extLst>
-              <a:ext uri="{28A0092B-C50C-407E-A947-70E740481C1C}">
-                <a14:useLocalDpi xmlns:a14="http://schemas.microsoft.com/office/drawing/2010/main" val="0"/>
-              </a:ext>
-            </a:extLst>
-          </a:blip>
-          <a:stretch>
-            <a:fillRect/>
-          </a:stretch>
-        </p:blipFill>
-        <p:spPr>
-          <a:xfrm>
-            <a:off x="0" y="0"/>
-            <a:ext cx="12192000" cy="6858000"/>
-          </a:xfrm>
-          <a:prstGeom prst="rect">
-            <a:avLst/>
-          </a:prstGeom>
-        </p:spPr>
-      </p:pic>
-      <p:sp>
-        <p:nvSpPr>
-          <p:cNvPr id="2" name="Title 1"/>
-          <p:cNvSpPr>
-            <a:spLocks noGrp="1"/>
-          </p:cNvSpPr>
-          <p:nvPr>
-            <p:ph type="title"/>
-          </p:nvPr>
-        </p:nvSpPr>
-        <p:spPr>
-          <a:xfrm>
-            <a:off x="913775" y="2138721"/>
-            <a:ext cx="10364452" cy="2511835"/>
-          </a:xfrm>
-        </p:spPr>
-        <p:txBody>
-          <a:bodyPr anchor="b"/>
-          <a:lstStyle>
-            <a:lvl1pPr algn="ctr">
-              <a:defRPr sz="3200"/>
-            </a:lvl1pPr>
-          </a:lstStyle>
-          <a:p>
-            <a:r>
-              <a:rPr lang="ko-KR" altLang="en-US"/>
-              <a:t>마스터 제목 스타일 편집</a:t>
-            </a:r>
-            <a:endParaRPr lang="en-US" dirty="0"/>
-          </a:p>
-        </p:txBody>
-      </p:sp>
-      <p:sp>
-        <p:nvSpPr>
-          <p:cNvPr id="4" name="Text Placeholder 3"/>
-          <p:cNvSpPr>
-            <a:spLocks noGrp="1"/>
-          </p:cNvSpPr>
-          <p:nvPr>
-            <p:ph type="body" sz="half" idx="2"/>
-          </p:nvPr>
-        </p:nvSpPr>
-        <p:spPr>
-          <a:xfrm>
-            <a:off x="913775" y="4662335"/>
-            <a:ext cx="10364452" cy="1140644"/>
-          </a:xfrm>
-        </p:spPr>
-        <p:txBody>
-          <a:bodyPr anchor="t"/>
-          <a:lstStyle>
-            <a:lvl1pPr marL="0" indent="0" algn="ctr">
-              <a:buNone/>
-              <a:defRPr sz="1600"/>
-            </a:lvl1pPr>
-            <a:lvl2pPr marL="457200" indent="0">
-              <a:buNone/>
-              <a:defRPr sz="1400"/>
-            </a:lvl2pPr>
-            <a:lvl3pPr marL="914400" indent="0">
-              <a:buNone/>
-              <a:defRPr sz="1200"/>
-            </a:lvl3pPr>
-            <a:lvl4pPr marL="1371600" indent="0">
-              <a:buNone/>
-              <a:defRPr sz="1000"/>
-            </a:lvl4pPr>
-            <a:lvl5pPr marL="1828800" indent="0">
-              <a:buNone/>
-              <a:defRPr sz="1000"/>
-            </a:lvl5pPr>
-            <a:lvl6pPr marL="2286000" indent="0">
-              <a:buNone/>
-              <a:defRPr sz="1000"/>
-            </a:lvl6pPr>
-            <a:lvl7pPr marL="2743200" indent="0">
-              <a:buNone/>
-              <a:defRPr sz="1000"/>
-            </a:lvl7pPr>
-            <a:lvl8pPr marL="3200400" indent="0">
-              <a:buNone/>
-              <a:defRPr sz="1000"/>
-            </a:lvl8pPr>
-            <a:lvl9pPr marL="3657600" indent="0">
-              <a:buNone/>
-              <a:defRPr sz="1000"/>
-            </a:lvl9pPr>
-          </a:lstStyle>
-          <a:p>
-            <a:pPr lvl="0"/>
-            <a:r>
-              <a:rPr lang="ko-KR" altLang="en-US"/>
-              <a:t>마스터 텍스트 스타일 편집</a:t>
-            </a:r>
-          </a:p>
-        </p:txBody>
-      </p:sp>
-      <p:sp>
-        <p:nvSpPr>
-          <p:cNvPr id="5" name="Date Placeholder 4"/>
-          <p:cNvSpPr>
-            <a:spLocks noGrp="1"/>
-          </p:cNvSpPr>
-          <p:nvPr>
-            <p:ph type="dt" sz="half" idx="10"/>
-          </p:nvPr>
-        </p:nvSpPr>
-        <p:spPr/>
-        <p:txBody>
-          <a:bodyPr/>
-          <a:lstStyle/>
-          <a:p>
-            <a:fld id="{9726B004-2BA4-4F9F-9C81-E8C2B4C1763F}" type="datetimeFigureOut">
-              <a:rPr lang="ko-KR" altLang="en-US" smtClean="0"/>
-              <a:t>2025-02-17</a:t>
-            </a:fld>
-            <a:endParaRPr lang="ko-KR" altLang="en-US"/>
-          </a:p>
-        </p:txBody>
-      </p:sp>
-      <p:sp>
-        <p:nvSpPr>
-          <p:cNvPr id="6" name="Footer Placeholder 5"/>
-          <p:cNvSpPr>
-            <a:spLocks noGrp="1"/>
-          </p:cNvSpPr>
-          <p:nvPr>
-            <p:ph type="ftr" sz="quarter" idx="11"/>
-          </p:nvPr>
-        </p:nvSpPr>
-        <p:spPr/>
-        <p:txBody>
-          <a:bodyPr/>
-          <a:lstStyle/>
-          <a:p>
-            <a:endParaRPr lang="ko-KR" altLang="en-US"/>
-          </a:p>
-        </p:txBody>
-      </p:sp>
-      <p:sp>
-        <p:nvSpPr>
-          <p:cNvPr id="7" name="Slide Number Placeholder 6"/>
-          <p:cNvSpPr>
-            <a:spLocks noGrp="1"/>
-          </p:cNvSpPr>
-          <p:nvPr>
-            <p:ph type="sldNum" sz="quarter" idx="12"/>
-          </p:nvPr>
-        </p:nvSpPr>
-        <p:spPr/>
-        <p:txBody>
-          <a:bodyPr/>
-          <a:lstStyle/>
-          <a:p>
-            <a:fld id="{A619B825-BDEB-45A9-9F50-0C874E3B6804}" type="slidenum">
-              <a:rPr lang="ko-KR" altLang="en-US" smtClean="0"/>
-              <a:t>‹#›</a:t>
-            </a:fld>
-            <a:endParaRPr lang="ko-KR" altLang="en-US"/>
-          </a:p>
-        </p:txBody>
-      </p:sp>
-    </p:spTree>
-    <p:extLst>
-      <p:ext uri="{BB962C8B-B14F-4D97-AF65-F5344CB8AC3E}">
-        <p14:creationId xmlns:p14="http://schemas.microsoft.com/office/powerpoint/2010/main" val="214874955"/>
-      </p:ext>
-    </p:extLst>
-  </p:cSld>
-  <p:clrMapOvr>
-    <a:masterClrMapping/>
-  </p:clrMapOvr>
-</p:sldLayout>
-</file>
-
-<file path=ppt/slideLayouts/slideLayout14.xml><?xml version="1.0" encoding="utf-8"?>
-<p:sldLayout xmlns:a="http://schemas.openxmlformats.org/drawingml/2006/main" xmlns:r="http://schemas.openxmlformats.org/officeDocument/2006/relationships" xmlns:p="http://schemas.openxmlformats.org/presentationml/2006/main" preserve="1">
-  <p:cSld name="3열">
-    <p:spTree>
-      <p:nvGrpSpPr>
-        <p:cNvPr id="1" name=""/>
-        <p:cNvGrpSpPr/>
-        <p:nvPr/>
-      </p:nvGrpSpPr>
-      <p:grpSpPr>
-        <a:xfrm>
-          <a:off x="0" y="0"/>
-          <a:ext cx="0" cy="0"/>
-          <a:chOff x="0" y="0"/>
-          <a:chExt cx="0" cy="0"/>
-        </a:xfrm>
-      </p:grpSpPr>
-      <p:pic>
-        <p:nvPicPr>
-          <p:cNvPr id="13" name="Picture 12" descr="Droplets-HD-Content-R1d.png"/>
-          <p:cNvPicPr>
-            <a:picLocks noChangeAspect="1"/>
-          </p:cNvPicPr>
-          <p:nvPr/>
-        </p:nvPicPr>
-        <p:blipFill>
-          <a:blip r:embed="rId2">
-            <a:extLst>
-              <a:ext uri="{28A0092B-C50C-407E-A947-70E740481C1C}">
-                <a14:useLocalDpi xmlns:a14="http://schemas.microsoft.com/office/drawing/2010/main" val="0"/>
-              </a:ext>
-            </a:extLst>
-          </a:blip>
-          <a:stretch>
-            <a:fillRect/>
-          </a:stretch>
-        </p:blipFill>
-        <p:spPr>
-          <a:xfrm>
-            <a:off x="0" y="0"/>
-            <a:ext cx="12192000" cy="6858000"/>
-          </a:xfrm>
-          <a:prstGeom prst="rect">
-            <a:avLst/>
-          </a:prstGeom>
-        </p:spPr>
-      </p:pic>
-      <p:sp>
-        <p:nvSpPr>
-          <p:cNvPr id="15" name="Title 1"/>
-          <p:cNvSpPr>
-            <a:spLocks noGrp="1"/>
-          </p:cNvSpPr>
-          <p:nvPr>
-            <p:ph type="title"/>
-          </p:nvPr>
-        </p:nvSpPr>
-        <p:spPr>
-          <a:xfrm>
-            <a:off x="913774" y="609600"/>
-            <a:ext cx="10364452" cy="1605094"/>
-          </a:xfrm>
-        </p:spPr>
-        <p:txBody>
-          <a:bodyPr/>
-          <a:lstStyle/>
-          <a:p>
-            <a:r>
-              <a:rPr lang="ko-KR" altLang="en-US"/>
-              <a:t>마스터 제목 스타일 편집</a:t>
-            </a:r>
-            <a:endParaRPr lang="en-US" dirty="0"/>
-          </a:p>
-        </p:txBody>
-      </p:sp>
-      <p:sp>
-        <p:nvSpPr>
-          <p:cNvPr id="7" name="Text Placeholder 2"/>
-          <p:cNvSpPr>
-            <a:spLocks noGrp="1"/>
-          </p:cNvSpPr>
-          <p:nvPr>
-            <p:ph type="body" idx="1"/>
-          </p:nvPr>
-        </p:nvSpPr>
-        <p:spPr>
-          <a:xfrm>
-            <a:off x="913774" y="2367093"/>
-            <a:ext cx="3298976" cy="576262"/>
-          </a:xfrm>
-        </p:spPr>
-        <p:txBody>
-          <a:bodyPr anchor="b">
-            <a:noAutofit/>
-          </a:bodyPr>
-          <a:lstStyle>
-            <a:lvl1pPr marL="0" indent="0" algn="ctr">
-              <a:lnSpc>
-                <a:spcPct val="85000"/>
-              </a:lnSpc>
-              <a:buNone/>
-              <a:defRPr sz="2400" b="0">
-                <a:solidFill>
-                  <a:schemeClr val="tx1"/>
-                </a:solidFill>
-              </a:defRPr>
-            </a:lvl1pPr>
-            <a:lvl2pPr marL="457200" indent="0">
-              <a:buNone/>
-              <a:defRPr sz="2000" b="1"/>
-            </a:lvl2pPr>
-            <a:lvl3pPr marL="914400" indent="0">
-              <a:buNone/>
-              <a:defRPr sz="1800" b="1"/>
-            </a:lvl3pPr>
-            <a:lvl4pPr marL="1371600" indent="0">
-              <a:buNone/>
-              <a:defRPr sz="1600" b="1"/>
-            </a:lvl4pPr>
-            <a:lvl5pPr marL="1828800" indent="0">
-              <a:buNone/>
-              <a:defRPr sz="1600" b="1"/>
-            </a:lvl5pPr>
-            <a:lvl6pPr marL="2286000" indent="0">
-              <a:buNone/>
-              <a:defRPr sz="1600" b="1"/>
-            </a:lvl6pPr>
-            <a:lvl7pPr marL="2743200" indent="0">
-              <a:buNone/>
-              <a:defRPr sz="1600" b="1"/>
-            </a:lvl7pPr>
-            <a:lvl8pPr marL="3200400" indent="0">
-              <a:buNone/>
-              <a:defRPr sz="1600" b="1"/>
-            </a:lvl8pPr>
-            <a:lvl9pPr marL="3657600" indent="0">
-              <a:buNone/>
-              <a:defRPr sz="1600" b="1"/>
-            </a:lvl9pPr>
-          </a:lstStyle>
-          <a:p>
-            <a:pPr lvl="0"/>
-            <a:r>
-              <a:rPr lang="ko-KR" altLang="en-US"/>
-              <a:t>마스터 텍스트 스타일 편집</a:t>
-            </a:r>
-          </a:p>
-        </p:txBody>
-      </p:sp>
-      <p:sp>
-        <p:nvSpPr>
-          <p:cNvPr id="8" name="Text Placeholder 3"/>
-          <p:cNvSpPr>
-            <a:spLocks noGrp="1"/>
-          </p:cNvSpPr>
-          <p:nvPr>
-            <p:ph type="body" sz="half" idx="15"/>
-          </p:nvPr>
-        </p:nvSpPr>
-        <p:spPr>
-          <a:xfrm>
-            <a:off x="913774" y="2943355"/>
-            <a:ext cx="3298976" cy="2847845"/>
-          </a:xfrm>
-        </p:spPr>
-        <p:txBody>
-          <a:bodyPr anchor="t">
-            <a:normAutofit/>
-          </a:bodyPr>
-          <a:lstStyle>
-            <a:lvl1pPr marL="0" indent="0" algn="ctr">
-              <a:buNone/>
-              <a:defRPr sz="1400"/>
-            </a:lvl1pPr>
-            <a:lvl2pPr marL="457200" indent="0">
-              <a:buNone/>
-              <a:defRPr sz="1200"/>
-            </a:lvl2pPr>
-            <a:lvl3pPr marL="914400" indent="0">
-              <a:buNone/>
-              <a:defRPr sz="1000"/>
-            </a:lvl3pPr>
-            <a:lvl4pPr marL="1371600" indent="0">
-              <a:buNone/>
-              <a:defRPr sz="900"/>
-            </a:lvl4pPr>
-            <a:lvl5pPr marL="1828800" indent="0">
-              <a:buNone/>
-              <a:defRPr sz="900"/>
-            </a:lvl5pPr>
-            <a:lvl6pPr marL="2286000" indent="0">
-              <a:buNone/>
-              <a:defRPr sz="900"/>
-            </a:lvl6pPr>
-            <a:lvl7pPr marL="2743200" indent="0">
-              <a:buNone/>
-              <a:defRPr sz="900"/>
-            </a:lvl7pPr>
-            <a:lvl8pPr marL="3200400" indent="0">
-              <a:buNone/>
-              <a:defRPr sz="900"/>
-            </a:lvl8pPr>
-            <a:lvl9pPr marL="3657600" indent="0">
-              <a:buNone/>
-              <a:defRPr sz="900"/>
-            </a:lvl9pPr>
-          </a:lstStyle>
-          <a:p>
-            <a:pPr lvl="0"/>
-            <a:r>
-              <a:rPr lang="ko-KR" altLang="en-US"/>
-              <a:t>마스터 텍스트 스타일 편집</a:t>
-            </a:r>
-          </a:p>
-        </p:txBody>
-      </p:sp>
-      <p:sp>
-        <p:nvSpPr>
-          <p:cNvPr id="9" name="Text Placeholder 4"/>
-          <p:cNvSpPr>
-            <a:spLocks noGrp="1"/>
-          </p:cNvSpPr>
-          <p:nvPr>
-            <p:ph type="body" sz="quarter" idx="3"/>
-          </p:nvPr>
-        </p:nvSpPr>
-        <p:spPr>
-          <a:xfrm>
-            <a:off x="4452389" y="2367093"/>
-            <a:ext cx="3291521" cy="576262"/>
-          </a:xfrm>
-        </p:spPr>
-        <p:txBody>
-          <a:bodyPr anchor="b">
-            <a:noAutofit/>
-          </a:bodyPr>
-          <a:lstStyle>
-            <a:lvl1pPr marL="0" indent="0" algn="ctr">
-              <a:lnSpc>
-                <a:spcPct val="85000"/>
-              </a:lnSpc>
-              <a:buNone/>
-              <a:defRPr sz="2400" b="0">
-                <a:solidFill>
-                  <a:schemeClr val="tx1"/>
-                </a:solidFill>
-              </a:defRPr>
-            </a:lvl1pPr>
-            <a:lvl2pPr marL="457200" indent="0">
-              <a:buNone/>
-              <a:defRPr sz="2000" b="1"/>
-            </a:lvl2pPr>
-            <a:lvl3pPr marL="914400" indent="0">
-              <a:buNone/>
-              <a:defRPr sz="1800" b="1"/>
-            </a:lvl3pPr>
-            <a:lvl4pPr marL="1371600" indent="0">
-              <a:buNone/>
-              <a:defRPr sz="1600" b="1"/>
-            </a:lvl4pPr>
-            <a:lvl5pPr marL="1828800" indent="0">
-              <a:buNone/>
-              <a:defRPr sz="1600" b="1"/>
-            </a:lvl5pPr>
-            <a:lvl6pPr marL="2286000" indent="0">
-              <a:buNone/>
-              <a:defRPr sz="1600" b="1"/>
-            </a:lvl6pPr>
-            <a:lvl7pPr marL="2743200" indent="0">
-              <a:buNone/>
-              <a:defRPr sz="1600" b="1"/>
-            </a:lvl7pPr>
-            <a:lvl8pPr marL="3200400" indent="0">
-              <a:buNone/>
-              <a:defRPr sz="1600" b="1"/>
-            </a:lvl8pPr>
-            <a:lvl9pPr marL="3657600" indent="0">
-              <a:buNone/>
-              <a:defRPr sz="1600" b="1"/>
-            </a:lvl9pPr>
-          </a:lstStyle>
-          <a:p>
-            <a:pPr lvl="0"/>
-            <a:r>
-              <a:rPr lang="ko-KR" altLang="en-US"/>
-              <a:t>마스터 텍스트 스타일 편집</a:t>
-            </a:r>
-          </a:p>
-        </p:txBody>
-      </p:sp>
-      <p:sp>
-        <p:nvSpPr>
-          <p:cNvPr id="10" name="Text Placeholder 3"/>
-          <p:cNvSpPr>
-            <a:spLocks noGrp="1"/>
-          </p:cNvSpPr>
-          <p:nvPr>
-            <p:ph type="body" sz="half" idx="16"/>
-          </p:nvPr>
-        </p:nvSpPr>
-        <p:spPr>
-          <a:xfrm>
-            <a:off x="4441348" y="2943355"/>
-            <a:ext cx="3303351" cy="2847845"/>
-          </a:xfrm>
-        </p:spPr>
-        <p:txBody>
-          <a:bodyPr anchor="t">
-            <a:normAutofit/>
-          </a:bodyPr>
-          <a:lstStyle>
-            <a:lvl1pPr marL="0" indent="0" algn="ctr">
-              <a:buNone/>
-              <a:defRPr sz="1400"/>
-            </a:lvl1pPr>
-            <a:lvl2pPr marL="457200" indent="0">
-              <a:buNone/>
-              <a:defRPr sz="1200"/>
-            </a:lvl2pPr>
-            <a:lvl3pPr marL="914400" indent="0">
-              <a:buNone/>
-              <a:defRPr sz="1000"/>
-            </a:lvl3pPr>
-            <a:lvl4pPr marL="1371600" indent="0">
-              <a:buNone/>
-              <a:defRPr sz="900"/>
-            </a:lvl4pPr>
-            <a:lvl5pPr marL="1828800" indent="0">
-              <a:buNone/>
-              <a:defRPr sz="900"/>
-            </a:lvl5pPr>
-            <a:lvl6pPr marL="2286000" indent="0">
-              <a:buNone/>
-              <a:defRPr sz="900"/>
-            </a:lvl6pPr>
-            <a:lvl7pPr marL="2743200" indent="0">
-              <a:buNone/>
-              <a:defRPr sz="900"/>
-            </a:lvl7pPr>
-            <a:lvl8pPr marL="3200400" indent="0">
-              <a:buNone/>
-              <a:defRPr sz="900"/>
-            </a:lvl8pPr>
-            <a:lvl9pPr marL="3657600" indent="0">
-              <a:buNone/>
-              <a:defRPr sz="900"/>
-            </a:lvl9pPr>
-          </a:lstStyle>
-          <a:p>
-            <a:pPr lvl="0"/>
-            <a:r>
-              <a:rPr lang="ko-KR" altLang="en-US"/>
-              <a:t>마스터 텍스트 스타일 편집</a:t>
-            </a:r>
-          </a:p>
-        </p:txBody>
-      </p:sp>
-      <p:sp>
-        <p:nvSpPr>
-          <p:cNvPr id="11" name="Text Placeholder 4"/>
-          <p:cNvSpPr>
-            <a:spLocks noGrp="1"/>
-          </p:cNvSpPr>
-          <p:nvPr>
-            <p:ph type="body" sz="quarter" idx="13"/>
-          </p:nvPr>
-        </p:nvSpPr>
-        <p:spPr>
-          <a:xfrm>
-            <a:off x="7973298" y="2367093"/>
-            <a:ext cx="3304928" cy="576262"/>
-          </a:xfrm>
-        </p:spPr>
-        <p:txBody>
-          <a:bodyPr anchor="b">
-            <a:noAutofit/>
-          </a:bodyPr>
-          <a:lstStyle>
-            <a:lvl1pPr marL="0" indent="0" algn="ctr">
-              <a:lnSpc>
-                <a:spcPct val="85000"/>
-              </a:lnSpc>
-              <a:buNone/>
-              <a:defRPr sz="2400" b="0">
-                <a:solidFill>
-                  <a:schemeClr val="tx1"/>
-                </a:solidFill>
-              </a:defRPr>
-            </a:lvl1pPr>
-            <a:lvl2pPr marL="457200" indent="0">
-              <a:buNone/>
-              <a:defRPr sz="2000" b="1"/>
-            </a:lvl2pPr>
-            <a:lvl3pPr marL="914400" indent="0">
-              <a:buNone/>
-              <a:defRPr sz="1800" b="1"/>
-            </a:lvl3pPr>
-            <a:lvl4pPr marL="1371600" indent="0">
-              <a:buNone/>
-              <a:defRPr sz="1600" b="1"/>
-            </a:lvl4pPr>
-            <a:lvl5pPr marL="1828800" indent="0">
-              <a:buNone/>
-              <a:defRPr sz="1600" b="1"/>
-            </a:lvl5pPr>
-            <a:lvl6pPr marL="2286000" indent="0">
-              <a:buNone/>
-              <a:defRPr sz="1600" b="1"/>
-            </a:lvl6pPr>
-            <a:lvl7pPr marL="2743200" indent="0">
-              <a:buNone/>
-              <a:defRPr sz="1600" b="1"/>
-            </a:lvl7pPr>
-            <a:lvl8pPr marL="3200400" indent="0">
-              <a:buNone/>
-              <a:defRPr sz="1600" b="1"/>
-            </a:lvl8pPr>
-            <a:lvl9pPr marL="3657600" indent="0">
-              <a:buNone/>
-              <a:defRPr sz="1600" b="1"/>
-            </a:lvl9pPr>
-          </a:lstStyle>
-          <a:p>
-            <a:pPr lvl="0"/>
-            <a:r>
-              <a:rPr lang="ko-KR" altLang="en-US"/>
-              <a:t>마스터 텍스트 스타일 편집</a:t>
-            </a:r>
-          </a:p>
-        </p:txBody>
-      </p:sp>
-      <p:sp>
-        <p:nvSpPr>
-          <p:cNvPr id="12" name="Text Placeholder 3"/>
-          <p:cNvSpPr>
-            <a:spLocks noGrp="1"/>
-          </p:cNvSpPr>
-          <p:nvPr>
-            <p:ph type="body" sz="half" idx="17"/>
-          </p:nvPr>
-        </p:nvSpPr>
-        <p:spPr>
-          <a:xfrm>
-            <a:off x="7973298" y="2943355"/>
-            <a:ext cx="3304928" cy="2847845"/>
-          </a:xfrm>
-        </p:spPr>
-        <p:txBody>
-          <a:bodyPr anchor="t">
-            <a:normAutofit/>
-          </a:bodyPr>
-          <a:lstStyle>
-            <a:lvl1pPr marL="0" indent="0" algn="ctr">
-              <a:buNone/>
-              <a:defRPr sz="1400"/>
-            </a:lvl1pPr>
-            <a:lvl2pPr marL="457200" indent="0">
-              <a:buNone/>
-              <a:defRPr sz="1200"/>
-            </a:lvl2pPr>
-            <a:lvl3pPr marL="914400" indent="0">
-              <a:buNone/>
-              <a:defRPr sz="1000"/>
-            </a:lvl3pPr>
-            <a:lvl4pPr marL="1371600" indent="0">
-              <a:buNone/>
-              <a:defRPr sz="900"/>
-            </a:lvl4pPr>
-            <a:lvl5pPr marL="1828800" indent="0">
-              <a:buNone/>
-              <a:defRPr sz="900"/>
-            </a:lvl5pPr>
-            <a:lvl6pPr marL="2286000" indent="0">
-              <a:buNone/>
-              <a:defRPr sz="900"/>
-            </a:lvl6pPr>
-            <a:lvl7pPr marL="2743200" indent="0">
-              <a:buNone/>
-              <a:defRPr sz="900"/>
-            </a:lvl7pPr>
-            <a:lvl8pPr marL="3200400" indent="0">
-              <a:buNone/>
-              <a:defRPr sz="900"/>
-            </a:lvl8pPr>
-            <a:lvl9pPr marL="3657600" indent="0">
-              <a:buNone/>
-              <a:defRPr sz="900"/>
-            </a:lvl9pPr>
-          </a:lstStyle>
-          <a:p>
-            <a:pPr lvl="0"/>
-            <a:r>
-              <a:rPr lang="ko-KR" altLang="en-US"/>
-              <a:t>마스터 텍스트 스타일 편집</a:t>
-            </a:r>
-          </a:p>
-        </p:txBody>
-      </p:sp>
-      <p:sp>
-        <p:nvSpPr>
-          <p:cNvPr id="3" name="Date Placeholder 2"/>
-          <p:cNvSpPr>
-            <a:spLocks noGrp="1"/>
-          </p:cNvSpPr>
-          <p:nvPr>
-            <p:ph type="dt" sz="half" idx="10"/>
-          </p:nvPr>
-        </p:nvSpPr>
-        <p:spPr/>
-        <p:txBody>
-          <a:bodyPr/>
-          <a:lstStyle/>
-          <a:p>
-            <a:fld id="{9726B004-2BA4-4F9F-9C81-E8C2B4C1763F}" type="datetimeFigureOut">
-              <a:rPr lang="ko-KR" altLang="en-US" smtClean="0"/>
-              <a:t>2025-02-17</a:t>
-            </a:fld>
-            <a:endParaRPr lang="ko-KR" altLang="en-US"/>
-          </a:p>
-        </p:txBody>
-      </p:sp>
-      <p:sp>
-        <p:nvSpPr>
-          <p:cNvPr id="4" name="Footer Placeholder 3"/>
-          <p:cNvSpPr>
-            <a:spLocks noGrp="1"/>
-          </p:cNvSpPr>
-          <p:nvPr>
-            <p:ph type="ftr" sz="quarter" idx="11"/>
-          </p:nvPr>
-        </p:nvSpPr>
-        <p:spPr/>
-        <p:txBody>
-          <a:bodyPr/>
-          <a:lstStyle/>
-          <a:p>
-            <a:endParaRPr lang="ko-KR" altLang="en-US"/>
-          </a:p>
-        </p:txBody>
-      </p:sp>
-      <p:sp>
-        <p:nvSpPr>
-          <p:cNvPr id="5" name="Slide Number Placeholder 4"/>
-          <p:cNvSpPr>
-            <a:spLocks noGrp="1"/>
-          </p:cNvSpPr>
-          <p:nvPr>
-            <p:ph type="sldNum" sz="quarter" idx="12"/>
-          </p:nvPr>
-        </p:nvSpPr>
-        <p:spPr/>
-        <p:txBody>
-          <a:bodyPr/>
-          <a:lstStyle/>
-          <a:p>
-            <a:fld id="{A619B825-BDEB-45A9-9F50-0C874E3B6804}" type="slidenum">
-              <a:rPr lang="ko-KR" altLang="en-US" smtClean="0"/>
-              <a:t>‹#›</a:t>
-            </a:fld>
-            <a:endParaRPr lang="ko-KR" altLang="en-US"/>
-          </a:p>
-        </p:txBody>
-      </p:sp>
-    </p:spTree>
-    <p:extLst>
-      <p:ext uri="{BB962C8B-B14F-4D97-AF65-F5344CB8AC3E}">
-        <p14:creationId xmlns:p14="http://schemas.microsoft.com/office/powerpoint/2010/main" val="27618253"/>
-      </p:ext>
-    </p:extLst>
-  </p:cSld>
-  <p:clrMapOvr>
-    <a:masterClrMapping/>
-  </p:clrMapOvr>
-</p:sldLayout>
-</file>
-
-<file path=ppt/slideLayouts/slideLayout15.xml><?xml version="1.0" encoding="utf-8"?>
-<p:sldLayout xmlns:a="http://schemas.openxmlformats.org/drawingml/2006/main" xmlns:r="http://schemas.openxmlformats.org/officeDocument/2006/relationships" xmlns:p="http://schemas.openxmlformats.org/presentationml/2006/main" preserve="1">
-  <p:cSld name="그림 열 3개">
-    <p:spTree>
-      <p:nvGrpSpPr>
-        <p:cNvPr id="1" name=""/>
-        <p:cNvGrpSpPr/>
-        <p:nvPr/>
-      </p:nvGrpSpPr>
-      <p:grpSpPr>
-        <a:xfrm>
-          <a:off x="0" y="0"/>
-          <a:ext cx="0" cy="0"/>
-          <a:chOff x="0" y="0"/>
-          <a:chExt cx="0" cy="0"/>
-        </a:xfrm>
-      </p:grpSpPr>
-      <p:pic>
-        <p:nvPicPr>
-          <p:cNvPr id="16" name="Picture 15" descr="Droplets-HD-Content-R1d.png"/>
-          <p:cNvPicPr>
-            <a:picLocks noChangeAspect="1"/>
-          </p:cNvPicPr>
-          <p:nvPr/>
-        </p:nvPicPr>
-        <p:blipFill>
-          <a:blip r:embed="rId2">
-            <a:extLst>
-              <a:ext uri="{28A0092B-C50C-407E-A947-70E740481C1C}">
-                <a14:useLocalDpi xmlns:a14="http://schemas.microsoft.com/office/drawing/2010/main" val="0"/>
-              </a:ext>
-            </a:extLst>
-          </a:blip>
-          <a:stretch>
-            <a:fillRect/>
-          </a:stretch>
-        </p:blipFill>
-        <p:spPr>
-          <a:xfrm>
-            <a:off x="0" y="0"/>
-            <a:ext cx="12192000" cy="6858000"/>
-          </a:xfrm>
-          <a:prstGeom prst="rect">
-            <a:avLst/>
-          </a:prstGeom>
-        </p:spPr>
-      </p:pic>
-      <p:sp>
-        <p:nvSpPr>
-          <p:cNvPr id="30" name="Title 1"/>
-          <p:cNvSpPr>
-            <a:spLocks noGrp="1"/>
-          </p:cNvSpPr>
-          <p:nvPr>
-            <p:ph type="title"/>
-          </p:nvPr>
-        </p:nvSpPr>
-        <p:spPr>
-          <a:xfrm>
-            <a:off x="913774" y="610772"/>
-            <a:ext cx="10364452" cy="1603922"/>
-          </a:xfrm>
-        </p:spPr>
-        <p:txBody>
-          <a:bodyPr/>
-          <a:lstStyle/>
-          <a:p>
-            <a:r>
-              <a:rPr lang="ko-KR" altLang="en-US"/>
-              <a:t>마스터 제목 스타일 편집</a:t>
-            </a:r>
-            <a:endParaRPr lang="en-US" dirty="0"/>
-          </a:p>
-        </p:txBody>
-      </p:sp>
-      <p:sp>
-        <p:nvSpPr>
-          <p:cNvPr id="19" name="Text Placeholder 2"/>
-          <p:cNvSpPr>
-            <a:spLocks noGrp="1"/>
-          </p:cNvSpPr>
-          <p:nvPr>
-            <p:ph type="body" idx="1"/>
-          </p:nvPr>
-        </p:nvSpPr>
-        <p:spPr>
-          <a:xfrm>
-            <a:off x="913774" y="4204820"/>
-            <a:ext cx="3296409" cy="576262"/>
-          </a:xfrm>
-        </p:spPr>
-        <p:txBody>
-          <a:bodyPr anchor="b">
-            <a:noAutofit/>
-          </a:bodyPr>
-          <a:lstStyle>
-            <a:lvl1pPr marL="0" indent="0" algn="ctr">
-              <a:lnSpc>
-                <a:spcPct val="85000"/>
-              </a:lnSpc>
-              <a:buNone/>
-              <a:defRPr sz="2200" b="0">
-                <a:solidFill>
-                  <a:schemeClr val="tx1"/>
-                </a:solidFill>
-              </a:defRPr>
-            </a:lvl1pPr>
-            <a:lvl2pPr marL="457200" indent="0">
-              <a:buNone/>
-              <a:defRPr sz="2000" b="1"/>
-            </a:lvl2pPr>
-            <a:lvl3pPr marL="914400" indent="0">
-              <a:buNone/>
-              <a:defRPr sz="1800" b="1"/>
-            </a:lvl3pPr>
-            <a:lvl4pPr marL="1371600" indent="0">
-              <a:buNone/>
-              <a:defRPr sz="1600" b="1"/>
-            </a:lvl4pPr>
-            <a:lvl5pPr marL="1828800" indent="0">
-              <a:buNone/>
-              <a:defRPr sz="1600" b="1"/>
-            </a:lvl5pPr>
-            <a:lvl6pPr marL="2286000" indent="0">
-              <a:buNone/>
-              <a:defRPr sz="1600" b="1"/>
-            </a:lvl6pPr>
-            <a:lvl7pPr marL="2743200" indent="0">
-              <a:buNone/>
-              <a:defRPr sz="1600" b="1"/>
-            </a:lvl7pPr>
-            <a:lvl8pPr marL="3200400" indent="0">
-              <a:buNone/>
-              <a:defRPr sz="1600" b="1"/>
-            </a:lvl8pPr>
-            <a:lvl9pPr marL="3657600" indent="0">
-              <a:buNone/>
-              <a:defRPr sz="1600" b="1"/>
-            </a:lvl9pPr>
-          </a:lstStyle>
-          <a:p>
-            <a:pPr lvl="0"/>
-            <a:r>
-              <a:rPr lang="ko-KR" altLang="en-US"/>
-              <a:t>마스터 텍스트 스타일 편집</a:t>
-            </a:r>
-          </a:p>
-        </p:txBody>
-      </p:sp>
-      <p:sp>
-        <p:nvSpPr>
-          <p:cNvPr id="20" name="Picture Placeholder 2"/>
-          <p:cNvSpPr>
-            <a:spLocks noGrp="1" noChangeAspect="1"/>
-          </p:cNvSpPr>
-          <p:nvPr>
-            <p:ph type="pic" idx="15"/>
-          </p:nvPr>
-        </p:nvSpPr>
-        <p:spPr>
-          <a:xfrm>
-            <a:off x="913774" y="2367093"/>
-            <a:ext cx="3296409" cy="1524000"/>
-          </a:xfrm>
-          <a:prstGeom prst="roundRect">
-            <a:avLst>
-              <a:gd name="adj" fmla="val 9363"/>
-            </a:avLst>
-          </a:prstGeom>
-          <a:noFill/>
-          <a:ln w="82550" cap="sq">
-            <a:solidFill>
-              <a:srgbClr val="EAEAEA"/>
-            </a:solidFill>
-            <a:miter lim="800000"/>
-          </a:ln>
-          <a:effectLst/>
-          <a:scene3d>
-            <a:camera prst="orthographicFront"/>
-            <a:lightRig rig="threePt" dir="t">
-              <a:rot lat="0" lon="0" rev="2700000"/>
-            </a:lightRig>
-          </a:scene3d>
-          <a:sp3d contourW="6350">
-            <a:bevelT h="38100"/>
-            <a:contourClr>
-              <a:srgbClr val="C0C0C0"/>
-            </a:contourClr>
-          </a:sp3d>
-        </p:spPr>
-        <p:txBody>
-          <a:bodyPr anchor="t">
-            <a:normAutofit/>
-          </a:bodyPr>
-          <a:lstStyle>
-            <a:lvl1pPr marL="0" indent="0" algn="ctr">
-              <a:buNone/>
-              <a:defRPr sz="1600"/>
-            </a:lvl1pPr>
-            <a:lvl2pPr marL="457200" indent="0">
-              <a:buNone/>
-              <a:defRPr sz="1600"/>
-            </a:lvl2pPr>
-            <a:lvl3pPr marL="914400" indent="0">
-              <a:buNone/>
-              <a:defRPr sz="1600"/>
-            </a:lvl3pPr>
-            <a:lvl4pPr marL="1371600" indent="0">
-              <a:buNone/>
-              <a:defRPr sz="1600"/>
-            </a:lvl4pPr>
-            <a:lvl5pPr marL="1828800" indent="0">
-              <a:buNone/>
-              <a:defRPr sz="1600"/>
-            </a:lvl5pPr>
-            <a:lvl6pPr marL="2286000" indent="0">
-              <a:buNone/>
-              <a:defRPr sz="1600"/>
-            </a:lvl6pPr>
-            <a:lvl7pPr marL="2743200" indent="0">
-              <a:buNone/>
-              <a:defRPr sz="1600"/>
-            </a:lvl7pPr>
-            <a:lvl8pPr marL="3200400" indent="0">
-              <a:buNone/>
-              <a:defRPr sz="1600"/>
-            </a:lvl8pPr>
-            <a:lvl9pPr marL="3657600" indent="0">
-              <a:buNone/>
-              <a:defRPr sz="1600"/>
-            </a:lvl9pPr>
-          </a:lstStyle>
-          <a:p>
-            <a:r>
-              <a:rPr lang="ko-KR" altLang="en-US"/>
-              <a:t>그림을 추가하려면 아이콘을 클릭하십시오</a:t>
-            </a:r>
-            <a:endParaRPr lang="en-US" dirty="0"/>
-          </a:p>
-        </p:txBody>
-      </p:sp>
-      <p:sp>
-        <p:nvSpPr>
-          <p:cNvPr id="21" name="Text Placeholder 3"/>
-          <p:cNvSpPr>
-            <a:spLocks noGrp="1"/>
-          </p:cNvSpPr>
-          <p:nvPr>
-            <p:ph type="body" sz="half" idx="18"/>
-          </p:nvPr>
-        </p:nvSpPr>
-        <p:spPr>
-          <a:xfrm>
-            <a:off x="913774" y="4781082"/>
-            <a:ext cx="3296409" cy="1010118"/>
-          </a:xfrm>
-        </p:spPr>
-        <p:txBody>
-          <a:bodyPr anchor="t">
-            <a:normAutofit/>
-          </a:bodyPr>
-          <a:lstStyle>
-            <a:lvl1pPr marL="0" indent="0" algn="ctr">
-              <a:buNone/>
-              <a:defRPr sz="1400"/>
-            </a:lvl1pPr>
-            <a:lvl2pPr marL="457200" indent="0">
-              <a:buNone/>
-              <a:defRPr sz="1200"/>
-            </a:lvl2pPr>
-            <a:lvl3pPr marL="914400" indent="0">
-              <a:buNone/>
-              <a:defRPr sz="1000"/>
-            </a:lvl3pPr>
-            <a:lvl4pPr marL="1371600" indent="0">
-              <a:buNone/>
-              <a:defRPr sz="900"/>
-            </a:lvl4pPr>
-            <a:lvl5pPr marL="1828800" indent="0">
-              <a:buNone/>
-              <a:defRPr sz="900"/>
-            </a:lvl5pPr>
-            <a:lvl6pPr marL="2286000" indent="0">
-              <a:buNone/>
-              <a:defRPr sz="900"/>
-            </a:lvl6pPr>
-            <a:lvl7pPr marL="2743200" indent="0">
-              <a:buNone/>
-              <a:defRPr sz="900"/>
-            </a:lvl7pPr>
-            <a:lvl8pPr marL="3200400" indent="0">
-              <a:buNone/>
-              <a:defRPr sz="900"/>
-            </a:lvl8pPr>
-            <a:lvl9pPr marL="3657600" indent="0">
-              <a:buNone/>
-              <a:defRPr sz="900"/>
-            </a:lvl9pPr>
-          </a:lstStyle>
-          <a:p>
-            <a:pPr lvl="0"/>
-            <a:r>
-              <a:rPr lang="ko-KR" altLang="en-US"/>
-              <a:t>마스터 텍스트 스타일 편집</a:t>
-            </a:r>
-          </a:p>
-        </p:txBody>
-      </p:sp>
-      <p:sp>
-        <p:nvSpPr>
-          <p:cNvPr id="22" name="Text Placeholder 4"/>
-          <p:cNvSpPr>
-            <a:spLocks noGrp="1"/>
-          </p:cNvSpPr>
-          <p:nvPr>
-            <p:ph type="body" sz="quarter" idx="3"/>
-          </p:nvPr>
-        </p:nvSpPr>
-        <p:spPr>
-          <a:xfrm>
-            <a:off x="4442759" y="4204820"/>
-            <a:ext cx="3301828" cy="576262"/>
-          </a:xfrm>
-        </p:spPr>
-        <p:txBody>
-          <a:bodyPr anchor="b">
-            <a:noAutofit/>
-          </a:bodyPr>
-          <a:lstStyle>
-            <a:lvl1pPr marL="0" indent="0" algn="ctr">
-              <a:lnSpc>
-                <a:spcPct val="85000"/>
-              </a:lnSpc>
-              <a:buNone/>
-              <a:defRPr sz="2200" b="0">
-                <a:solidFill>
-                  <a:schemeClr val="tx1"/>
-                </a:solidFill>
-              </a:defRPr>
-            </a:lvl1pPr>
-            <a:lvl2pPr marL="457200" indent="0">
-              <a:buNone/>
-              <a:defRPr sz="2000" b="1"/>
-            </a:lvl2pPr>
-            <a:lvl3pPr marL="914400" indent="0">
-              <a:buNone/>
-              <a:defRPr sz="1800" b="1"/>
-            </a:lvl3pPr>
-            <a:lvl4pPr marL="1371600" indent="0">
-              <a:buNone/>
-              <a:defRPr sz="1600" b="1"/>
-            </a:lvl4pPr>
-            <a:lvl5pPr marL="1828800" indent="0">
-              <a:buNone/>
-              <a:defRPr sz="1600" b="1"/>
-            </a:lvl5pPr>
-            <a:lvl6pPr marL="2286000" indent="0">
-              <a:buNone/>
-              <a:defRPr sz="1600" b="1"/>
-            </a:lvl6pPr>
-            <a:lvl7pPr marL="2743200" indent="0">
-              <a:buNone/>
-              <a:defRPr sz="1600" b="1"/>
-            </a:lvl7pPr>
-            <a:lvl8pPr marL="3200400" indent="0">
-              <a:buNone/>
-              <a:defRPr sz="1600" b="1"/>
-            </a:lvl8pPr>
-            <a:lvl9pPr marL="3657600" indent="0">
-              <a:buNone/>
-              <a:defRPr sz="1600" b="1"/>
-            </a:lvl9pPr>
-          </a:lstStyle>
-          <a:p>
-            <a:pPr lvl="0"/>
-            <a:r>
-              <a:rPr lang="ko-KR" altLang="en-US"/>
-              <a:t>마스터 텍스트 스타일 편집</a:t>
-            </a:r>
-          </a:p>
-        </p:txBody>
-      </p:sp>
-      <p:sp>
-        <p:nvSpPr>
-          <p:cNvPr id="23" name="Picture Placeholder 2"/>
-          <p:cNvSpPr>
-            <a:spLocks noGrp="1" noChangeAspect="1"/>
-          </p:cNvSpPr>
-          <p:nvPr>
-            <p:ph type="pic" idx="21"/>
-          </p:nvPr>
-        </p:nvSpPr>
-        <p:spPr>
-          <a:xfrm>
-            <a:off x="4441348" y="2367093"/>
-            <a:ext cx="3303352" cy="1524000"/>
-          </a:xfrm>
-          <a:prstGeom prst="roundRect">
-            <a:avLst>
-              <a:gd name="adj" fmla="val 8841"/>
-            </a:avLst>
-          </a:prstGeom>
-          <a:noFill/>
-          <a:ln w="82550" cap="sq">
-            <a:solidFill>
-              <a:srgbClr val="EAEAEA"/>
-            </a:solidFill>
-            <a:miter lim="800000"/>
-          </a:ln>
-          <a:effectLst/>
-          <a:scene3d>
-            <a:camera prst="orthographicFront"/>
-            <a:lightRig rig="threePt" dir="t">
-              <a:rot lat="0" lon="0" rev="2700000"/>
-            </a:lightRig>
-          </a:scene3d>
-          <a:sp3d contourW="6350">
-            <a:bevelT h="38100"/>
-            <a:contourClr>
-              <a:srgbClr val="C0C0C0"/>
-            </a:contourClr>
-          </a:sp3d>
-        </p:spPr>
-        <p:txBody>
-          <a:bodyPr anchor="t">
-            <a:normAutofit/>
-          </a:bodyPr>
-          <a:lstStyle>
-            <a:lvl1pPr marL="0" indent="0" algn="ctr">
-              <a:buNone/>
-              <a:defRPr sz="1600"/>
-            </a:lvl1pPr>
-            <a:lvl2pPr marL="457200" indent="0">
-              <a:buNone/>
-              <a:defRPr sz="1600"/>
-            </a:lvl2pPr>
-            <a:lvl3pPr marL="914400" indent="0">
-              <a:buNone/>
-              <a:defRPr sz="1600"/>
-            </a:lvl3pPr>
-            <a:lvl4pPr marL="1371600" indent="0">
-              <a:buNone/>
-              <a:defRPr sz="1600"/>
-            </a:lvl4pPr>
-            <a:lvl5pPr marL="1828800" indent="0">
-              <a:buNone/>
-              <a:defRPr sz="1600"/>
-            </a:lvl5pPr>
-            <a:lvl6pPr marL="2286000" indent="0">
-              <a:buNone/>
-              <a:defRPr sz="1600"/>
-            </a:lvl6pPr>
-            <a:lvl7pPr marL="2743200" indent="0">
-              <a:buNone/>
-              <a:defRPr sz="1600"/>
-            </a:lvl7pPr>
-            <a:lvl8pPr marL="3200400" indent="0">
-              <a:buNone/>
-              <a:defRPr sz="1600"/>
-            </a:lvl8pPr>
-            <a:lvl9pPr marL="3657600" indent="0">
-              <a:buNone/>
-              <a:defRPr sz="1600"/>
-            </a:lvl9pPr>
-          </a:lstStyle>
-          <a:p>
-            <a:r>
-              <a:rPr lang="ko-KR" altLang="en-US"/>
-              <a:t>그림을 추가하려면 아이콘을 클릭하십시오</a:t>
-            </a:r>
-            <a:endParaRPr lang="en-US" dirty="0"/>
-          </a:p>
-        </p:txBody>
-      </p:sp>
-      <p:sp>
-        <p:nvSpPr>
-          <p:cNvPr id="24" name="Text Placeholder 3"/>
-          <p:cNvSpPr>
-            <a:spLocks noGrp="1"/>
-          </p:cNvSpPr>
-          <p:nvPr>
-            <p:ph type="body" sz="half" idx="19"/>
-          </p:nvPr>
-        </p:nvSpPr>
-        <p:spPr>
-          <a:xfrm>
-            <a:off x="4441348" y="4781080"/>
-            <a:ext cx="3303352" cy="1010119"/>
-          </a:xfrm>
-        </p:spPr>
-        <p:txBody>
-          <a:bodyPr anchor="t">
-            <a:normAutofit/>
-          </a:bodyPr>
-          <a:lstStyle>
-            <a:lvl1pPr marL="0" indent="0" algn="ctr">
-              <a:buNone/>
-              <a:defRPr sz="1400"/>
-            </a:lvl1pPr>
-            <a:lvl2pPr marL="457200" indent="0">
-              <a:buNone/>
-              <a:defRPr sz="1200"/>
-            </a:lvl2pPr>
-            <a:lvl3pPr marL="914400" indent="0">
-              <a:buNone/>
-              <a:defRPr sz="1000"/>
-            </a:lvl3pPr>
-            <a:lvl4pPr marL="1371600" indent="0">
-              <a:buNone/>
-              <a:defRPr sz="900"/>
-            </a:lvl4pPr>
-            <a:lvl5pPr marL="1828800" indent="0">
-              <a:buNone/>
-              <a:defRPr sz="900"/>
-            </a:lvl5pPr>
-            <a:lvl6pPr marL="2286000" indent="0">
-              <a:buNone/>
-              <a:defRPr sz="900"/>
-            </a:lvl6pPr>
-            <a:lvl7pPr marL="2743200" indent="0">
-              <a:buNone/>
-              <a:defRPr sz="900"/>
-            </a:lvl7pPr>
-            <a:lvl8pPr marL="3200400" indent="0">
-              <a:buNone/>
-              <a:defRPr sz="900"/>
-            </a:lvl8pPr>
-            <a:lvl9pPr marL="3657600" indent="0">
-              <a:buNone/>
-              <a:defRPr sz="900"/>
-            </a:lvl9pPr>
-          </a:lstStyle>
-          <a:p>
-            <a:pPr lvl="0"/>
-            <a:r>
-              <a:rPr lang="ko-KR" altLang="en-US"/>
-              <a:t>마스터 텍스트 스타일 편집</a:t>
-            </a:r>
-          </a:p>
-        </p:txBody>
-      </p:sp>
-      <p:sp>
-        <p:nvSpPr>
-          <p:cNvPr id="25" name="Text Placeholder 4"/>
-          <p:cNvSpPr>
-            <a:spLocks noGrp="1"/>
-          </p:cNvSpPr>
-          <p:nvPr>
-            <p:ph type="body" sz="quarter" idx="13"/>
-          </p:nvPr>
-        </p:nvSpPr>
-        <p:spPr>
-          <a:xfrm>
-            <a:off x="7973298" y="4204820"/>
-            <a:ext cx="3300681" cy="576262"/>
-          </a:xfrm>
-        </p:spPr>
-        <p:txBody>
-          <a:bodyPr anchor="b">
-            <a:noAutofit/>
-          </a:bodyPr>
-          <a:lstStyle>
-            <a:lvl1pPr marL="0" indent="0" algn="ctr">
-              <a:lnSpc>
-                <a:spcPct val="85000"/>
-              </a:lnSpc>
-              <a:buNone/>
-              <a:defRPr sz="2200" b="0">
-                <a:solidFill>
-                  <a:schemeClr val="tx1"/>
-                </a:solidFill>
-              </a:defRPr>
-            </a:lvl1pPr>
-            <a:lvl2pPr marL="457200" indent="0">
-              <a:buNone/>
-              <a:defRPr sz="2000" b="1"/>
-            </a:lvl2pPr>
-            <a:lvl3pPr marL="914400" indent="0">
-              <a:buNone/>
-              <a:defRPr sz="1800" b="1"/>
-            </a:lvl3pPr>
-            <a:lvl4pPr marL="1371600" indent="0">
-              <a:buNone/>
-              <a:defRPr sz="1600" b="1"/>
-            </a:lvl4pPr>
-            <a:lvl5pPr marL="1828800" indent="0">
-              <a:buNone/>
-              <a:defRPr sz="1600" b="1"/>
-            </a:lvl5pPr>
-            <a:lvl6pPr marL="2286000" indent="0">
-              <a:buNone/>
-              <a:defRPr sz="1600" b="1"/>
-            </a:lvl6pPr>
-            <a:lvl7pPr marL="2743200" indent="0">
-              <a:buNone/>
-              <a:defRPr sz="1600" b="1"/>
-            </a:lvl7pPr>
-            <a:lvl8pPr marL="3200400" indent="0">
-              <a:buNone/>
-              <a:defRPr sz="1600" b="1"/>
-            </a:lvl8pPr>
-            <a:lvl9pPr marL="3657600" indent="0">
-              <a:buNone/>
-              <a:defRPr sz="1600" b="1"/>
-            </a:lvl9pPr>
-          </a:lstStyle>
-          <a:p>
-            <a:pPr lvl="0"/>
-            <a:r>
-              <a:rPr lang="ko-KR" altLang="en-US"/>
-              <a:t>마스터 텍스트 스타일 편집</a:t>
-            </a:r>
-          </a:p>
-        </p:txBody>
-      </p:sp>
-      <p:sp>
-        <p:nvSpPr>
-          <p:cNvPr id="26" name="Picture Placeholder 2"/>
-          <p:cNvSpPr>
-            <a:spLocks noGrp="1" noChangeAspect="1"/>
-          </p:cNvSpPr>
-          <p:nvPr>
-            <p:ph type="pic" idx="22"/>
-          </p:nvPr>
-        </p:nvSpPr>
-        <p:spPr>
-          <a:xfrm>
-            <a:off x="7973298" y="2367093"/>
-            <a:ext cx="3304928" cy="1524000"/>
-          </a:xfrm>
-          <a:prstGeom prst="roundRect">
-            <a:avLst>
-              <a:gd name="adj" fmla="val 8841"/>
-            </a:avLst>
-          </a:prstGeom>
-          <a:noFill/>
-          <a:ln w="82550" cap="sq">
-            <a:solidFill>
-              <a:srgbClr val="EAEAEA"/>
-            </a:solidFill>
-            <a:miter lim="800000"/>
-          </a:ln>
-          <a:effectLst/>
-          <a:scene3d>
-            <a:camera prst="orthographicFront"/>
-            <a:lightRig rig="threePt" dir="t">
-              <a:rot lat="0" lon="0" rev="2700000"/>
-            </a:lightRig>
-          </a:scene3d>
-          <a:sp3d contourW="6350">
-            <a:bevelT h="38100"/>
-            <a:contourClr>
-              <a:srgbClr val="C0C0C0"/>
-            </a:contourClr>
-          </a:sp3d>
-        </p:spPr>
-        <p:txBody>
-          <a:bodyPr anchor="t">
-            <a:normAutofit/>
-          </a:bodyPr>
-          <a:lstStyle>
-            <a:lvl1pPr marL="0" indent="0" algn="ctr">
-              <a:buNone/>
-              <a:defRPr sz="1600"/>
-            </a:lvl1pPr>
-            <a:lvl2pPr marL="457200" indent="0">
-              <a:buNone/>
-              <a:defRPr sz="1600"/>
-            </a:lvl2pPr>
-            <a:lvl3pPr marL="914400" indent="0">
-              <a:buNone/>
-              <a:defRPr sz="1600"/>
-            </a:lvl3pPr>
-            <a:lvl4pPr marL="1371600" indent="0">
-              <a:buNone/>
-              <a:defRPr sz="1600"/>
-            </a:lvl4pPr>
-            <a:lvl5pPr marL="1828800" indent="0">
-              <a:buNone/>
-              <a:defRPr sz="1600"/>
-            </a:lvl5pPr>
-            <a:lvl6pPr marL="2286000" indent="0">
-              <a:buNone/>
-              <a:defRPr sz="1600"/>
-            </a:lvl6pPr>
-            <a:lvl7pPr marL="2743200" indent="0">
-              <a:buNone/>
-              <a:defRPr sz="1600"/>
-            </a:lvl7pPr>
-            <a:lvl8pPr marL="3200400" indent="0">
-              <a:buNone/>
-              <a:defRPr sz="1600"/>
-            </a:lvl8pPr>
-            <a:lvl9pPr marL="3657600" indent="0">
-              <a:buNone/>
-              <a:defRPr sz="1600"/>
-            </a:lvl9pPr>
-          </a:lstStyle>
-          <a:p>
-            <a:r>
-              <a:rPr lang="ko-KR" altLang="en-US"/>
-              <a:t>그림을 추가하려면 아이콘을 클릭하십시오</a:t>
-            </a:r>
-            <a:endParaRPr lang="en-US" dirty="0"/>
-          </a:p>
-        </p:txBody>
-      </p:sp>
-      <p:sp>
-        <p:nvSpPr>
-          <p:cNvPr id="27" name="Text Placeholder 3"/>
-          <p:cNvSpPr>
-            <a:spLocks noGrp="1"/>
-          </p:cNvSpPr>
-          <p:nvPr>
-            <p:ph type="body" sz="half" idx="20"/>
-          </p:nvPr>
-        </p:nvSpPr>
-        <p:spPr>
-          <a:xfrm>
-            <a:off x="7973173" y="4781078"/>
-            <a:ext cx="3305053" cy="1010121"/>
-          </a:xfrm>
-        </p:spPr>
-        <p:txBody>
-          <a:bodyPr anchor="t">
-            <a:normAutofit/>
-          </a:bodyPr>
-          <a:lstStyle>
-            <a:lvl1pPr marL="0" indent="0" algn="ctr">
-              <a:buNone/>
-              <a:defRPr sz="1400"/>
-            </a:lvl1pPr>
-            <a:lvl2pPr marL="457200" indent="0">
-              <a:buNone/>
-              <a:defRPr sz="1200"/>
-            </a:lvl2pPr>
-            <a:lvl3pPr marL="914400" indent="0">
-              <a:buNone/>
-              <a:defRPr sz="1000"/>
-            </a:lvl3pPr>
-            <a:lvl4pPr marL="1371600" indent="0">
-              <a:buNone/>
-              <a:defRPr sz="900"/>
-            </a:lvl4pPr>
-            <a:lvl5pPr marL="1828800" indent="0">
-              <a:buNone/>
-              <a:defRPr sz="900"/>
-            </a:lvl5pPr>
-            <a:lvl6pPr marL="2286000" indent="0">
-              <a:buNone/>
-              <a:defRPr sz="900"/>
-            </a:lvl6pPr>
-            <a:lvl7pPr marL="2743200" indent="0">
-              <a:buNone/>
-              <a:defRPr sz="900"/>
-            </a:lvl7pPr>
-            <a:lvl8pPr marL="3200400" indent="0">
-              <a:buNone/>
-              <a:defRPr sz="900"/>
-            </a:lvl8pPr>
-            <a:lvl9pPr marL="3657600" indent="0">
-              <a:buNone/>
-              <a:defRPr sz="900"/>
-            </a:lvl9pPr>
-          </a:lstStyle>
-          <a:p>
-            <a:pPr lvl="0"/>
-            <a:r>
-              <a:rPr lang="ko-KR" altLang="en-US"/>
-              <a:t>마스터 텍스트 스타일 편집</a:t>
-            </a:r>
-          </a:p>
-        </p:txBody>
-      </p:sp>
-      <p:sp>
-        <p:nvSpPr>
-          <p:cNvPr id="3" name="Date Placeholder 2"/>
-          <p:cNvSpPr>
-            <a:spLocks noGrp="1"/>
-          </p:cNvSpPr>
-          <p:nvPr>
-            <p:ph type="dt" sz="half" idx="10"/>
-          </p:nvPr>
-        </p:nvSpPr>
-        <p:spPr/>
-        <p:txBody>
-          <a:bodyPr/>
-          <a:lstStyle/>
-          <a:p>
-            <a:fld id="{9726B004-2BA4-4F9F-9C81-E8C2B4C1763F}" type="datetimeFigureOut">
-              <a:rPr lang="ko-KR" altLang="en-US" smtClean="0"/>
-              <a:t>2025-02-17</a:t>
-            </a:fld>
-            <a:endParaRPr lang="ko-KR" altLang="en-US"/>
-          </a:p>
-        </p:txBody>
-      </p:sp>
-      <p:sp>
-        <p:nvSpPr>
-          <p:cNvPr id="4" name="Footer Placeholder 3"/>
-          <p:cNvSpPr>
-            <a:spLocks noGrp="1"/>
-          </p:cNvSpPr>
-          <p:nvPr>
-            <p:ph type="ftr" sz="quarter" idx="11"/>
-          </p:nvPr>
-        </p:nvSpPr>
-        <p:spPr/>
-        <p:txBody>
-          <a:bodyPr/>
-          <a:lstStyle/>
-          <a:p>
-            <a:endParaRPr lang="ko-KR" altLang="en-US"/>
-          </a:p>
-        </p:txBody>
-      </p:sp>
-      <p:sp>
-        <p:nvSpPr>
-          <p:cNvPr id="5" name="Slide Number Placeholder 4"/>
-          <p:cNvSpPr>
-            <a:spLocks noGrp="1"/>
-          </p:cNvSpPr>
-          <p:nvPr>
-            <p:ph type="sldNum" sz="quarter" idx="12"/>
-          </p:nvPr>
-        </p:nvSpPr>
-        <p:spPr/>
-        <p:txBody>
-          <a:bodyPr/>
-          <a:lstStyle/>
-          <a:p>
-            <a:fld id="{A619B825-BDEB-45A9-9F50-0C874E3B6804}" type="slidenum">
-              <a:rPr lang="ko-KR" altLang="en-US" smtClean="0"/>
-              <a:t>‹#›</a:t>
-            </a:fld>
-            <a:endParaRPr lang="ko-KR" altLang="en-US"/>
-          </a:p>
-        </p:txBody>
-      </p:sp>
-    </p:spTree>
-    <p:extLst>
-      <p:ext uri="{BB962C8B-B14F-4D97-AF65-F5344CB8AC3E}">
-        <p14:creationId xmlns:p14="http://schemas.microsoft.com/office/powerpoint/2010/main" val="2795833200"/>
-      </p:ext>
-    </p:extLst>
-  </p:cSld>
-  <p:clrMapOvr>
-    <a:masterClrMapping/>
-  </p:clrMapOvr>
-</p:sldLayout>
-</file>
-
-<file path=ppt/slideLayouts/slideLayout16.xml><?xml version="1.0" encoding="utf-8"?>
 <p:sldLayout xmlns:a="http://schemas.openxmlformats.org/drawingml/2006/main" xmlns:r="http://schemas.openxmlformats.org/officeDocument/2006/relationships" xmlns:p="http://schemas.openxmlformats.org/presentationml/2006/main" type="vertTx" preserve="1">
   <p:cSld name="제목 및 세로 텍스트">
     <p:spTree>
@@ -3074,39 +355,15 @@
           <a:chExt cx="0" cy="0"/>
         </a:xfrm>
       </p:grpSpPr>
-      <p:pic>
-        <p:nvPicPr>
-          <p:cNvPr id="8" name="Picture 7" descr="Droplets-HD-Content-R1d.png"/>
-          <p:cNvPicPr>
-            <a:picLocks noChangeAspect="1"/>
-          </p:cNvPicPr>
-          <p:nvPr/>
-        </p:nvPicPr>
-        <p:blipFill>
-          <a:blip r:embed="rId2">
-            <a:extLst>
-              <a:ext uri="{28A0092B-C50C-407E-A947-70E740481C1C}">
-                <a14:useLocalDpi xmlns:a14="http://schemas.microsoft.com/office/drawing/2010/main" val="0"/>
-              </a:ext>
-            </a:extLst>
-          </a:blip>
-          <a:stretch>
-            <a:fillRect/>
-          </a:stretch>
-        </p:blipFill>
-        <p:spPr>
-          <a:xfrm>
-            <a:off x="0" y="0"/>
-            <a:ext cx="12192000" cy="6858000"/>
-          </a:xfrm>
-          <a:prstGeom prst="rect">
-            <a:avLst/>
-          </a:prstGeom>
-        </p:spPr>
-      </p:pic>
-      <p:sp>
-        <p:nvSpPr>
-          <p:cNvPr id="2" name="Title 1"/>
+      <p:sp>
+        <p:nvSpPr>
+          <p:cNvPr id="2" name="제목 1">
+            <a:extLst>
+              <a:ext uri="{FF2B5EF4-FFF2-40B4-BE49-F238E27FC236}">
+                <a16:creationId xmlns:a16="http://schemas.microsoft.com/office/drawing/2014/main" id="{04FB941C-DFD0-44BB-88AF-39BBAAC507AB}"/>
+              </a:ext>
+            </a:extLst>
+          </p:cNvPr>
           <p:cNvSpPr>
             <a:spLocks noGrp="1"/>
           </p:cNvSpPr>
@@ -3123,26 +380,26 @@
               <a:rPr lang="ko-KR" altLang="en-US"/>
               <a:t>마스터 제목 스타일 편집</a:t>
             </a:r>
-            <a:endParaRPr lang="en-US" dirty="0"/>
-          </a:p>
-        </p:txBody>
-      </p:sp>
-      <p:sp>
-        <p:nvSpPr>
-          <p:cNvPr id="11" name="Vertical Text Placeholder 2"/>
-          <p:cNvSpPr>
-            <a:spLocks noGrp="1"/>
-          </p:cNvSpPr>
-          <p:nvPr>
-            <p:ph type="body" orient="vert" sz="quarter" idx="13"/>
-          </p:nvPr>
-        </p:nvSpPr>
-        <p:spPr>
-          <a:xfrm>
-            <a:off x="913775" y="2367093"/>
-            <a:ext cx="10364452" cy="3424107"/>
-          </a:xfrm>
-        </p:spPr>
+          </a:p>
+        </p:txBody>
+      </p:sp>
+      <p:sp>
+        <p:nvSpPr>
+          <p:cNvPr id="3" name="세로 텍스트 개체 틀 2">
+            <a:extLst>
+              <a:ext uri="{FF2B5EF4-FFF2-40B4-BE49-F238E27FC236}">
+                <a16:creationId xmlns:a16="http://schemas.microsoft.com/office/drawing/2014/main" id="{4116F977-494A-458F-AD31-0E32EDA48F42}"/>
+              </a:ext>
+            </a:extLst>
+          </p:cNvPr>
+          <p:cNvSpPr>
+            <a:spLocks noGrp="1"/>
+          </p:cNvSpPr>
+          <p:nvPr>
+            <p:ph type="body" orient="vert" idx="1"/>
+          </p:nvPr>
+        </p:nvSpPr>
+        <p:spPr/>
         <p:txBody>
           <a:bodyPr vert="eaVert"/>
           <a:lstStyle/>
@@ -3180,13 +437,18 @@
               <a:rPr lang="ko-KR" altLang="en-US"/>
               <a:t>다섯째 수준</a:t>
             </a:r>
-            <a:endParaRPr lang="en-US" dirty="0"/>
-          </a:p>
-        </p:txBody>
-      </p:sp>
-      <p:sp>
-        <p:nvSpPr>
-          <p:cNvPr id="4" name="Date Placeholder 3"/>
+          </a:p>
+        </p:txBody>
+      </p:sp>
+      <p:sp>
+        <p:nvSpPr>
+          <p:cNvPr id="4" name="날짜 개체 틀 3">
+            <a:extLst>
+              <a:ext uri="{FF2B5EF4-FFF2-40B4-BE49-F238E27FC236}">
+                <a16:creationId xmlns:a16="http://schemas.microsoft.com/office/drawing/2014/main" id="{14059849-11CB-40BA-8C5C-48F9B381FB3E}"/>
+              </a:ext>
+            </a:extLst>
+          </p:cNvPr>
           <p:cNvSpPr>
             <a:spLocks noGrp="1"/>
           </p:cNvSpPr>
@@ -3201,7 +463,7 @@
           <a:p>
             <a:fld id="{9726B004-2BA4-4F9F-9C81-E8C2B4C1763F}" type="datetimeFigureOut">
               <a:rPr lang="ko-KR" altLang="en-US" smtClean="0"/>
-              <a:t>2025-02-17</a:t>
+              <a:t>2025-02-19</a:t>
             </a:fld>
             <a:endParaRPr lang="ko-KR" altLang="en-US"/>
           </a:p>
@@ -3209,7 +471,13 @@
       </p:sp>
       <p:sp>
         <p:nvSpPr>
-          <p:cNvPr id="5" name="Footer Placeholder 4"/>
+          <p:cNvPr id="5" name="바닥글 개체 틀 4">
+            <a:extLst>
+              <a:ext uri="{FF2B5EF4-FFF2-40B4-BE49-F238E27FC236}">
+                <a16:creationId xmlns:a16="http://schemas.microsoft.com/office/drawing/2014/main" id="{3C68E9B1-4D4A-4352-8E2B-319368FDCD35}"/>
+              </a:ext>
+            </a:extLst>
+          </p:cNvPr>
           <p:cNvSpPr>
             <a:spLocks noGrp="1"/>
           </p:cNvSpPr>
@@ -3228,7 +496,13 @@
       </p:sp>
       <p:sp>
         <p:nvSpPr>
-          <p:cNvPr id="6" name="Slide Number Placeholder 5"/>
+          <p:cNvPr id="6" name="슬라이드 번호 개체 틀 5">
+            <a:extLst>
+              <a:ext uri="{FF2B5EF4-FFF2-40B4-BE49-F238E27FC236}">
+                <a16:creationId xmlns:a16="http://schemas.microsoft.com/office/drawing/2014/main" id="{FDCFD7B4-BBDA-4583-BAB8-3664AF7096F0}"/>
+              </a:ext>
+            </a:extLst>
+          </p:cNvPr>
           <p:cNvSpPr>
             <a:spLocks noGrp="1"/>
           </p:cNvSpPr>
@@ -3252,7 +526,7 @@
     </p:spTree>
     <p:extLst>
       <p:ext uri="{BB962C8B-B14F-4D97-AF65-F5344CB8AC3E}">
-        <p14:creationId xmlns:p14="http://schemas.microsoft.com/office/powerpoint/2010/main" val="3174529079"/>
+        <p14:creationId xmlns:p14="http://schemas.microsoft.com/office/powerpoint/2010/main" val="1976242173"/>
       </p:ext>
     </p:extLst>
   </p:cSld>
@@ -3262,7 +536,7 @@
 </p:sldLayout>
 </file>
 
-<file path=ppt/slideLayouts/slideLayout17.xml><?xml version="1.0" encoding="utf-8"?>
+<file path=ppt/slideLayouts/slideLayout11.xml><?xml version="1.0" encoding="utf-8"?>
 <p:sldLayout xmlns:a="http://schemas.openxmlformats.org/drawingml/2006/main" xmlns:r="http://schemas.openxmlformats.org/officeDocument/2006/relationships" xmlns:p="http://schemas.openxmlformats.org/presentationml/2006/main" type="vertTitleAndTx" preserve="1">
   <p:cSld name="세로 제목 및 텍스트">
     <p:spTree>
@@ -3279,86 +553,63 @@
           <a:chExt cx="0" cy="0"/>
         </a:xfrm>
       </p:grpSpPr>
-      <p:pic>
-        <p:nvPicPr>
-          <p:cNvPr id="9" name="Picture 8" descr="Droplets-HD-Content-R1d.png"/>
-          <p:cNvPicPr>
-            <a:picLocks noChangeAspect="1"/>
-          </p:cNvPicPr>
-          <p:nvPr/>
-        </p:nvPicPr>
-        <p:blipFill>
-          <a:blip r:embed="rId2">
-            <a:extLst>
-              <a:ext uri="{28A0092B-C50C-407E-A947-70E740481C1C}">
-                <a14:useLocalDpi xmlns:a14="http://schemas.microsoft.com/office/drawing/2010/main" val="0"/>
-              </a:ext>
-            </a:extLst>
-          </a:blip>
-          <a:stretch>
-            <a:fillRect/>
-          </a:stretch>
-        </p:blipFill>
+      <p:sp>
+        <p:nvSpPr>
+          <p:cNvPr id="2" name="세로 제목 1">
+            <a:extLst>
+              <a:ext uri="{FF2B5EF4-FFF2-40B4-BE49-F238E27FC236}">
+                <a16:creationId xmlns:a16="http://schemas.microsoft.com/office/drawing/2014/main" id="{A61AF6F0-25E0-4DE9-B8F9-E69FDFC5B9D3}"/>
+              </a:ext>
+            </a:extLst>
+          </p:cNvPr>
+          <p:cNvSpPr>
+            <a:spLocks noGrp="1"/>
+          </p:cNvSpPr>
+          <p:nvPr>
+            <p:ph type="title" orient="vert"/>
+          </p:nvPr>
+        </p:nvSpPr>
         <p:spPr>
           <a:xfrm>
-            <a:off x="0" y="0"/>
-            <a:ext cx="12192000" cy="6858000"/>
+            <a:off x="8724900" y="365125"/>
+            <a:ext cx="2628900" cy="5811838"/>
           </a:xfrm>
-          <a:prstGeom prst="rect">
-            <a:avLst/>
-          </a:prstGeom>
         </p:spPr>
-      </p:pic>
-      <p:sp>
-        <p:nvSpPr>
-          <p:cNvPr id="2" name="Vertical Title 1"/>
-          <p:cNvSpPr>
-            <a:spLocks noGrp="1"/>
-          </p:cNvSpPr>
-          <p:nvPr>
-            <p:ph type="title" orient="vert"/>
+        <p:txBody>
+          <a:bodyPr vert="eaVert"/>
+          <a:lstStyle/>
+          <a:p>
+            <a:r>
+              <a:rPr lang="ko-KR" altLang="en-US"/>
+              <a:t>마스터 제목 스타일 편집</a:t>
+            </a:r>
+          </a:p>
+        </p:txBody>
+      </p:sp>
+      <p:sp>
+        <p:nvSpPr>
+          <p:cNvPr id="3" name="세로 텍스트 개체 틀 2">
+            <a:extLst>
+              <a:ext uri="{FF2B5EF4-FFF2-40B4-BE49-F238E27FC236}">
+                <a16:creationId xmlns:a16="http://schemas.microsoft.com/office/drawing/2014/main" id="{473B2087-F5DF-4D01-BE4E-86F5050DE9B5}"/>
+              </a:ext>
+            </a:extLst>
+          </p:cNvPr>
+          <p:cNvSpPr>
+            <a:spLocks noGrp="1"/>
+          </p:cNvSpPr>
+          <p:nvPr>
+            <p:ph type="body" orient="vert" idx="1"/>
           </p:nvPr>
         </p:nvSpPr>
         <p:spPr>
           <a:xfrm>
-            <a:off x="8724900" y="609601"/>
-            <a:ext cx="2553326" cy="5181599"/>
+            <a:off x="838200" y="365125"/>
+            <a:ext cx="7734300" cy="5811838"/>
           </a:xfrm>
         </p:spPr>
         <p:txBody>
           <a:bodyPr vert="eaVert"/>
-          <a:lstStyle>
-            <a:lvl1pPr algn="l">
-              <a:defRPr/>
-            </a:lvl1pPr>
-          </a:lstStyle>
-          <a:p>
-            <a:r>
-              <a:rPr lang="ko-KR" altLang="en-US"/>
-              <a:t>마스터 제목 스타일 편집</a:t>
-            </a:r>
-            <a:endParaRPr lang="en-US" dirty="0"/>
-          </a:p>
-        </p:txBody>
-      </p:sp>
-      <p:sp>
-        <p:nvSpPr>
-          <p:cNvPr id="8" name="Vertical Text Placeholder 2"/>
-          <p:cNvSpPr>
-            <a:spLocks noGrp="1"/>
-          </p:cNvSpPr>
-          <p:nvPr>
-            <p:ph type="body" orient="vert" sz="quarter" idx="13"/>
-          </p:nvPr>
-        </p:nvSpPr>
-        <p:spPr>
-          <a:xfrm>
-            <a:off x="913775" y="609601"/>
-            <a:ext cx="7658724" cy="5181599"/>
-          </a:xfrm>
-        </p:spPr>
-        <p:txBody>
-          <a:bodyPr vert="eaVert"/>
           <a:lstStyle/>
           <a:p>
             <a:pPr lvl="0"/>
@@ -3394,13 +645,18 @@
               <a:rPr lang="ko-KR" altLang="en-US"/>
               <a:t>다섯째 수준</a:t>
             </a:r>
-            <a:endParaRPr lang="en-US" dirty="0"/>
-          </a:p>
-        </p:txBody>
-      </p:sp>
-      <p:sp>
-        <p:nvSpPr>
-          <p:cNvPr id="4" name="Date Placeholder 3"/>
+          </a:p>
+        </p:txBody>
+      </p:sp>
+      <p:sp>
+        <p:nvSpPr>
+          <p:cNvPr id="4" name="날짜 개체 틀 3">
+            <a:extLst>
+              <a:ext uri="{FF2B5EF4-FFF2-40B4-BE49-F238E27FC236}">
+                <a16:creationId xmlns:a16="http://schemas.microsoft.com/office/drawing/2014/main" id="{A37F1F1F-7A90-4211-83EF-56A7B0AB9C17}"/>
+              </a:ext>
+            </a:extLst>
+          </p:cNvPr>
           <p:cNvSpPr>
             <a:spLocks noGrp="1"/>
           </p:cNvSpPr>
@@ -3415,7 +671,7 @@
           <a:p>
             <a:fld id="{9726B004-2BA4-4F9F-9C81-E8C2B4C1763F}" type="datetimeFigureOut">
               <a:rPr lang="ko-KR" altLang="en-US" smtClean="0"/>
-              <a:t>2025-02-17</a:t>
+              <a:t>2025-02-19</a:t>
             </a:fld>
             <a:endParaRPr lang="ko-KR" altLang="en-US"/>
           </a:p>
@@ -3423,7 +679,13 @@
       </p:sp>
       <p:sp>
         <p:nvSpPr>
-          <p:cNvPr id="5" name="Footer Placeholder 4"/>
+          <p:cNvPr id="5" name="바닥글 개체 틀 4">
+            <a:extLst>
+              <a:ext uri="{FF2B5EF4-FFF2-40B4-BE49-F238E27FC236}">
+                <a16:creationId xmlns:a16="http://schemas.microsoft.com/office/drawing/2014/main" id="{DF35F26D-1235-4000-BB3C-CE532DC91023}"/>
+              </a:ext>
+            </a:extLst>
+          </p:cNvPr>
           <p:cNvSpPr>
             <a:spLocks noGrp="1"/>
           </p:cNvSpPr>
@@ -3442,7 +704,13 @@
       </p:sp>
       <p:sp>
         <p:nvSpPr>
-          <p:cNvPr id="6" name="Slide Number Placeholder 5"/>
+          <p:cNvPr id="6" name="슬라이드 번호 개체 틀 5">
+            <a:extLst>
+              <a:ext uri="{FF2B5EF4-FFF2-40B4-BE49-F238E27FC236}">
+                <a16:creationId xmlns:a16="http://schemas.microsoft.com/office/drawing/2014/main" id="{9BE64725-798B-4650-999C-4E8B2054A123}"/>
+              </a:ext>
+            </a:extLst>
+          </p:cNvPr>
           <p:cNvSpPr>
             <a:spLocks noGrp="1"/>
           </p:cNvSpPr>
@@ -3466,205 +734,7 @@
     </p:spTree>
     <p:extLst>
       <p:ext uri="{BB962C8B-B14F-4D97-AF65-F5344CB8AC3E}">
-        <p14:creationId xmlns:p14="http://schemas.microsoft.com/office/powerpoint/2010/main" val="2959108450"/>
-      </p:ext>
-    </p:extLst>
-  </p:cSld>
-  <p:clrMapOvr>
-    <a:masterClrMapping/>
-  </p:clrMapOvr>
-</p:sldLayout>
-</file>
-
-<file path=ppt/slideLayouts/slideLayout18.xml><?xml version="1.0" encoding="utf-8"?>
-<p:sldLayout xmlns:a="http://schemas.openxmlformats.org/drawingml/2006/main" xmlns:r="http://schemas.openxmlformats.org/officeDocument/2006/relationships" xmlns:p="http://schemas.openxmlformats.org/presentationml/2006/main" type="obj">
-  <p:cSld name="1_제목 및 내용">
-    <p:spTree>
-      <p:nvGrpSpPr>
-        <p:cNvPr id="1" name=""/>
-        <p:cNvGrpSpPr/>
-        <p:nvPr/>
-      </p:nvGrpSpPr>
-      <p:grpSpPr>
-        <a:xfrm>
-          <a:off x="0" y="0"/>
-          <a:ext cx="0" cy="0"/>
-          <a:chOff x="0" y="0"/>
-          <a:chExt cx="0" cy="0"/>
-        </a:xfrm>
-      </p:grpSpPr>
-      <p:sp>
-        <p:nvSpPr>
-          <p:cNvPr id="2" name="제목 1">
-            <a:extLst>
-              <a:ext uri="{FF2B5EF4-FFF2-40B4-BE49-F238E27FC236}">
-                <a16:creationId xmlns:a16="http://schemas.microsoft.com/office/drawing/2014/main" id="{36D2CBED-A5D8-4E8F-BA78-E28212C147BA}"/>
-              </a:ext>
-            </a:extLst>
-          </p:cNvPr>
-          <p:cNvSpPr>
-            <a:spLocks noGrp="1"/>
-          </p:cNvSpPr>
-          <p:nvPr>
-            <p:ph type="title"/>
-          </p:nvPr>
-        </p:nvSpPr>
-        <p:spPr/>
-        <p:txBody>
-          <a:bodyPr/>
-          <a:lstStyle/>
-          <a:p>
-            <a:r>
-              <a:rPr lang="ko-KR" altLang="en-US"/>
-              <a:t>마스터 제목 스타일 편집</a:t>
-            </a:r>
-          </a:p>
-        </p:txBody>
-      </p:sp>
-      <p:sp>
-        <p:nvSpPr>
-          <p:cNvPr id="3" name="내용 개체 틀 2">
-            <a:extLst>
-              <a:ext uri="{FF2B5EF4-FFF2-40B4-BE49-F238E27FC236}">
-                <a16:creationId xmlns:a16="http://schemas.microsoft.com/office/drawing/2014/main" id="{BD5F0C3D-92C7-40A8-A1CB-585C1F137010}"/>
-              </a:ext>
-            </a:extLst>
-          </p:cNvPr>
-          <p:cNvSpPr>
-            <a:spLocks noGrp="1"/>
-          </p:cNvSpPr>
-          <p:nvPr>
-            <p:ph idx="1"/>
-          </p:nvPr>
-        </p:nvSpPr>
-        <p:spPr/>
-        <p:txBody>
-          <a:bodyPr/>
-          <a:lstStyle/>
-          <a:p>
-            <a:pPr lvl="0"/>
-            <a:r>
-              <a:rPr lang="ko-KR" altLang="en-US"/>
-              <a:t>마스터 텍스트 스타일 편집</a:t>
-            </a:r>
-          </a:p>
-          <a:p>
-            <a:pPr lvl="1"/>
-            <a:r>
-              <a:rPr lang="ko-KR" altLang="en-US"/>
-              <a:t>둘째 수준</a:t>
-            </a:r>
-          </a:p>
-          <a:p>
-            <a:pPr lvl="2"/>
-            <a:r>
-              <a:rPr lang="ko-KR" altLang="en-US"/>
-              <a:t>셋째 수준</a:t>
-            </a:r>
-          </a:p>
-          <a:p>
-            <a:pPr lvl="3"/>
-            <a:r>
-              <a:rPr lang="ko-KR" altLang="en-US"/>
-              <a:t>넷째 수준</a:t>
-            </a:r>
-          </a:p>
-          <a:p>
-            <a:pPr lvl="4"/>
-            <a:r>
-              <a:rPr lang="ko-KR" altLang="en-US"/>
-              <a:t>다섯째 수준</a:t>
-            </a:r>
-          </a:p>
-        </p:txBody>
-      </p:sp>
-      <p:sp>
-        <p:nvSpPr>
-          <p:cNvPr id="4" name="날짜 개체 틀 3">
-            <a:extLst>
-              <a:ext uri="{FF2B5EF4-FFF2-40B4-BE49-F238E27FC236}">
-                <a16:creationId xmlns:a16="http://schemas.microsoft.com/office/drawing/2014/main" id="{24EA1D9A-2DC5-40BB-87A3-368467C3E6CF}"/>
-              </a:ext>
-            </a:extLst>
-          </p:cNvPr>
-          <p:cNvSpPr>
-            <a:spLocks noGrp="1"/>
-          </p:cNvSpPr>
-          <p:nvPr>
-            <p:ph type="dt" sz="half" idx="10"/>
-          </p:nvPr>
-        </p:nvSpPr>
-        <p:spPr/>
-        <p:txBody>
-          <a:bodyPr/>
-          <a:lstStyle/>
-          <a:p>
-            <a:fld id="{9726B004-2BA4-4F9F-9C81-E8C2B4C1763F}" type="datetimeFigureOut">
-              <a:rPr lang="ko-KR" altLang="en-US" smtClean="0"/>
-              <a:t>2025-02-17</a:t>
-            </a:fld>
-            <a:endParaRPr lang="ko-KR" altLang="en-US"/>
-          </a:p>
-        </p:txBody>
-      </p:sp>
-      <p:sp>
-        <p:nvSpPr>
-          <p:cNvPr id="5" name="바닥글 개체 틀 4">
-            <a:extLst>
-              <a:ext uri="{FF2B5EF4-FFF2-40B4-BE49-F238E27FC236}">
-                <a16:creationId xmlns:a16="http://schemas.microsoft.com/office/drawing/2014/main" id="{F9D311DB-8DD3-4A51-8CFE-4D77C6826256}"/>
-              </a:ext>
-            </a:extLst>
-          </p:cNvPr>
-          <p:cNvSpPr>
-            <a:spLocks noGrp="1"/>
-          </p:cNvSpPr>
-          <p:nvPr>
-            <p:ph type="ftr" sz="quarter" idx="11"/>
-          </p:nvPr>
-        </p:nvSpPr>
-        <p:spPr/>
-        <p:txBody>
-          <a:bodyPr/>
-          <a:lstStyle/>
-          <a:p>
-            <a:endParaRPr lang="ko-KR" altLang="en-US"/>
-          </a:p>
-        </p:txBody>
-      </p:sp>
-      <p:sp>
-        <p:nvSpPr>
-          <p:cNvPr id="6" name="슬라이드 번호 개체 틀 5">
-            <a:extLst>
-              <a:ext uri="{FF2B5EF4-FFF2-40B4-BE49-F238E27FC236}">
-                <a16:creationId xmlns:a16="http://schemas.microsoft.com/office/drawing/2014/main" id="{4127502B-70DA-4B0F-9F35-452F97924912}"/>
-              </a:ext>
-            </a:extLst>
-          </p:cNvPr>
-          <p:cNvSpPr>
-            <a:spLocks noGrp="1"/>
-          </p:cNvSpPr>
-          <p:nvPr>
-            <p:ph type="sldNum" sz="quarter" idx="12"/>
-          </p:nvPr>
-        </p:nvSpPr>
-        <p:spPr/>
-        <p:txBody>
-          <a:bodyPr/>
-          <a:lstStyle/>
-          <a:p>
-            <a:fld id="{A619B825-BDEB-45A9-9F50-0C874E3B6804}" type="slidenum">
-              <a:rPr lang="ko-KR" altLang="en-US" smtClean="0"/>
-              <a:t>‹#›</a:t>
-            </a:fld>
-            <a:endParaRPr lang="ko-KR" altLang="en-US"/>
-          </a:p>
-        </p:txBody>
-      </p:sp>
-    </p:spTree>
-    <p:extLst>
-      <p:ext uri="{BB962C8B-B14F-4D97-AF65-F5344CB8AC3E}">
-        <p14:creationId xmlns:p14="http://schemas.microsoft.com/office/powerpoint/2010/main" val="1721884100"/>
+        <p14:creationId xmlns:p14="http://schemas.microsoft.com/office/powerpoint/2010/main" val="845704445"/>
       </p:ext>
     </p:extLst>
   </p:cSld>
@@ -3691,39 +761,15 @@
           <a:chExt cx="0" cy="0"/>
         </a:xfrm>
       </p:grpSpPr>
-      <p:pic>
-        <p:nvPicPr>
-          <p:cNvPr id="3" name="Picture 2" descr="Droplets-HD-Content-R1d.png"/>
-          <p:cNvPicPr>
-            <a:picLocks noChangeAspect="1"/>
-          </p:cNvPicPr>
-          <p:nvPr/>
-        </p:nvPicPr>
-        <p:blipFill>
-          <a:blip r:embed="rId2">
-            <a:extLst>
-              <a:ext uri="{28A0092B-C50C-407E-A947-70E740481C1C}">
-                <a14:useLocalDpi xmlns:a14="http://schemas.microsoft.com/office/drawing/2010/main" val="0"/>
-              </a:ext>
-            </a:extLst>
-          </a:blip>
-          <a:stretch>
-            <a:fillRect/>
-          </a:stretch>
-        </p:blipFill>
-        <p:spPr>
-          <a:xfrm>
-            <a:off x="0" y="0"/>
-            <a:ext cx="12192000" cy="6858000"/>
-          </a:xfrm>
-          <a:prstGeom prst="rect">
-            <a:avLst/>
-          </a:prstGeom>
-        </p:spPr>
-      </p:pic>
-      <p:sp>
-        <p:nvSpPr>
-          <p:cNvPr id="2" name="Title 1"/>
+      <p:sp>
+        <p:nvSpPr>
+          <p:cNvPr id="2" name="제목 1">
+            <a:extLst>
+              <a:ext uri="{FF2B5EF4-FFF2-40B4-BE49-F238E27FC236}">
+                <a16:creationId xmlns:a16="http://schemas.microsoft.com/office/drawing/2014/main" id="{447E6347-236A-4CE4-B3D3-BFA36ABFC248}"/>
+              </a:ext>
+            </a:extLst>
+          </p:cNvPr>
           <p:cNvSpPr>
             <a:spLocks noGrp="1"/>
           </p:cNvSpPr>
@@ -3740,26 +786,26 @@
               <a:rPr lang="ko-KR" altLang="en-US"/>
               <a:t>마스터 제목 스타일 편집</a:t>
             </a:r>
-            <a:endParaRPr lang="en-US" dirty="0"/>
-          </a:p>
-        </p:txBody>
-      </p:sp>
-      <p:sp>
-        <p:nvSpPr>
-          <p:cNvPr id="12" name="Content Placeholder 2"/>
-          <p:cNvSpPr>
-            <a:spLocks noGrp="1"/>
-          </p:cNvSpPr>
-          <p:nvPr>
-            <p:ph sz="quarter" idx="13"/>
-          </p:nvPr>
-        </p:nvSpPr>
-        <p:spPr>
-          <a:xfrm>
-            <a:off x="913774" y="2367092"/>
-            <a:ext cx="10363826" cy="3424107"/>
-          </a:xfrm>
-        </p:spPr>
+          </a:p>
+        </p:txBody>
+      </p:sp>
+      <p:sp>
+        <p:nvSpPr>
+          <p:cNvPr id="3" name="내용 개체 틀 2">
+            <a:extLst>
+              <a:ext uri="{FF2B5EF4-FFF2-40B4-BE49-F238E27FC236}">
+                <a16:creationId xmlns:a16="http://schemas.microsoft.com/office/drawing/2014/main" id="{DA25327C-C19A-46C9-AA5F-8E281834C538}"/>
+              </a:ext>
+            </a:extLst>
+          </p:cNvPr>
+          <p:cNvSpPr>
+            <a:spLocks noGrp="1"/>
+          </p:cNvSpPr>
+          <p:nvPr>
+            <p:ph idx="1"/>
+          </p:nvPr>
+        </p:nvSpPr>
+        <p:spPr/>
         <p:txBody>
           <a:bodyPr/>
           <a:lstStyle/>
@@ -3797,13 +843,18 @@
               <a:rPr lang="ko-KR" altLang="en-US"/>
               <a:t>다섯째 수준</a:t>
             </a:r>
-            <a:endParaRPr lang="en-US" dirty="0"/>
-          </a:p>
-        </p:txBody>
-      </p:sp>
-      <p:sp>
-        <p:nvSpPr>
-          <p:cNvPr id="4" name="Date Placeholder 3"/>
+          </a:p>
+        </p:txBody>
+      </p:sp>
+      <p:sp>
+        <p:nvSpPr>
+          <p:cNvPr id="4" name="날짜 개체 틀 3">
+            <a:extLst>
+              <a:ext uri="{FF2B5EF4-FFF2-40B4-BE49-F238E27FC236}">
+                <a16:creationId xmlns:a16="http://schemas.microsoft.com/office/drawing/2014/main" id="{36680994-EB98-4648-AEFC-BBEEB622D632}"/>
+              </a:ext>
+            </a:extLst>
+          </p:cNvPr>
           <p:cNvSpPr>
             <a:spLocks noGrp="1"/>
           </p:cNvSpPr>
@@ -3818,7 +869,7 @@
           <a:p>
             <a:fld id="{9726B004-2BA4-4F9F-9C81-E8C2B4C1763F}" type="datetimeFigureOut">
               <a:rPr lang="ko-KR" altLang="en-US" smtClean="0"/>
-              <a:t>2025-02-17</a:t>
+              <a:t>2025-02-19</a:t>
             </a:fld>
             <a:endParaRPr lang="ko-KR" altLang="en-US"/>
           </a:p>
@@ -3826,7 +877,13 @@
       </p:sp>
       <p:sp>
         <p:nvSpPr>
-          <p:cNvPr id="5" name="Footer Placeholder 4"/>
+          <p:cNvPr id="5" name="바닥글 개체 틀 4">
+            <a:extLst>
+              <a:ext uri="{FF2B5EF4-FFF2-40B4-BE49-F238E27FC236}">
+                <a16:creationId xmlns:a16="http://schemas.microsoft.com/office/drawing/2014/main" id="{588FE07A-C99A-427E-919A-86957F224D1E}"/>
+              </a:ext>
+            </a:extLst>
+          </p:cNvPr>
           <p:cNvSpPr>
             <a:spLocks noGrp="1"/>
           </p:cNvSpPr>
@@ -3845,7 +902,13 @@
       </p:sp>
       <p:sp>
         <p:nvSpPr>
-          <p:cNvPr id="6" name="Slide Number Placeholder 5"/>
+          <p:cNvPr id="6" name="슬라이드 번호 개체 틀 5">
+            <a:extLst>
+              <a:ext uri="{FF2B5EF4-FFF2-40B4-BE49-F238E27FC236}">
+                <a16:creationId xmlns:a16="http://schemas.microsoft.com/office/drawing/2014/main" id="{0035CC69-5240-446D-AAD0-6ED418B67B0B}"/>
+              </a:ext>
+            </a:extLst>
+          </p:cNvPr>
           <p:cNvSpPr>
             <a:spLocks noGrp="1"/>
           </p:cNvSpPr>
@@ -3869,7 +932,7 @@
     </p:spTree>
     <p:extLst>
       <p:ext uri="{BB962C8B-B14F-4D97-AF65-F5344CB8AC3E}">
-        <p14:creationId xmlns:p14="http://schemas.microsoft.com/office/powerpoint/2010/main" val="4265525444"/>
+        <p14:creationId xmlns:p14="http://schemas.microsoft.com/office/powerpoint/2010/main" val="2180106876"/>
       </p:ext>
     </p:extLst>
   </p:cSld>
@@ -3896,97 +959,74 @@
           <a:chExt cx="0" cy="0"/>
         </a:xfrm>
       </p:grpSpPr>
-      <p:pic>
-        <p:nvPicPr>
-          <p:cNvPr id="9" name="Picture 8" descr="Droplets-HD-Content-R1d.png"/>
-          <p:cNvPicPr>
-            <a:picLocks noChangeAspect="1"/>
-          </p:cNvPicPr>
-          <p:nvPr/>
-        </p:nvPicPr>
-        <p:blipFill>
-          <a:blip r:embed="rId2">
-            <a:extLst>
-              <a:ext uri="{28A0092B-C50C-407E-A947-70E740481C1C}">
-                <a14:useLocalDpi xmlns:a14="http://schemas.microsoft.com/office/drawing/2010/main" val="0"/>
-              </a:ext>
-            </a:extLst>
-          </a:blip>
-          <a:stretch>
-            <a:fillRect/>
-          </a:stretch>
-        </p:blipFill>
+      <p:sp>
+        <p:nvSpPr>
+          <p:cNvPr id="2" name="제목 1">
+            <a:extLst>
+              <a:ext uri="{FF2B5EF4-FFF2-40B4-BE49-F238E27FC236}">
+                <a16:creationId xmlns:a16="http://schemas.microsoft.com/office/drawing/2014/main" id="{A3A14AD3-5701-4B5D-99C4-735A384A3E84}"/>
+              </a:ext>
+            </a:extLst>
+          </p:cNvPr>
+          <p:cNvSpPr>
+            <a:spLocks noGrp="1"/>
+          </p:cNvSpPr>
+          <p:nvPr>
+            <p:ph type="title"/>
+          </p:nvPr>
+        </p:nvSpPr>
         <p:spPr>
           <a:xfrm>
-            <a:off x="0" y="0"/>
-            <a:ext cx="12192000" cy="6858000"/>
+            <a:off x="831850" y="1709738"/>
+            <a:ext cx="10515600" cy="2852737"/>
           </a:xfrm>
-          <a:prstGeom prst="rect">
-            <a:avLst/>
-          </a:prstGeom>
         </p:spPr>
-      </p:pic>
-      <p:sp>
-        <p:nvSpPr>
-          <p:cNvPr id="2" name="Title 1"/>
-          <p:cNvSpPr>
-            <a:spLocks noGrp="1"/>
-          </p:cNvSpPr>
-          <p:nvPr>
-            <p:ph type="title"/>
+        <p:txBody>
+          <a:bodyPr anchor="b"/>
+          <a:lstStyle>
+            <a:lvl1pPr>
+              <a:defRPr sz="6000"/>
+            </a:lvl1pPr>
+          </a:lstStyle>
+          <a:p>
+            <a:r>
+              <a:rPr lang="ko-KR" altLang="en-US"/>
+              <a:t>마스터 제목 스타일 편집</a:t>
+            </a:r>
+          </a:p>
+        </p:txBody>
+      </p:sp>
+      <p:sp>
+        <p:nvSpPr>
+          <p:cNvPr id="3" name="텍스트 개체 틀 2">
+            <a:extLst>
+              <a:ext uri="{FF2B5EF4-FFF2-40B4-BE49-F238E27FC236}">
+                <a16:creationId xmlns:a16="http://schemas.microsoft.com/office/drawing/2014/main" id="{37E66AB1-22FF-4927-ACFF-561EC305CCA7}"/>
+              </a:ext>
+            </a:extLst>
+          </p:cNvPr>
+          <p:cNvSpPr>
+            <a:spLocks noGrp="1"/>
+          </p:cNvSpPr>
+          <p:nvPr>
+            <p:ph type="body" idx="1"/>
           </p:nvPr>
         </p:nvSpPr>
         <p:spPr>
           <a:xfrm>
-            <a:off x="913774" y="828563"/>
-            <a:ext cx="10351752" cy="2736819"/>
+            <a:off x="831850" y="4589463"/>
+            <a:ext cx="10515600" cy="1500187"/>
           </a:xfrm>
         </p:spPr>
         <p:txBody>
-          <a:bodyPr anchor="b">
-            <a:normAutofit/>
-          </a:bodyPr>
+          <a:bodyPr/>
           <a:lstStyle>
-            <a:lvl1pPr>
-              <a:defRPr sz="4000"/>
-            </a:lvl1pPr>
-          </a:lstStyle>
-          <a:p>
-            <a:r>
-              <a:rPr lang="ko-KR" altLang="en-US"/>
-              <a:t>마스터 제목 스타일 편집</a:t>
-            </a:r>
-            <a:endParaRPr lang="en-US" dirty="0"/>
-          </a:p>
-        </p:txBody>
-      </p:sp>
-      <p:sp>
-        <p:nvSpPr>
-          <p:cNvPr id="3" name="Text Placeholder 2"/>
-          <p:cNvSpPr>
-            <a:spLocks noGrp="1"/>
-          </p:cNvSpPr>
-          <p:nvPr>
-            <p:ph type="body" idx="1"/>
-          </p:nvPr>
-        </p:nvSpPr>
-        <p:spPr>
-          <a:xfrm>
-            <a:off x="913774" y="3657457"/>
-            <a:ext cx="10351752" cy="1368183"/>
-          </a:xfrm>
-        </p:spPr>
-        <p:txBody>
-          <a:bodyPr>
-            <a:normAutofit/>
-          </a:bodyPr>
-          <a:lstStyle>
-            <a:lvl1pPr marL="0" indent="0" algn="ctr">
+            <a:lvl1pPr marL="0" indent="0">
               <a:buNone/>
-              <a:defRPr sz="2000">
+              <a:defRPr sz="2400">
                 <a:solidFill>
-                  <a:schemeClr val="bg1">
-                    <a:lumMod val="50000"/>
+                  <a:schemeClr val="tx1">
+                    <a:tint val="75000"/>
                   </a:schemeClr>
                 </a:solidFill>
               </a:defRPr>
@@ -4083,7 +1123,13 @@
       </p:sp>
       <p:sp>
         <p:nvSpPr>
-          <p:cNvPr id="4" name="Date Placeholder 3"/>
+          <p:cNvPr id="4" name="날짜 개체 틀 3">
+            <a:extLst>
+              <a:ext uri="{FF2B5EF4-FFF2-40B4-BE49-F238E27FC236}">
+                <a16:creationId xmlns:a16="http://schemas.microsoft.com/office/drawing/2014/main" id="{D3D4F1A0-087D-4A31-98D9-D6AAFF27260C}"/>
+              </a:ext>
+            </a:extLst>
+          </p:cNvPr>
           <p:cNvSpPr>
             <a:spLocks noGrp="1"/>
           </p:cNvSpPr>
@@ -4098,7 +1144,7 @@
           <a:p>
             <a:fld id="{9726B004-2BA4-4F9F-9C81-E8C2B4C1763F}" type="datetimeFigureOut">
               <a:rPr lang="ko-KR" altLang="en-US" smtClean="0"/>
-              <a:t>2025-02-17</a:t>
+              <a:t>2025-02-19</a:t>
             </a:fld>
             <a:endParaRPr lang="ko-KR" altLang="en-US"/>
           </a:p>
@@ -4106,7 +1152,13 @@
       </p:sp>
       <p:sp>
         <p:nvSpPr>
-          <p:cNvPr id="5" name="Footer Placeholder 4"/>
+          <p:cNvPr id="5" name="바닥글 개체 틀 4">
+            <a:extLst>
+              <a:ext uri="{FF2B5EF4-FFF2-40B4-BE49-F238E27FC236}">
+                <a16:creationId xmlns:a16="http://schemas.microsoft.com/office/drawing/2014/main" id="{1E666955-1C99-482B-A02F-1E42F7468180}"/>
+              </a:ext>
+            </a:extLst>
+          </p:cNvPr>
           <p:cNvSpPr>
             <a:spLocks noGrp="1"/>
           </p:cNvSpPr>
@@ -4125,7 +1177,13 @@
       </p:sp>
       <p:sp>
         <p:nvSpPr>
-          <p:cNvPr id="6" name="Slide Number Placeholder 5"/>
+          <p:cNvPr id="6" name="슬라이드 번호 개체 틀 5">
+            <a:extLst>
+              <a:ext uri="{FF2B5EF4-FFF2-40B4-BE49-F238E27FC236}">
+                <a16:creationId xmlns:a16="http://schemas.microsoft.com/office/drawing/2014/main" id="{B41E571C-DF4E-4E37-89C2-4B0599D2B43A}"/>
+              </a:ext>
+            </a:extLst>
+          </p:cNvPr>
           <p:cNvSpPr>
             <a:spLocks noGrp="1"/>
           </p:cNvSpPr>
@@ -4149,7 +1207,7 @@
     </p:spTree>
     <p:extLst>
       <p:ext uri="{BB962C8B-B14F-4D97-AF65-F5344CB8AC3E}">
-        <p14:creationId xmlns:p14="http://schemas.microsoft.com/office/powerpoint/2010/main" val="2763625425"/>
+        <p14:creationId xmlns:p14="http://schemas.microsoft.com/office/powerpoint/2010/main" val="1108475459"/>
       </p:ext>
     </p:extLst>
   </p:cSld>
@@ -4176,223 +1234,221 @@
           <a:chExt cx="0" cy="0"/>
         </a:xfrm>
       </p:grpSpPr>
-      <p:pic>
-        <p:nvPicPr>
-          <p:cNvPr id="10" name="Picture 9" descr="Droplets-HD-Content-R1d.png"/>
-          <p:cNvPicPr>
-            <a:picLocks noChangeAspect="1"/>
-          </p:cNvPicPr>
-          <p:nvPr/>
-        </p:nvPicPr>
-        <p:blipFill>
-          <a:blip r:embed="rId2">
-            <a:extLst>
-              <a:ext uri="{28A0092B-C50C-407E-A947-70E740481C1C}">
-                <a14:useLocalDpi xmlns:a14="http://schemas.microsoft.com/office/drawing/2010/main" val="0"/>
-              </a:ext>
-            </a:extLst>
-          </a:blip>
-          <a:stretch>
-            <a:fillRect/>
-          </a:stretch>
-        </p:blipFill>
+      <p:sp>
+        <p:nvSpPr>
+          <p:cNvPr id="2" name="제목 1">
+            <a:extLst>
+              <a:ext uri="{FF2B5EF4-FFF2-40B4-BE49-F238E27FC236}">
+                <a16:creationId xmlns:a16="http://schemas.microsoft.com/office/drawing/2014/main" id="{5E496E9E-AD05-4E12-ABB1-E63CBF804576}"/>
+              </a:ext>
+            </a:extLst>
+          </p:cNvPr>
+          <p:cNvSpPr>
+            <a:spLocks noGrp="1"/>
+          </p:cNvSpPr>
+          <p:nvPr>
+            <p:ph type="title"/>
+          </p:nvPr>
+        </p:nvSpPr>
+        <p:spPr/>
+        <p:txBody>
+          <a:bodyPr/>
+          <a:lstStyle/>
+          <a:p>
+            <a:r>
+              <a:rPr lang="ko-KR" altLang="en-US"/>
+              <a:t>마스터 제목 스타일 편집</a:t>
+            </a:r>
+          </a:p>
+        </p:txBody>
+      </p:sp>
+      <p:sp>
+        <p:nvSpPr>
+          <p:cNvPr id="3" name="내용 개체 틀 2">
+            <a:extLst>
+              <a:ext uri="{FF2B5EF4-FFF2-40B4-BE49-F238E27FC236}">
+                <a16:creationId xmlns:a16="http://schemas.microsoft.com/office/drawing/2014/main" id="{78DE373C-B30B-48ED-8474-93753B73EA6B}"/>
+              </a:ext>
+            </a:extLst>
+          </p:cNvPr>
+          <p:cNvSpPr>
+            <a:spLocks noGrp="1"/>
+          </p:cNvSpPr>
+          <p:nvPr>
+            <p:ph sz="half" idx="1"/>
+          </p:nvPr>
+        </p:nvSpPr>
         <p:spPr>
           <a:xfrm>
-            <a:off x="0" y="0"/>
-            <a:ext cx="12192000" cy="6858000"/>
+            <a:off x="838200" y="1825625"/>
+            <a:ext cx="5181600" cy="4351338"/>
           </a:xfrm>
-          <a:prstGeom prst="rect">
-            <a:avLst/>
-          </a:prstGeom>
         </p:spPr>
-      </p:pic>
-      <p:sp>
-        <p:nvSpPr>
-          <p:cNvPr id="14" name="Title 1"/>
-          <p:cNvSpPr>
-            <a:spLocks noGrp="1"/>
-          </p:cNvSpPr>
-          <p:nvPr>
-            <p:ph type="title"/>
+        <p:txBody>
+          <a:bodyPr/>
+          <a:lstStyle/>
+          <a:p>
+            <a:pPr lvl="0"/>
+            <a:r>
+              <a:rPr lang="ko-KR" altLang="en-US"/>
+              <a:t>마스터 텍스트 스타일 편집</a:t>
+            </a:r>
+          </a:p>
+          <a:p>
+            <a:pPr lvl="1"/>
+            <a:r>
+              <a:rPr lang="ko-KR" altLang="en-US"/>
+              <a:t>둘째 수준</a:t>
+            </a:r>
+          </a:p>
+          <a:p>
+            <a:pPr lvl="2"/>
+            <a:r>
+              <a:rPr lang="ko-KR" altLang="en-US"/>
+              <a:t>셋째 수준</a:t>
+            </a:r>
+          </a:p>
+          <a:p>
+            <a:pPr lvl="3"/>
+            <a:r>
+              <a:rPr lang="ko-KR" altLang="en-US"/>
+              <a:t>넷째 수준</a:t>
+            </a:r>
+          </a:p>
+          <a:p>
+            <a:pPr lvl="4"/>
+            <a:r>
+              <a:rPr lang="ko-KR" altLang="en-US"/>
+              <a:t>다섯째 수준</a:t>
+            </a:r>
+          </a:p>
+        </p:txBody>
+      </p:sp>
+      <p:sp>
+        <p:nvSpPr>
+          <p:cNvPr id="4" name="내용 개체 틀 3">
+            <a:extLst>
+              <a:ext uri="{FF2B5EF4-FFF2-40B4-BE49-F238E27FC236}">
+                <a16:creationId xmlns:a16="http://schemas.microsoft.com/office/drawing/2014/main" id="{A273DB5C-4011-412B-AC0D-144BE412815D}"/>
+              </a:ext>
+            </a:extLst>
+          </p:cNvPr>
+          <p:cNvSpPr>
+            <a:spLocks noGrp="1"/>
+          </p:cNvSpPr>
+          <p:nvPr>
+            <p:ph sz="half" idx="2"/>
           </p:nvPr>
         </p:nvSpPr>
         <p:spPr>
           <a:xfrm>
-            <a:off x="913775" y="618517"/>
-            <a:ext cx="10364451" cy="1596177"/>
+            <a:off x="6172200" y="1825625"/>
+            <a:ext cx="5181600" cy="4351338"/>
           </a:xfrm>
         </p:spPr>
         <p:txBody>
           <a:bodyPr/>
           <a:lstStyle/>
           <a:p>
+            <a:pPr lvl="0"/>
             <a:r>
               <a:rPr lang="ko-KR" altLang="en-US"/>
-              <a:t>마스터 제목 스타일 편집</a:t>
-            </a:r>
-            <a:endParaRPr lang="en-US" dirty="0"/>
-          </a:p>
-        </p:txBody>
-      </p:sp>
-      <p:sp>
-        <p:nvSpPr>
-          <p:cNvPr id="12" name="Content Placeholder 2"/>
-          <p:cNvSpPr>
-            <a:spLocks noGrp="1"/>
-          </p:cNvSpPr>
-          <p:nvPr>
-            <p:ph sz="quarter" idx="13"/>
-          </p:nvPr>
-        </p:nvSpPr>
-        <p:spPr>
-          <a:xfrm>
-            <a:off x="913774" y="2367092"/>
-            <a:ext cx="5106026" cy="3424107"/>
-          </a:xfrm>
-        </p:spPr>
+              <a:t>마스터 텍스트 스타일 편집</a:t>
+            </a:r>
+          </a:p>
+          <a:p>
+            <a:pPr lvl="1"/>
+            <a:r>
+              <a:rPr lang="ko-KR" altLang="en-US"/>
+              <a:t>둘째 수준</a:t>
+            </a:r>
+          </a:p>
+          <a:p>
+            <a:pPr lvl="2"/>
+            <a:r>
+              <a:rPr lang="ko-KR" altLang="en-US"/>
+              <a:t>셋째 수준</a:t>
+            </a:r>
+          </a:p>
+          <a:p>
+            <a:pPr lvl="3"/>
+            <a:r>
+              <a:rPr lang="ko-KR" altLang="en-US"/>
+              <a:t>넷째 수준</a:t>
+            </a:r>
+          </a:p>
+          <a:p>
+            <a:pPr lvl="4"/>
+            <a:r>
+              <a:rPr lang="ko-KR" altLang="en-US"/>
+              <a:t>다섯째 수준</a:t>
+            </a:r>
+          </a:p>
+        </p:txBody>
+      </p:sp>
+      <p:sp>
+        <p:nvSpPr>
+          <p:cNvPr id="5" name="날짜 개체 틀 4">
+            <a:extLst>
+              <a:ext uri="{FF2B5EF4-FFF2-40B4-BE49-F238E27FC236}">
+                <a16:creationId xmlns:a16="http://schemas.microsoft.com/office/drawing/2014/main" id="{D5F7B425-F92D-4E32-AA58-CAB71023DCEE}"/>
+              </a:ext>
+            </a:extLst>
+          </p:cNvPr>
+          <p:cNvSpPr>
+            <a:spLocks noGrp="1"/>
+          </p:cNvSpPr>
+          <p:nvPr>
+            <p:ph type="dt" sz="half" idx="10"/>
+          </p:nvPr>
+        </p:nvSpPr>
+        <p:spPr/>
         <p:txBody>
           <a:bodyPr/>
           <a:lstStyle/>
           <a:p>
-            <a:pPr lvl="0"/>
-            <a:r>
-              <a:rPr lang="ko-KR" altLang="en-US"/>
-              <a:t>마스터 텍스트 스타일 편집</a:t>
-            </a:r>
-          </a:p>
-          <a:p>
-            <a:pPr lvl="1"/>
-            <a:r>
-              <a:rPr lang="ko-KR" altLang="en-US"/>
-              <a:t>둘째 수준</a:t>
-            </a:r>
-          </a:p>
-          <a:p>
-            <a:pPr lvl="2"/>
-            <a:r>
-              <a:rPr lang="ko-KR" altLang="en-US"/>
-              <a:t>셋째 수준</a:t>
-            </a:r>
-          </a:p>
-          <a:p>
-            <a:pPr lvl="3"/>
-            <a:r>
-              <a:rPr lang="ko-KR" altLang="en-US"/>
-              <a:t>넷째 수준</a:t>
-            </a:r>
-          </a:p>
-          <a:p>
-            <a:pPr lvl="4"/>
-            <a:r>
-              <a:rPr lang="ko-KR" altLang="en-US"/>
-              <a:t>다섯째 수준</a:t>
-            </a:r>
-            <a:endParaRPr lang="en-US" dirty="0"/>
-          </a:p>
-        </p:txBody>
-      </p:sp>
-      <p:sp>
-        <p:nvSpPr>
-          <p:cNvPr id="13" name="Content Placeholder 3"/>
-          <p:cNvSpPr>
-            <a:spLocks noGrp="1"/>
-          </p:cNvSpPr>
-          <p:nvPr>
-            <p:ph sz="quarter" idx="14"/>
-          </p:nvPr>
-        </p:nvSpPr>
-        <p:spPr>
-          <a:xfrm>
-            <a:off x="6172200" y="2367092"/>
-            <a:ext cx="5105400" cy="3424107"/>
-          </a:xfrm>
-        </p:spPr>
+            <a:fld id="{9726B004-2BA4-4F9F-9C81-E8C2B4C1763F}" type="datetimeFigureOut">
+              <a:rPr lang="ko-KR" altLang="en-US" smtClean="0"/>
+              <a:t>2025-02-19</a:t>
+            </a:fld>
+            <a:endParaRPr lang="ko-KR" altLang="en-US"/>
+          </a:p>
+        </p:txBody>
+      </p:sp>
+      <p:sp>
+        <p:nvSpPr>
+          <p:cNvPr id="6" name="바닥글 개체 틀 5">
+            <a:extLst>
+              <a:ext uri="{FF2B5EF4-FFF2-40B4-BE49-F238E27FC236}">
+                <a16:creationId xmlns:a16="http://schemas.microsoft.com/office/drawing/2014/main" id="{228BC9A7-931E-4C89-96E2-C574D5F7FB35}"/>
+              </a:ext>
+            </a:extLst>
+          </p:cNvPr>
+          <p:cNvSpPr>
+            <a:spLocks noGrp="1"/>
+          </p:cNvSpPr>
+          <p:nvPr>
+            <p:ph type="ftr" sz="quarter" idx="11"/>
+          </p:nvPr>
+        </p:nvSpPr>
+        <p:spPr/>
         <p:txBody>
           <a:bodyPr/>
           <a:lstStyle/>
           <a:p>
-            <a:pPr lvl="0"/>
-            <a:r>
-              <a:rPr lang="ko-KR" altLang="en-US"/>
-              <a:t>마스터 텍스트 스타일 편집</a:t>
-            </a:r>
-          </a:p>
-          <a:p>
-            <a:pPr lvl="1"/>
-            <a:r>
-              <a:rPr lang="ko-KR" altLang="en-US"/>
-              <a:t>둘째 수준</a:t>
-            </a:r>
-          </a:p>
-          <a:p>
-            <a:pPr lvl="2"/>
-            <a:r>
-              <a:rPr lang="ko-KR" altLang="en-US"/>
-              <a:t>셋째 수준</a:t>
-            </a:r>
-          </a:p>
-          <a:p>
-            <a:pPr lvl="3"/>
-            <a:r>
-              <a:rPr lang="ko-KR" altLang="en-US"/>
-              <a:t>넷째 수준</a:t>
-            </a:r>
-          </a:p>
-          <a:p>
-            <a:pPr lvl="4"/>
-            <a:r>
-              <a:rPr lang="ko-KR" altLang="en-US"/>
-              <a:t>다섯째 수준</a:t>
-            </a:r>
-            <a:endParaRPr lang="en-US" dirty="0"/>
-          </a:p>
-        </p:txBody>
-      </p:sp>
-      <p:sp>
-        <p:nvSpPr>
-          <p:cNvPr id="5" name="Date Placeholder 4"/>
-          <p:cNvSpPr>
-            <a:spLocks noGrp="1"/>
-          </p:cNvSpPr>
-          <p:nvPr>
-            <p:ph type="dt" sz="half" idx="10"/>
-          </p:nvPr>
-        </p:nvSpPr>
-        <p:spPr/>
-        <p:txBody>
-          <a:bodyPr/>
-          <a:lstStyle/>
-          <a:p>
-            <a:fld id="{9726B004-2BA4-4F9F-9C81-E8C2B4C1763F}" type="datetimeFigureOut">
-              <a:rPr lang="ko-KR" altLang="en-US" smtClean="0"/>
-              <a:t>2025-02-17</a:t>
-            </a:fld>
             <a:endParaRPr lang="ko-KR" altLang="en-US"/>
           </a:p>
         </p:txBody>
       </p:sp>
       <p:sp>
         <p:nvSpPr>
-          <p:cNvPr id="6" name="Footer Placeholder 5"/>
-          <p:cNvSpPr>
-            <a:spLocks noGrp="1"/>
-          </p:cNvSpPr>
-          <p:nvPr>
-            <p:ph type="ftr" sz="quarter" idx="11"/>
-          </p:nvPr>
-        </p:nvSpPr>
-        <p:spPr/>
-        <p:txBody>
-          <a:bodyPr/>
-          <a:lstStyle/>
-          <a:p>
-            <a:endParaRPr lang="ko-KR" altLang="en-US"/>
-          </a:p>
-        </p:txBody>
-      </p:sp>
-      <p:sp>
-        <p:nvSpPr>
-          <p:cNvPr id="7" name="Slide Number Placeholder 6"/>
+          <p:cNvPr id="7" name="슬라이드 번호 개체 틀 6">
+            <a:extLst>
+              <a:ext uri="{FF2B5EF4-FFF2-40B4-BE49-F238E27FC236}">
+                <a16:creationId xmlns:a16="http://schemas.microsoft.com/office/drawing/2014/main" id="{DD572374-97F8-4DB0-A52A-62EDFED8A1EE}"/>
+              </a:ext>
+            </a:extLst>
+          </p:cNvPr>
           <p:cNvSpPr>
             <a:spLocks noGrp="1"/>
           </p:cNvSpPr>
@@ -4416,7 +1472,7 @@
     </p:spTree>
     <p:extLst>
       <p:ext uri="{BB962C8B-B14F-4D97-AF65-F5344CB8AC3E}">
-        <p14:creationId xmlns:p14="http://schemas.microsoft.com/office/powerpoint/2010/main" val="2297520490"/>
+        <p14:creationId xmlns:p14="http://schemas.microsoft.com/office/powerpoint/2010/main" val="2988320820"/>
       </p:ext>
     </p:extLst>
   </p:cSld>
@@ -4443,95 +1499,67 @@
           <a:chExt cx="0" cy="0"/>
         </a:xfrm>
       </p:grpSpPr>
-      <p:pic>
-        <p:nvPicPr>
-          <p:cNvPr id="15" name="Picture 14" descr="Droplets-HD-Content-R1d.png"/>
-          <p:cNvPicPr>
-            <a:picLocks noChangeAspect="1"/>
-          </p:cNvPicPr>
-          <p:nvPr/>
-        </p:nvPicPr>
-        <p:blipFill>
-          <a:blip r:embed="rId2">
-            <a:extLst>
-              <a:ext uri="{28A0092B-C50C-407E-A947-70E740481C1C}">
-                <a14:useLocalDpi xmlns:a14="http://schemas.microsoft.com/office/drawing/2010/main" val="0"/>
-              </a:ext>
-            </a:extLst>
-          </a:blip>
-          <a:stretch>
-            <a:fillRect/>
-          </a:stretch>
-        </p:blipFill>
+      <p:sp>
+        <p:nvSpPr>
+          <p:cNvPr id="2" name="제목 1">
+            <a:extLst>
+              <a:ext uri="{FF2B5EF4-FFF2-40B4-BE49-F238E27FC236}">
+                <a16:creationId xmlns:a16="http://schemas.microsoft.com/office/drawing/2014/main" id="{F23385CD-0747-427F-88E0-A43E335F25C8}"/>
+              </a:ext>
+            </a:extLst>
+          </p:cNvPr>
+          <p:cNvSpPr>
+            <a:spLocks noGrp="1"/>
+          </p:cNvSpPr>
+          <p:nvPr>
+            <p:ph type="title"/>
+          </p:nvPr>
+        </p:nvSpPr>
         <p:spPr>
           <a:xfrm>
-            <a:off x="0" y="0"/>
-            <a:ext cx="12192000" cy="6858000"/>
+            <a:off x="839788" y="365125"/>
+            <a:ext cx="10515600" cy="1325563"/>
           </a:xfrm>
-          <a:prstGeom prst="rect">
-            <a:avLst/>
-          </a:prstGeom>
         </p:spPr>
-      </p:pic>
-      <p:sp>
-        <p:nvSpPr>
-          <p:cNvPr id="14" name="Title 1"/>
-          <p:cNvSpPr>
-            <a:spLocks noGrp="1"/>
-          </p:cNvSpPr>
-          <p:nvPr>
-            <p:ph type="title"/>
+        <p:txBody>
+          <a:bodyPr/>
+          <a:lstStyle/>
+          <a:p>
+            <a:r>
+              <a:rPr lang="ko-KR" altLang="en-US"/>
+              <a:t>마스터 제목 스타일 편집</a:t>
+            </a:r>
+          </a:p>
+        </p:txBody>
+      </p:sp>
+      <p:sp>
+        <p:nvSpPr>
+          <p:cNvPr id="3" name="텍스트 개체 틀 2">
+            <a:extLst>
+              <a:ext uri="{FF2B5EF4-FFF2-40B4-BE49-F238E27FC236}">
+                <a16:creationId xmlns:a16="http://schemas.microsoft.com/office/drawing/2014/main" id="{49DDF35B-268B-4F02-A923-357717649F89}"/>
+              </a:ext>
+            </a:extLst>
+          </p:cNvPr>
+          <p:cNvSpPr>
+            <a:spLocks noGrp="1"/>
+          </p:cNvSpPr>
+          <p:nvPr>
+            <p:ph type="body" idx="1"/>
           </p:nvPr>
         </p:nvSpPr>
         <p:spPr>
           <a:xfrm>
-            <a:off x="913775" y="618517"/>
-            <a:ext cx="10364451" cy="1596177"/>
+            <a:off x="839788" y="1681163"/>
+            <a:ext cx="5157787" cy="823912"/>
           </a:xfrm>
         </p:spPr>
         <p:txBody>
-          <a:bodyPr/>
-          <a:lstStyle/>
-          <a:p>
-            <a:r>
-              <a:rPr lang="ko-KR" altLang="en-US"/>
-              <a:t>마스터 제목 스타일 편집</a:t>
-            </a:r>
-            <a:endParaRPr lang="en-US" dirty="0"/>
-          </a:p>
-        </p:txBody>
-      </p:sp>
-      <p:sp>
-        <p:nvSpPr>
-          <p:cNvPr id="3" name="Text Placeholder 2"/>
-          <p:cNvSpPr>
-            <a:spLocks noGrp="1"/>
-          </p:cNvSpPr>
-          <p:nvPr>
-            <p:ph type="body" idx="1"/>
-          </p:nvPr>
-        </p:nvSpPr>
-        <p:spPr>
-          <a:xfrm>
-            <a:off x="1146328" y="2371018"/>
-            <a:ext cx="4873474" cy="679994"/>
-          </a:xfrm>
-        </p:spPr>
-        <p:txBody>
-          <a:bodyPr anchor="b">
-            <a:noAutofit/>
-          </a:bodyPr>
+          <a:bodyPr anchor="b"/>
           <a:lstStyle>
             <a:lvl1pPr marL="0" indent="0">
-              <a:lnSpc>
-                <a:spcPct val="85000"/>
-              </a:lnSpc>
               <a:buNone/>
-              <a:defRPr sz="2600" b="0">
-                <a:solidFill>
-                  <a:schemeClr val="tx1"/>
-                </a:solidFill>
-              </a:defRPr>
+              <a:defRPr sz="2400" b="1"/>
             </a:lvl1pPr>
             <a:lvl2pPr marL="457200" indent="0">
               <a:buNone/>
@@ -4577,18 +1605,24 @@
       </p:sp>
       <p:sp>
         <p:nvSpPr>
-          <p:cNvPr id="12" name="Content Placeholder 3"/>
-          <p:cNvSpPr>
-            <a:spLocks noGrp="1"/>
-          </p:cNvSpPr>
-          <p:nvPr>
-            <p:ph sz="quarter" idx="13"/>
+          <p:cNvPr id="4" name="내용 개체 틀 3">
+            <a:extLst>
+              <a:ext uri="{FF2B5EF4-FFF2-40B4-BE49-F238E27FC236}">
+                <a16:creationId xmlns:a16="http://schemas.microsoft.com/office/drawing/2014/main" id="{0A2F4581-3B70-42D1-B9F2-9A39018B8A9E}"/>
+              </a:ext>
+            </a:extLst>
+          </p:cNvPr>
+          <p:cNvSpPr>
+            <a:spLocks noGrp="1"/>
+          </p:cNvSpPr>
+          <p:nvPr>
+            <p:ph sz="half" idx="2"/>
           </p:nvPr>
         </p:nvSpPr>
         <p:spPr>
           <a:xfrm>
-            <a:off x="913774" y="3051012"/>
-            <a:ext cx="5106027" cy="2740187"/>
+            <a:off x="839788" y="2505075"/>
+            <a:ext cx="5157787" cy="3684588"/>
           </a:xfrm>
         </p:spPr>
         <p:txBody>
@@ -4628,13 +1662,18 @@
               <a:rPr lang="ko-KR" altLang="en-US"/>
               <a:t>다섯째 수준</a:t>
             </a:r>
-            <a:endParaRPr lang="en-US" dirty="0"/>
-          </a:p>
-        </p:txBody>
-      </p:sp>
-      <p:sp>
-        <p:nvSpPr>
-          <p:cNvPr id="5" name="Text Placeholder 4"/>
+          </a:p>
+        </p:txBody>
+      </p:sp>
+      <p:sp>
+        <p:nvSpPr>
+          <p:cNvPr id="5" name="텍스트 개체 틀 4">
+            <a:extLst>
+              <a:ext uri="{FF2B5EF4-FFF2-40B4-BE49-F238E27FC236}">
+                <a16:creationId xmlns:a16="http://schemas.microsoft.com/office/drawing/2014/main" id="{7FFE0779-D9B0-4DB8-88D5-25655CD69E8C}"/>
+              </a:ext>
+            </a:extLst>
+          </p:cNvPr>
           <p:cNvSpPr>
             <a:spLocks noGrp="1"/>
           </p:cNvSpPr>
@@ -4644,25 +1683,16 @@
         </p:nvSpPr>
         <p:spPr>
           <a:xfrm>
-            <a:off x="6396423" y="2371018"/>
-            <a:ext cx="4881804" cy="679994"/>
+            <a:off x="6172200" y="1681163"/>
+            <a:ext cx="5183188" cy="823912"/>
           </a:xfrm>
         </p:spPr>
         <p:txBody>
-          <a:bodyPr anchor="b">
-            <a:noAutofit/>
-          </a:bodyPr>
+          <a:bodyPr anchor="b"/>
           <a:lstStyle>
             <a:lvl1pPr marL="0" indent="0">
-              <a:lnSpc>
-                <a:spcPct val="85000"/>
-              </a:lnSpc>
               <a:buNone/>
-              <a:defRPr sz="2600" b="0">
-                <a:solidFill>
-                  <a:schemeClr val="tx1"/>
-                </a:solidFill>
-              </a:defRPr>
+              <a:defRPr sz="2400" b="1"/>
             </a:lvl1pPr>
             <a:lvl2pPr marL="457200" indent="0">
               <a:buNone/>
@@ -4708,18 +1738,24 @@
       </p:sp>
       <p:sp>
         <p:nvSpPr>
-          <p:cNvPr id="13" name="Content Placeholder 5"/>
-          <p:cNvSpPr>
-            <a:spLocks noGrp="1"/>
-          </p:cNvSpPr>
-          <p:nvPr>
-            <p:ph sz="quarter" idx="14"/>
+          <p:cNvPr id="6" name="내용 개체 틀 5">
+            <a:extLst>
+              <a:ext uri="{FF2B5EF4-FFF2-40B4-BE49-F238E27FC236}">
+                <a16:creationId xmlns:a16="http://schemas.microsoft.com/office/drawing/2014/main" id="{C0F95B71-8830-4718-99B4-E9F410642801}"/>
+              </a:ext>
+            </a:extLst>
+          </p:cNvPr>
+          <p:cNvSpPr>
+            <a:spLocks noGrp="1"/>
+          </p:cNvSpPr>
+          <p:nvPr>
+            <p:ph sz="quarter" idx="4"/>
           </p:nvPr>
         </p:nvSpPr>
         <p:spPr>
           <a:xfrm>
-            <a:off x="6172200" y="3051012"/>
-            <a:ext cx="5105401" cy="2740187"/>
+            <a:off x="6172200" y="2505075"/>
+            <a:ext cx="5183188" cy="3684588"/>
           </a:xfrm>
         </p:spPr>
         <p:txBody>
@@ -4759,13 +1795,18 @@
               <a:rPr lang="ko-KR" altLang="en-US"/>
               <a:t>다섯째 수준</a:t>
             </a:r>
-            <a:endParaRPr lang="en-US" dirty="0"/>
-          </a:p>
-        </p:txBody>
-      </p:sp>
-      <p:sp>
-        <p:nvSpPr>
-          <p:cNvPr id="7" name="Date Placeholder 6"/>
+          </a:p>
+        </p:txBody>
+      </p:sp>
+      <p:sp>
+        <p:nvSpPr>
+          <p:cNvPr id="7" name="날짜 개체 틀 6">
+            <a:extLst>
+              <a:ext uri="{FF2B5EF4-FFF2-40B4-BE49-F238E27FC236}">
+                <a16:creationId xmlns:a16="http://schemas.microsoft.com/office/drawing/2014/main" id="{5EA3B5E3-8D6C-427B-83B4-FC9F602FAD12}"/>
+              </a:ext>
+            </a:extLst>
+          </p:cNvPr>
           <p:cNvSpPr>
             <a:spLocks noGrp="1"/>
           </p:cNvSpPr>
@@ -4780,7 +1821,7 @@
           <a:p>
             <a:fld id="{9726B004-2BA4-4F9F-9C81-E8C2B4C1763F}" type="datetimeFigureOut">
               <a:rPr lang="ko-KR" altLang="en-US" smtClean="0"/>
-              <a:t>2025-02-17</a:t>
+              <a:t>2025-02-19</a:t>
             </a:fld>
             <a:endParaRPr lang="ko-KR" altLang="en-US"/>
           </a:p>
@@ -4788,7 +1829,13 @@
       </p:sp>
       <p:sp>
         <p:nvSpPr>
-          <p:cNvPr id="8" name="Footer Placeholder 7"/>
+          <p:cNvPr id="8" name="바닥글 개체 틀 7">
+            <a:extLst>
+              <a:ext uri="{FF2B5EF4-FFF2-40B4-BE49-F238E27FC236}">
+                <a16:creationId xmlns:a16="http://schemas.microsoft.com/office/drawing/2014/main" id="{8ACBD268-488D-4BEB-9575-04BF68B4E8A5}"/>
+              </a:ext>
+            </a:extLst>
+          </p:cNvPr>
           <p:cNvSpPr>
             <a:spLocks noGrp="1"/>
           </p:cNvSpPr>
@@ -4807,7 +1854,13 @@
       </p:sp>
       <p:sp>
         <p:nvSpPr>
-          <p:cNvPr id="9" name="Slide Number Placeholder 8"/>
+          <p:cNvPr id="9" name="슬라이드 번호 개체 틀 8">
+            <a:extLst>
+              <a:ext uri="{FF2B5EF4-FFF2-40B4-BE49-F238E27FC236}">
+                <a16:creationId xmlns:a16="http://schemas.microsoft.com/office/drawing/2014/main" id="{C39D5428-6A14-4F8F-BA1D-9FBEEDE27F97}"/>
+              </a:ext>
+            </a:extLst>
+          </p:cNvPr>
           <p:cNvSpPr>
             <a:spLocks noGrp="1"/>
           </p:cNvSpPr>
@@ -4831,7 +1884,7 @@
     </p:spTree>
     <p:extLst>
       <p:ext uri="{BB962C8B-B14F-4D97-AF65-F5344CB8AC3E}">
-        <p14:creationId xmlns:p14="http://schemas.microsoft.com/office/powerpoint/2010/main" val="2416379995"/>
+        <p14:creationId xmlns:p14="http://schemas.microsoft.com/office/powerpoint/2010/main" val="3808995469"/>
       </p:ext>
     </p:extLst>
   </p:cSld>
@@ -4858,39 +1911,15 @@
           <a:chExt cx="0" cy="0"/>
         </a:xfrm>
       </p:grpSpPr>
-      <p:pic>
-        <p:nvPicPr>
-          <p:cNvPr id="8" name="Picture 7" descr="Droplets-HD-Content-R1d.png"/>
-          <p:cNvPicPr>
-            <a:picLocks noChangeAspect="1"/>
-          </p:cNvPicPr>
-          <p:nvPr/>
-        </p:nvPicPr>
-        <p:blipFill>
-          <a:blip r:embed="rId2">
-            <a:extLst>
-              <a:ext uri="{28A0092B-C50C-407E-A947-70E740481C1C}">
-                <a14:useLocalDpi xmlns:a14="http://schemas.microsoft.com/office/drawing/2010/main" val="0"/>
-              </a:ext>
-            </a:extLst>
-          </a:blip>
-          <a:stretch>
-            <a:fillRect/>
-          </a:stretch>
-        </p:blipFill>
-        <p:spPr>
-          <a:xfrm>
-            <a:off x="0" y="0"/>
-            <a:ext cx="12192000" cy="6858000"/>
-          </a:xfrm>
-          <a:prstGeom prst="rect">
-            <a:avLst/>
-          </a:prstGeom>
-        </p:spPr>
-      </p:pic>
-      <p:sp>
-        <p:nvSpPr>
-          <p:cNvPr id="2" name="Title 1"/>
+      <p:sp>
+        <p:nvSpPr>
+          <p:cNvPr id="2" name="제목 1">
+            <a:extLst>
+              <a:ext uri="{FF2B5EF4-FFF2-40B4-BE49-F238E27FC236}">
+                <a16:creationId xmlns:a16="http://schemas.microsoft.com/office/drawing/2014/main" id="{8B6CB999-9724-4D46-AAD3-65F7B0EC33CE}"/>
+              </a:ext>
+            </a:extLst>
+          </p:cNvPr>
           <p:cNvSpPr>
             <a:spLocks noGrp="1"/>
           </p:cNvSpPr>
@@ -4907,13 +1936,18 @@
               <a:rPr lang="ko-KR" altLang="en-US"/>
               <a:t>마스터 제목 스타일 편집</a:t>
             </a:r>
-            <a:endParaRPr lang="en-US" dirty="0"/>
-          </a:p>
-        </p:txBody>
-      </p:sp>
-      <p:sp>
-        <p:nvSpPr>
-          <p:cNvPr id="3" name="Date Placeholder 2"/>
+          </a:p>
+        </p:txBody>
+      </p:sp>
+      <p:sp>
+        <p:nvSpPr>
+          <p:cNvPr id="3" name="날짜 개체 틀 2">
+            <a:extLst>
+              <a:ext uri="{FF2B5EF4-FFF2-40B4-BE49-F238E27FC236}">
+                <a16:creationId xmlns:a16="http://schemas.microsoft.com/office/drawing/2014/main" id="{4C6552DB-A768-4BE4-B4A4-1634FC9B9979}"/>
+              </a:ext>
+            </a:extLst>
+          </p:cNvPr>
           <p:cNvSpPr>
             <a:spLocks noGrp="1"/>
           </p:cNvSpPr>
@@ -4928,7 +1962,7 @@
           <a:p>
             <a:fld id="{9726B004-2BA4-4F9F-9C81-E8C2B4C1763F}" type="datetimeFigureOut">
               <a:rPr lang="ko-KR" altLang="en-US" smtClean="0"/>
-              <a:t>2025-02-17</a:t>
+              <a:t>2025-02-19</a:t>
             </a:fld>
             <a:endParaRPr lang="ko-KR" altLang="en-US"/>
           </a:p>
@@ -4936,7 +1970,13 @@
       </p:sp>
       <p:sp>
         <p:nvSpPr>
-          <p:cNvPr id="4" name="Footer Placeholder 3"/>
+          <p:cNvPr id="4" name="바닥글 개체 틀 3">
+            <a:extLst>
+              <a:ext uri="{FF2B5EF4-FFF2-40B4-BE49-F238E27FC236}">
+                <a16:creationId xmlns:a16="http://schemas.microsoft.com/office/drawing/2014/main" id="{D7649B48-87AD-4E73-BB9B-D3FC37185733}"/>
+              </a:ext>
+            </a:extLst>
+          </p:cNvPr>
           <p:cNvSpPr>
             <a:spLocks noGrp="1"/>
           </p:cNvSpPr>
@@ -4955,7 +1995,13 @@
       </p:sp>
       <p:sp>
         <p:nvSpPr>
-          <p:cNvPr id="5" name="Slide Number Placeholder 4"/>
+          <p:cNvPr id="5" name="슬라이드 번호 개체 틀 4">
+            <a:extLst>
+              <a:ext uri="{FF2B5EF4-FFF2-40B4-BE49-F238E27FC236}">
+                <a16:creationId xmlns:a16="http://schemas.microsoft.com/office/drawing/2014/main" id="{9055275B-4B85-43A6-9B6A-BF89D3F7D970}"/>
+              </a:ext>
+            </a:extLst>
+          </p:cNvPr>
           <p:cNvSpPr>
             <a:spLocks noGrp="1"/>
           </p:cNvSpPr>
@@ -4979,7 +2025,7 @@
     </p:spTree>
     <p:extLst>
       <p:ext uri="{BB962C8B-B14F-4D97-AF65-F5344CB8AC3E}">
-        <p14:creationId xmlns:p14="http://schemas.microsoft.com/office/powerpoint/2010/main" val="1581262048"/>
+        <p14:creationId xmlns:p14="http://schemas.microsoft.com/office/powerpoint/2010/main" val="3657146953"/>
       </p:ext>
     </p:extLst>
   </p:cSld>
@@ -5006,39 +2052,15 @@
           <a:chExt cx="0" cy="0"/>
         </a:xfrm>
       </p:grpSpPr>
-      <p:pic>
-        <p:nvPicPr>
-          <p:cNvPr id="7" name="Picture 6" descr="Droplets-HD-Content-R1d.png"/>
-          <p:cNvPicPr>
-            <a:picLocks noChangeAspect="1"/>
-          </p:cNvPicPr>
-          <p:nvPr/>
-        </p:nvPicPr>
-        <p:blipFill>
-          <a:blip r:embed="rId2">
-            <a:extLst>
-              <a:ext uri="{28A0092B-C50C-407E-A947-70E740481C1C}">
-                <a14:useLocalDpi xmlns:a14="http://schemas.microsoft.com/office/drawing/2010/main" val="0"/>
-              </a:ext>
-            </a:extLst>
-          </a:blip>
-          <a:stretch>
-            <a:fillRect/>
-          </a:stretch>
-        </p:blipFill>
-        <p:spPr>
-          <a:xfrm>
-            <a:off x="0" y="0"/>
-            <a:ext cx="12192000" cy="6858000"/>
-          </a:xfrm>
-          <a:prstGeom prst="rect">
-            <a:avLst/>
-          </a:prstGeom>
-        </p:spPr>
-      </p:pic>
-      <p:sp>
-        <p:nvSpPr>
-          <p:cNvPr id="2" name="Date Placeholder 1"/>
+      <p:sp>
+        <p:nvSpPr>
+          <p:cNvPr id="2" name="날짜 개체 틀 1">
+            <a:extLst>
+              <a:ext uri="{FF2B5EF4-FFF2-40B4-BE49-F238E27FC236}">
+                <a16:creationId xmlns:a16="http://schemas.microsoft.com/office/drawing/2014/main" id="{7E1CE22F-3776-4E05-942F-A63105641245}"/>
+              </a:ext>
+            </a:extLst>
+          </p:cNvPr>
           <p:cNvSpPr>
             <a:spLocks noGrp="1"/>
           </p:cNvSpPr>
@@ -5053,7 +2075,7 @@
           <a:p>
             <a:fld id="{9726B004-2BA4-4F9F-9C81-E8C2B4C1763F}" type="datetimeFigureOut">
               <a:rPr lang="ko-KR" altLang="en-US" smtClean="0"/>
-              <a:t>2025-02-17</a:t>
+              <a:t>2025-02-19</a:t>
             </a:fld>
             <a:endParaRPr lang="ko-KR" altLang="en-US"/>
           </a:p>
@@ -5061,7 +2083,13 @@
       </p:sp>
       <p:sp>
         <p:nvSpPr>
-          <p:cNvPr id="3" name="Footer Placeholder 2"/>
+          <p:cNvPr id="3" name="바닥글 개체 틀 2">
+            <a:extLst>
+              <a:ext uri="{FF2B5EF4-FFF2-40B4-BE49-F238E27FC236}">
+                <a16:creationId xmlns:a16="http://schemas.microsoft.com/office/drawing/2014/main" id="{9334A28A-20A8-4FC8-8A6E-3CE0B91A0C7F}"/>
+              </a:ext>
+            </a:extLst>
+          </p:cNvPr>
           <p:cNvSpPr>
             <a:spLocks noGrp="1"/>
           </p:cNvSpPr>
@@ -5080,7 +2108,13 @@
       </p:sp>
       <p:sp>
         <p:nvSpPr>
-          <p:cNvPr id="4" name="Slide Number Placeholder 3"/>
+          <p:cNvPr id="4" name="슬라이드 번호 개체 틀 3">
+            <a:extLst>
+              <a:ext uri="{FF2B5EF4-FFF2-40B4-BE49-F238E27FC236}">
+                <a16:creationId xmlns:a16="http://schemas.microsoft.com/office/drawing/2014/main" id="{E9340FC7-34B5-4515-BB7F-270BDE46AA92}"/>
+              </a:ext>
+            </a:extLst>
+          </p:cNvPr>
           <p:cNvSpPr>
             <a:spLocks noGrp="1"/>
           </p:cNvSpPr>
@@ -5104,7 +2138,7 @@
     </p:spTree>
     <p:extLst>
       <p:ext uri="{BB962C8B-B14F-4D97-AF65-F5344CB8AC3E}">
-        <p14:creationId xmlns:p14="http://schemas.microsoft.com/office/powerpoint/2010/main" val="1715775258"/>
+        <p14:creationId xmlns:p14="http://schemas.microsoft.com/office/powerpoint/2010/main" val="3329633287"/>
       </p:ext>
     </p:extLst>
   </p:cSld>
@@ -5131,56 +2165,32 @@
           <a:chExt cx="0" cy="0"/>
         </a:xfrm>
       </p:grpSpPr>
-      <p:pic>
-        <p:nvPicPr>
-          <p:cNvPr id="11" name="Picture 10" descr="Droplets-HD-Content-R1d.png"/>
-          <p:cNvPicPr>
-            <a:picLocks noChangeAspect="1"/>
-          </p:cNvPicPr>
-          <p:nvPr/>
-        </p:nvPicPr>
-        <p:blipFill>
-          <a:blip r:embed="rId2">
-            <a:extLst>
-              <a:ext uri="{28A0092B-C50C-407E-A947-70E740481C1C}">
-                <a14:useLocalDpi xmlns:a14="http://schemas.microsoft.com/office/drawing/2010/main" val="0"/>
-              </a:ext>
-            </a:extLst>
-          </a:blip>
-          <a:stretch>
-            <a:fillRect/>
-          </a:stretch>
-        </p:blipFill>
+      <p:sp>
+        <p:nvSpPr>
+          <p:cNvPr id="2" name="제목 1">
+            <a:extLst>
+              <a:ext uri="{FF2B5EF4-FFF2-40B4-BE49-F238E27FC236}">
+                <a16:creationId xmlns:a16="http://schemas.microsoft.com/office/drawing/2014/main" id="{CDC4D89D-7AD3-4E8F-A249-150FAA614282}"/>
+              </a:ext>
+            </a:extLst>
+          </p:cNvPr>
+          <p:cNvSpPr>
+            <a:spLocks noGrp="1"/>
+          </p:cNvSpPr>
+          <p:nvPr>
+            <p:ph type="title"/>
+          </p:nvPr>
+        </p:nvSpPr>
         <p:spPr>
           <a:xfrm>
-            <a:off x="0" y="0"/>
-            <a:ext cx="12192000" cy="6858000"/>
-          </a:xfrm>
-          <a:prstGeom prst="rect">
-            <a:avLst/>
-          </a:prstGeom>
-        </p:spPr>
-      </p:pic>
-      <p:sp>
-        <p:nvSpPr>
-          <p:cNvPr id="2" name="Title 1"/>
-          <p:cNvSpPr>
-            <a:spLocks noGrp="1"/>
-          </p:cNvSpPr>
-          <p:nvPr>
-            <p:ph type="title"/>
-          </p:nvPr>
-        </p:nvSpPr>
-        <p:spPr>
-          <a:xfrm>
-            <a:off x="913775" y="609600"/>
-            <a:ext cx="3935688" cy="2023252"/>
+            <a:off x="839788" y="457200"/>
+            <a:ext cx="3932237" cy="1600200"/>
           </a:xfrm>
         </p:spPr>
         <p:txBody>
           <a:bodyPr anchor="b"/>
           <a:lstStyle>
-            <a:lvl1pPr algn="ctr">
+            <a:lvl1pPr>
               <a:defRPr sz="3200"/>
             </a:lvl1pPr>
           </a:lstStyle>
@@ -5189,29 +2199,62 @@
               <a:rPr lang="ko-KR" altLang="en-US"/>
               <a:t>마스터 제목 스타일 편집</a:t>
             </a:r>
-            <a:endParaRPr lang="en-US" dirty="0"/>
-          </a:p>
-        </p:txBody>
-      </p:sp>
-      <p:sp>
-        <p:nvSpPr>
-          <p:cNvPr id="10" name="Content Placeholder 2"/>
-          <p:cNvSpPr>
-            <a:spLocks noGrp="1"/>
-          </p:cNvSpPr>
-          <p:nvPr>
-            <p:ph sz="quarter" idx="13"/>
+          </a:p>
+        </p:txBody>
+      </p:sp>
+      <p:sp>
+        <p:nvSpPr>
+          <p:cNvPr id="3" name="내용 개체 틀 2">
+            <a:extLst>
+              <a:ext uri="{FF2B5EF4-FFF2-40B4-BE49-F238E27FC236}">
+                <a16:creationId xmlns:a16="http://schemas.microsoft.com/office/drawing/2014/main" id="{103671AF-6348-4710-910B-9C742A5A2766}"/>
+              </a:ext>
+            </a:extLst>
+          </p:cNvPr>
+          <p:cNvSpPr>
+            <a:spLocks noGrp="1"/>
+          </p:cNvSpPr>
+          <p:nvPr>
+            <p:ph idx="1"/>
           </p:nvPr>
         </p:nvSpPr>
         <p:spPr>
           <a:xfrm>
-            <a:off x="5078062" y="609600"/>
-            <a:ext cx="6200163" cy="5181599"/>
+            <a:off x="5183188" y="987425"/>
+            <a:ext cx="6172200" cy="4873625"/>
           </a:xfrm>
         </p:spPr>
         <p:txBody>
           <a:bodyPr/>
-          <a:lstStyle/>
+          <a:lstStyle>
+            <a:lvl1pPr>
+              <a:defRPr sz="3200"/>
+            </a:lvl1pPr>
+            <a:lvl2pPr>
+              <a:defRPr sz="2800"/>
+            </a:lvl2pPr>
+            <a:lvl3pPr>
+              <a:defRPr sz="2400"/>
+            </a:lvl3pPr>
+            <a:lvl4pPr>
+              <a:defRPr sz="2000"/>
+            </a:lvl4pPr>
+            <a:lvl5pPr>
+              <a:defRPr sz="2000"/>
+            </a:lvl5pPr>
+            <a:lvl6pPr>
+              <a:defRPr sz="2000"/>
+            </a:lvl6pPr>
+            <a:lvl7pPr>
+              <a:defRPr sz="2000"/>
+            </a:lvl7pPr>
+            <a:lvl8pPr>
+              <a:defRPr sz="2000"/>
+            </a:lvl8pPr>
+            <a:lvl9pPr>
+              <a:defRPr sz="2000"/>
+            </a:lvl9pPr>
+          </a:lstStyle>
           <a:p>
             <a:pPr lvl="0"/>
             <a:r>
@@ -5246,13 +2289,18 @@
               <a:rPr lang="ko-KR" altLang="en-US"/>
               <a:t>다섯째 수준</a:t>
             </a:r>
-            <a:endParaRPr lang="en-US" dirty="0"/>
-          </a:p>
-        </p:txBody>
-      </p:sp>
-      <p:sp>
-        <p:nvSpPr>
-          <p:cNvPr id="4" name="Text Placeholder 3"/>
+          </a:p>
+        </p:txBody>
+      </p:sp>
+      <p:sp>
+        <p:nvSpPr>
+          <p:cNvPr id="4" name="텍스트 개체 틀 3">
+            <a:extLst>
+              <a:ext uri="{FF2B5EF4-FFF2-40B4-BE49-F238E27FC236}">
+                <a16:creationId xmlns:a16="http://schemas.microsoft.com/office/drawing/2014/main" id="{E0874DCE-C9BC-4E80-9590-6AB7FD41D2A3}"/>
+              </a:ext>
+            </a:extLst>
+          </p:cNvPr>
           <p:cNvSpPr>
             <a:spLocks noGrp="1"/>
           </p:cNvSpPr>
@@ -5262,14 +2310,14 @@
         </p:nvSpPr>
         <p:spPr>
           <a:xfrm>
-            <a:off x="913774" y="2632852"/>
-            <a:ext cx="3935689" cy="3158348"/>
+            <a:off x="839788" y="2057400"/>
+            <a:ext cx="3932237" cy="3811588"/>
           </a:xfrm>
         </p:spPr>
         <p:txBody>
           <a:bodyPr/>
           <a:lstStyle>
-            <a:lvl1pPr marL="0" indent="0" algn="ctr">
+            <a:lvl1pPr marL="0" indent="0">
               <a:buNone/>
               <a:defRPr sz="1600"/>
             </a:lvl1pPr>
@@ -5317,7 +2365,13 @@
       </p:sp>
       <p:sp>
         <p:nvSpPr>
-          <p:cNvPr id="5" name="Date Placeholder 4"/>
+          <p:cNvPr id="5" name="날짜 개체 틀 4">
+            <a:extLst>
+              <a:ext uri="{FF2B5EF4-FFF2-40B4-BE49-F238E27FC236}">
+                <a16:creationId xmlns:a16="http://schemas.microsoft.com/office/drawing/2014/main" id="{DA673F62-F562-465B-9B53-6227FE91B6D2}"/>
+              </a:ext>
+            </a:extLst>
+          </p:cNvPr>
           <p:cNvSpPr>
             <a:spLocks noGrp="1"/>
           </p:cNvSpPr>
@@ -5332,7 +2386,7 @@
           <a:p>
             <a:fld id="{9726B004-2BA4-4F9F-9C81-E8C2B4C1763F}" type="datetimeFigureOut">
               <a:rPr lang="ko-KR" altLang="en-US" smtClean="0"/>
-              <a:t>2025-02-17</a:t>
+              <a:t>2025-02-19</a:t>
             </a:fld>
             <a:endParaRPr lang="ko-KR" altLang="en-US"/>
           </a:p>
@@ -5340,7 +2394,13 @@
       </p:sp>
       <p:sp>
         <p:nvSpPr>
-          <p:cNvPr id="6" name="Footer Placeholder 5"/>
+          <p:cNvPr id="6" name="바닥글 개체 틀 5">
+            <a:extLst>
+              <a:ext uri="{FF2B5EF4-FFF2-40B4-BE49-F238E27FC236}">
+                <a16:creationId xmlns:a16="http://schemas.microsoft.com/office/drawing/2014/main" id="{0CC6F1FE-43B7-4708-83A1-215157B8438A}"/>
+              </a:ext>
+            </a:extLst>
+          </p:cNvPr>
           <p:cNvSpPr>
             <a:spLocks noGrp="1"/>
           </p:cNvSpPr>
@@ -5359,7 +2419,13 @@
       </p:sp>
       <p:sp>
         <p:nvSpPr>
-          <p:cNvPr id="7" name="Slide Number Placeholder 6"/>
+          <p:cNvPr id="7" name="슬라이드 번호 개체 틀 6">
+            <a:extLst>
+              <a:ext uri="{FF2B5EF4-FFF2-40B4-BE49-F238E27FC236}">
+                <a16:creationId xmlns:a16="http://schemas.microsoft.com/office/drawing/2014/main" id="{571714A6-FC81-4CDC-BC89-6492BDE8F527}"/>
+              </a:ext>
+            </a:extLst>
+          </p:cNvPr>
           <p:cNvSpPr>
             <a:spLocks noGrp="1"/>
           </p:cNvSpPr>
@@ -5383,7 +2449,7 @@
     </p:spTree>
     <p:extLst>
       <p:ext uri="{BB962C8B-B14F-4D97-AF65-F5344CB8AC3E}">
-        <p14:creationId xmlns:p14="http://schemas.microsoft.com/office/powerpoint/2010/main" val="2782295693"/>
+        <p14:creationId xmlns:p14="http://schemas.microsoft.com/office/powerpoint/2010/main" val="4257161914"/>
       </p:ext>
     </p:extLst>
   </p:cSld>
@@ -5410,56 +2476,32 @@
           <a:chExt cx="0" cy="0"/>
         </a:xfrm>
       </p:grpSpPr>
-      <p:pic>
-        <p:nvPicPr>
-          <p:cNvPr id="10" name="Picture 9" descr="Droplets-HD-Content-R1d.png"/>
-          <p:cNvPicPr>
-            <a:picLocks noChangeAspect="1"/>
-          </p:cNvPicPr>
-          <p:nvPr/>
-        </p:nvPicPr>
-        <p:blipFill>
-          <a:blip r:embed="rId2">
-            <a:extLst>
-              <a:ext uri="{28A0092B-C50C-407E-A947-70E740481C1C}">
-                <a14:useLocalDpi xmlns:a14="http://schemas.microsoft.com/office/drawing/2010/main" val="0"/>
-              </a:ext>
-            </a:extLst>
-          </a:blip>
-          <a:stretch>
-            <a:fillRect/>
-          </a:stretch>
-        </p:blipFill>
+      <p:sp>
+        <p:nvSpPr>
+          <p:cNvPr id="2" name="제목 1">
+            <a:extLst>
+              <a:ext uri="{FF2B5EF4-FFF2-40B4-BE49-F238E27FC236}">
+                <a16:creationId xmlns:a16="http://schemas.microsoft.com/office/drawing/2014/main" id="{06215D39-6B47-4C38-B5F2-5CF1A088FD3E}"/>
+              </a:ext>
+            </a:extLst>
+          </p:cNvPr>
+          <p:cNvSpPr>
+            <a:spLocks noGrp="1"/>
+          </p:cNvSpPr>
+          <p:nvPr>
+            <p:ph type="title"/>
+          </p:nvPr>
+        </p:nvSpPr>
         <p:spPr>
           <a:xfrm>
-            <a:off x="0" y="0"/>
-            <a:ext cx="12192000" cy="6858000"/>
-          </a:xfrm>
-          <a:prstGeom prst="rect">
-            <a:avLst/>
-          </a:prstGeom>
-        </p:spPr>
-      </p:pic>
-      <p:sp>
-        <p:nvSpPr>
-          <p:cNvPr id="2" name="Title 1"/>
-          <p:cNvSpPr>
-            <a:spLocks noGrp="1"/>
-          </p:cNvSpPr>
-          <p:nvPr>
-            <p:ph type="title"/>
-          </p:nvPr>
-        </p:nvSpPr>
-        <p:spPr>
-          <a:xfrm>
-            <a:off x="913774" y="609600"/>
-            <a:ext cx="5934969" cy="2023254"/>
+            <a:off x="839788" y="457200"/>
+            <a:ext cx="3932237" cy="1600200"/>
           </a:xfrm>
         </p:spPr>
         <p:txBody>
           <a:bodyPr anchor="b"/>
           <a:lstStyle>
-            <a:lvl1pPr algn="ctr">
+            <a:lvl1pPr>
               <a:defRPr sz="3200"/>
             </a:lvl1pPr>
           </a:lstStyle>
@@ -5468,15 +2510,20 @@
               <a:rPr lang="ko-KR" altLang="en-US"/>
               <a:t>마스터 제목 스타일 편집</a:t>
             </a:r>
-            <a:endParaRPr lang="en-US" dirty="0"/>
-          </a:p>
-        </p:txBody>
-      </p:sp>
-      <p:sp>
-        <p:nvSpPr>
-          <p:cNvPr id="3" name="Picture Placeholder 2"/>
-          <p:cNvSpPr>
-            <a:spLocks noGrp="1" noChangeAspect="1"/>
+          </a:p>
+        </p:txBody>
+      </p:sp>
+      <p:sp>
+        <p:nvSpPr>
+          <p:cNvPr id="3" name="그림 개체 틀 2">
+            <a:extLst>
+              <a:ext uri="{FF2B5EF4-FFF2-40B4-BE49-F238E27FC236}">
+                <a16:creationId xmlns:a16="http://schemas.microsoft.com/office/drawing/2014/main" id="{4D1ED17F-9A6A-4DFD-9151-C08F33E0F193}"/>
+              </a:ext>
+            </a:extLst>
+          </p:cNvPr>
+          <p:cNvSpPr>
+            <a:spLocks noGrp="1"/>
           </p:cNvSpPr>
           <p:nvPr>
             <p:ph type="pic" idx="1"/>
@@ -5484,37 +2531,12 @@
         </p:nvSpPr>
         <p:spPr>
           <a:xfrm>
-            <a:off x="7424803" y="609601"/>
-            <a:ext cx="3255358" cy="5181600"/>
+            <a:off x="5183188" y="987425"/>
+            <a:ext cx="6172200" cy="4873625"/>
           </a:xfrm>
-          <a:prstGeom prst="roundRect">
-            <a:avLst>
-              <a:gd name="adj" fmla="val 4943"/>
-            </a:avLst>
-          </a:prstGeom>
-          <a:noFill/>
-          <a:ln w="82550" cap="sq">
-            <a:solidFill>
-              <a:srgbClr val="EAEAEA"/>
-            </a:solidFill>
-            <a:miter lim="800000"/>
-          </a:ln>
-          <a:effectLst/>
-          <a:scene3d>
-            <a:camera prst="orthographicFront"/>
-            <a:lightRig rig="threePt" dir="t">
-              <a:rot lat="0" lon="0" rev="2700000"/>
-            </a:lightRig>
-          </a:scene3d>
-          <a:sp3d contourW="6350">
-            <a:bevelT h="38100"/>
-            <a:contourClr>
-              <a:srgbClr val="C0C0C0"/>
-            </a:contourClr>
-          </a:sp3d>
         </p:spPr>
         <p:txBody>
-          <a:bodyPr anchor="t"/>
+          <a:bodyPr/>
           <a:lstStyle>
             <a:lvl1pPr marL="0" indent="0">
               <a:buNone/>
@@ -5554,17 +2576,19 @@
             </a:lvl9pPr>
           </a:lstStyle>
           <a:p>
-            <a:r>
-              <a:rPr lang="ko-KR" altLang="en-US"/>
-              <a:t>그림을 추가하려면 아이콘을 클릭하십시오</a:t>
-            </a:r>
-            <a:endParaRPr lang="en-US" dirty="0"/>
-          </a:p>
-        </p:txBody>
-      </p:sp>
-      <p:sp>
-        <p:nvSpPr>
-          <p:cNvPr id="4" name="Text Placeholder 3"/>
+            <a:endParaRPr lang="ko-KR" altLang="en-US"/>
+          </a:p>
+        </p:txBody>
+      </p:sp>
+      <p:sp>
+        <p:nvSpPr>
+          <p:cNvPr id="4" name="텍스트 개체 틀 3">
+            <a:extLst>
+              <a:ext uri="{FF2B5EF4-FFF2-40B4-BE49-F238E27FC236}">
+                <a16:creationId xmlns:a16="http://schemas.microsoft.com/office/drawing/2014/main" id="{303D0323-8859-4874-B3B7-F7F5A91AFF01}"/>
+              </a:ext>
+            </a:extLst>
+          </p:cNvPr>
           <p:cNvSpPr>
             <a:spLocks noGrp="1"/>
           </p:cNvSpPr>
@@ -5574,14 +2598,14 @@
         </p:nvSpPr>
         <p:spPr>
           <a:xfrm>
-            <a:off x="913794" y="2632852"/>
-            <a:ext cx="5934949" cy="3158347"/>
+            <a:off x="839788" y="2057400"/>
+            <a:ext cx="3932237" cy="3811588"/>
           </a:xfrm>
         </p:spPr>
         <p:txBody>
           <a:bodyPr/>
           <a:lstStyle>
-            <a:lvl1pPr marL="0" indent="0" algn="ctr">
+            <a:lvl1pPr marL="0" indent="0">
               <a:buNone/>
               <a:defRPr sz="1600"/>
             </a:lvl1pPr>
@@ -5629,7 +2653,13 @@
       </p:sp>
       <p:sp>
         <p:nvSpPr>
-          <p:cNvPr id="5" name="Date Placeholder 4"/>
+          <p:cNvPr id="5" name="날짜 개체 틀 4">
+            <a:extLst>
+              <a:ext uri="{FF2B5EF4-FFF2-40B4-BE49-F238E27FC236}">
+                <a16:creationId xmlns:a16="http://schemas.microsoft.com/office/drawing/2014/main" id="{76D3E662-6878-4F1C-AA32-E22D0EB73052}"/>
+              </a:ext>
+            </a:extLst>
+          </p:cNvPr>
           <p:cNvSpPr>
             <a:spLocks noGrp="1"/>
           </p:cNvSpPr>
@@ -5644,7 +2674,7 @@
           <a:p>
             <a:fld id="{9726B004-2BA4-4F9F-9C81-E8C2B4C1763F}" type="datetimeFigureOut">
               <a:rPr lang="ko-KR" altLang="en-US" smtClean="0"/>
-              <a:t>2025-02-17</a:t>
+              <a:t>2025-02-19</a:t>
             </a:fld>
             <a:endParaRPr lang="ko-KR" altLang="en-US"/>
           </a:p>
@@ -5652,7 +2682,13 @@
       </p:sp>
       <p:sp>
         <p:nvSpPr>
-          <p:cNvPr id="6" name="Footer Placeholder 5"/>
+          <p:cNvPr id="6" name="바닥글 개체 틀 5">
+            <a:extLst>
+              <a:ext uri="{FF2B5EF4-FFF2-40B4-BE49-F238E27FC236}">
+                <a16:creationId xmlns:a16="http://schemas.microsoft.com/office/drawing/2014/main" id="{9A94D471-AF55-4B7E-91A5-6D0FCA7C1A0C}"/>
+              </a:ext>
+            </a:extLst>
+          </p:cNvPr>
           <p:cNvSpPr>
             <a:spLocks noGrp="1"/>
           </p:cNvSpPr>
@@ -5671,7 +2707,13 @@
       </p:sp>
       <p:sp>
         <p:nvSpPr>
-          <p:cNvPr id="7" name="Slide Number Placeholder 6"/>
+          <p:cNvPr id="7" name="슬라이드 번호 개체 틀 6">
+            <a:extLst>
+              <a:ext uri="{FF2B5EF4-FFF2-40B4-BE49-F238E27FC236}">
+                <a16:creationId xmlns:a16="http://schemas.microsoft.com/office/drawing/2014/main" id="{AE11AFDF-BFA1-40BC-8383-226786958C78}"/>
+              </a:ext>
+            </a:extLst>
+          </p:cNvPr>
           <p:cNvSpPr>
             <a:spLocks noGrp="1"/>
           </p:cNvSpPr>
@@ -5695,7 +2737,7 @@
     </p:spTree>
     <p:extLst>
       <p:ext uri="{BB962C8B-B14F-4D97-AF65-F5344CB8AC3E}">
-        <p14:creationId xmlns:p14="http://schemas.microsoft.com/office/powerpoint/2010/main" val="3178511096"/>
+        <p14:creationId xmlns:p14="http://schemas.microsoft.com/office/powerpoint/2010/main" val="2310727855"/>
       </p:ext>
     </p:extLst>
   </p:cSld>
@@ -5709,7 +2751,7 @@
 <p:sldMaster xmlns:a="http://schemas.openxmlformats.org/drawingml/2006/main" xmlns:r="http://schemas.openxmlformats.org/officeDocument/2006/relationships" xmlns:p="http://schemas.openxmlformats.org/presentationml/2006/main">
   <p:cSld>
     <p:bg>
-      <p:bgRef idx="1002">
+      <p:bgRef idx="1001">
         <a:schemeClr val="bg1"/>
       </p:bgRef>
     </p:bg>
@@ -5727,51 +2769,15 @@
           <a:chExt cx="0" cy="0"/>
         </a:xfrm>
       </p:grpSpPr>
-      <p:pic>
-        <p:nvPicPr>
-          <p:cNvPr id="1026" name="Picture 2" descr="\\DROBO-FS\QuickDrops\JB\PPTX NG\Droplets\LightingOverlay.png"/>
-          <p:cNvPicPr>
-            <a:picLocks noChangeAspect="1" noChangeArrowheads="1"/>
-          </p:cNvPicPr>
-          <p:nvPr/>
-        </p:nvPicPr>
-        <p:blipFill>
-          <a:blip r:embed="rId20">
-            <a:alphaModFix/>
-            <a:extLst>
-              <a:ext uri="{28A0092B-C50C-407E-A947-70E740481C1C}">
-                <a14:useLocalDpi xmlns:a14="http://schemas.microsoft.com/office/drawing/2010/main" val="0"/>
-              </a:ext>
-            </a:extLst>
-          </a:blip>
-          <a:srcRect/>
-          <a:stretch>
-            <a:fillRect/>
-          </a:stretch>
-        </p:blipFill>
-        <p:spPr bwMode="auto">
-          <a:xfrm>
-            <a:off x="0" y="-1"/>
-            <a:ext cx="12192003" cy="6858001"/>
-          </a:xfrm>
-          <a:prstGeom prst="rect">
-            <a:avLst/>
-          </a:prstGeom>
-          <a:noFill/>
-          <a:extLst>
-            <a:ext uri="{909E8E84-426E-40DD-AFC4-6F175D3DCCD1}">
-              <a14:hiddenFill xmlns:a14="http://schemas.microsoft.com/office/drawing/2010/main">
-                <a:solidFill>
-                  <a:srgbClr val="FFFFFF"/>
-                </a:solidFill>
-              </a14:hiddenFill>
-            </a:ext>
-          </a:extLst>
-        </p:spPr>
-      </p:pic>
-      <p:sp>
-        <p:nvSpPr>
-          <p:cNvPr id="2" name="Title Placeholder 1"/>
+      <p:sp>
+        <p:nvSpPr>
+          <p:cNvPr id="2" name="제목 개체 틀 1">
+            <a:extLst>
+              <a:ext uri="{FF2B5EF4-FFF2-40B4-BE49-F238E27FC236}">
+                <a16:creationId xmlns:a16="http://schemas.microsoft.com/office/drawing/2014/main" id="{C8E45E88-D8D7-4C9A-82BF-51D866A6A72C}"/>
+              </a:ext>
+            </a:extLst>
+          </p:cNvPr>
           <p:cNvSpPr>
             <a:spLocks noGrp="1"/>
           </p:cNvSpPr>
@@ -5781,8 +2787,8 @@
         </p:nvSpPr>
         <p:spPr>
           <a:xfrm>
-            <a:off x="913775" y="618517"/>
-            <a:ext cx="10364451" cy="1596177"/>
+            <a:off x="838200" y="365125"/>
+            <a:ext cx="10515600" cy="1325563"/>
           </a:xfrm>
           <a:prstGeom prst="rect">
             <a:avLst/>
@@ -5798,13 +2804,18 @@
               <a:rPr lang="ko-KR" altLang="en-US"/>
               <a:t>마스터 제목 스타일 편집</a:t>
             </a:r>
-            <a:endParaRPr lang="en-US" dirty="0"/>
-          </a:p>
-        </p:txBody>
-      </p:sp>
-      <p:sp>
-        <p:nvSpPr>
-          <p:cNvPr id="3" name="Text Placeholder 2"/>
+          </a:p>
+        </p:txBody>
+      </p:sp>
+      <p:sp>
+        <p:nvSpPr>
+          <p:cNvPr id="3" name="텍스트 개체 틀 2">
+            <a:extLst>
+              <a:ext uri="{FF2B5EF4-FFF2-40B4-BE49-F238E27FC236}">
+                <a16:creationId xmlns:a16="http://schemas.microsoft.com/office/drawing/2014/main" id="{136F17EA-3AE5-448C-85B5-01DEFAD6961F}"/>
+              </a:ext>
+            </a:extLst>
+          </p:cNvPr>
           <p:cNvSpPr>
             <a:spLocks noGrp="1"/>
           </p:cNvSpPr>
@@ -5814,8 +2825,8 @@
         </p:nvSpPr>
         <p:spPr>
           <a:xfrm>
-            <a:off x="913775" y="2367093"/>
-            <a:ext cx="10364452" cy="3424107"/>
+            <a:off x="838200" y="1825625"/>
+            <a:ext cx="10515600" cy="4351338"/>
           </a:xfrm>
           <a:prstGeom prst="rect">
             <a:avLst/>
@@ -5860,13 +2871,18 @@
               <a:rPr lang="ko-KR" altLang="en-US"/>
               <a:t>다섯째 수준</a:t>
             </a:r>
-            <a:endParaRPr lang="en-US" dirty="0"/>
-          </a:p>
-        </p:txBody>
-      </p:sp>
-      <p:sp>
-        <p:nvSpPr>
-          <p:cNvPr id="4" name="Date Placeholder 3"/>
+          </a:p>
+        </p:txBody>
+      </p:sp>
+      <p:sp>
+        <p:nvSpPr>
+          <p:cNvPr id="4" name="날짜 개체 틀 3">
+            <a:extLst>
+              <a:ext uri="{FF2B5EF4-FFF2-40B4-BE49-F238E27FC236}">
+                <a16:creationId xmlns:a16="http://schemas.microsoft.com/office/drawing/2014/main" id="{AD51545C-C3A5-41E7-AB82-EE998F72CA3F}"/>
+              </a:ext>
+            </a:extLst>
+          </p:cNvPr>
           <p:cNvSpPr>
             <a:spLocks noGrp="1"/>
           </p:cNvSpPr>
@@ -5876,7 +2892,7 @@
         </p:nvSpPr>
         <p:spPr>
           <a:xfrm>
-            <a:off x="7678737" y="5883275"/>
+            <a:off x="838200" y="6356350"/>
             <a:ext cx="2743200" cy="365125"/>
           </a:xfrm>
           <a:prstGeom prst="rect">
@@ -5886,10 +2902,12 @@
         <p:txBody>
           <a:bodyPr vert="horz" lIns="91440" tIns="45720" rIns="91440" bIns="45720" rtlCol="0" anchor="ctr"/>
           <a:lstStyle>
-            <a:lvl1pPr algn="r">
-              <a:defRPr sz="1000">
+            <a:lvl1pPr algn="l">
+              <a:defRPr sz="1200">
                 <a:solidFill>
-                  <a:schemeClr val="tx1"/>
+                  <a:schemeClr val="tx1">
+                    <a:tint val="75000"/>
+                  </a:schemeClr>
                 </a:solidFill>
               </a:defRPr>
             </a:lvl1pPr>
@@ -5897,7 +2915,7 @@
           <a:p>
             <a:fld id="{9726B004-2BA4-4F9F-9C81-E8C2B4C1763F}" type="datetimeFigureOut">
               <a:rPr lang="ko-KR" altLang="en-US" smtClean="0"/>
-              <a:t>2025-02-17</a:t>
+              <a:t>2025-02-19</a:t>
             </a:fld>
             <a:endParaRPr lang="ko-KR" altLang="en-US"/>
           </a:p>
@@ -5905,7 +2923,13 @@
       </p:sp>
       <p:sp>
         <p:nvSpPr>
-          <p:cNvPr id="5" name="Footer Placeholder 4"/>
+          <p:cNvPr id="5" name="바닥글 개체 틀 4">
+            <a:extLst>
+              <a:ext uri="{FF2B5EF4-FFF2-40B4-BE49-F238E27FC236}">
+                <a16:creationId xmlns:a16="http://schemas.microsoft.com/office/drawing/2014/main" id="{9B94CC39-9D93-4EA0-8BCD-3CCCA45FEDA9}"/>
+              </a:ext>
+            </a:extLst>
+          </p:cNvPr>
           <p:cNvSpPr>
             <a:spLocks noGrp="1"/>
           </p:cNvSpPr>
@@ -5915,8 +2939,8 @@
         </p:nvSpPr>
         <p:spPr>
           <a:xfrm>
-            <a:off x="913774" y="5883275"/>
-            <a:ext cx="6672887" cy="365125"/>
+            <a:off x="4038600" y="6356350"/>
+            <a:ext cx="4114800" cy="365125"/>
           </a:xfrm>
           <a:prstGeom prst="rect">
             <a:avLst/>
@@ -5925,10 +2949,12 @@
         <p:txBody>
           <a:bodyPr vert="horz" lIns="91440" tIns="45720" rIns="91440" bIns="45720" rtlCol="0" anchor="ctr"/>
           <a:lstStyle>
-            <a:lvl1pPr algn="l">
-              <a:defRPr sz="1000">
+            <a:lvl1pPr algn="ctr">
+              <a:defRPr sz="1200">
                 <a:solidFill>
-                  <a:schemeClr val="tx1"/>
+                  <a:schemeClr val="tx1">
+                    <a:tint val="75000"/>
+                  </a:schemeClr>
                 </a:solidFill>
               </a:defRPr>
             </a:lvl1pPr>
@@ -5940,7 +2966,13 @@
       </p:sp>
       <p:sp>
         <p:nvSpPr>
-          <p:cNvPr id="6" name="Slide Number Placeholder 5"/>
+          <p:cNvPr id="6" name="슬라이드 번호 개체 틀 5">
+            <a:extLst>
+              <a:ext uri="{FF2B5EF4-FFF2-40B4-BE49-F238E27FC236}">
+                <a16:creationId xmlns:a16="http://schemas.microsoft.com/office/drawing/2014/main" id="{B0A3634C-CC97-47FE-B8DD-F3F27B001D0E}"/>
+              </a:ext>
+            </a:extLst>
+          </p:cNvPr>
           <p:cNvSpPr>
             <a:spLocks noGrp="1"/>
           </p:cNvSpPr>
@@ -5950,8 +2982,8 @@
         </p:nvSpPr>
         <p:spPr>
           <a:xfrm>
-            <a:off x="10514011" y="5883275"/>
-            <a:ext cx="764215" cy="365125"/>
+            <a:off x="8610600" y="6356350"/>
+            <a:ext cx="2743200" cy="365125"/>
           </a:xfrm>
           <a:prstGeom prst="rect">
             <a:avLst/>
@@ -5961,9 +2993,11 @@
           <a:bodyPr vert="horz" lIns="91440" tIns="45720" rIns="91440" bIns="45720" rtlCol="0" anchor="ctr"/>
           <a:lstStyle>
             <a:lvl1pPr algn="r">
-              <a:defRPr sz="1000">
+              <a:defRPr sz="1200">
                 <a:solidFill>
-                  <a:schemeClr val="tx1"/>
+                  <a:schemeClr val="tx1">
+                    <a:tint val="75000"/>
+                  </a:schemeClr>
                 </a:solidFill>
               </a:defRPr>
             </a:lvl1pPr>
@@ -5980,34 +3014,27 @@
     </p:spTree>
     <p:extLst>
       <p:ext uri="{BB962C8B-B14F-4D97-AF65-F5344CB8AC3E}">
-        <p14:creationId xmlns:p14="http://schemas.microsoft.com/office/powerpoint/2010/main" val="3027631271"/>
+        <p14:creationId xmlns:p14="http://schemas.microsoft.com/office/powerpoint/2010/main" val="3917911081"/>
       </p:ext>
     </p:extLst>
   </p:cSld>
   <p:clrMap bg1="lt1" tx1="dk1" bg2="lt2" tx2="dk2" accent1="accent1" accent2="accent2" accent3="accent3" accent4="accent4" accent5="accent5" accent6="accent6" hlink="hlink" folHlink="folHlink"/>
   <p:sldLayoutIdLst>
-    <p:sldLayoutId id="2147483661" r:id="rId1"/>
-    <p:sldLayoutId id="2147483662" r:id="rId2"/>
-    <p:sldLayoutId id="2147483663" r:id="rId3"/>
-    <p:sldLayoutId id="2147483664" r:id="rId4"/>
-    <p:sldLayoutId id="2147483665" r:id="rId5"/>
-    <p:sldLayoutId id="2147483666" r:id="rId6"/>
-    <p:sldLayoutId id="2147483667" r:id="rId7"/>
-    <p:sldLayoutId id="2147483668" r:id="rId8"/>
-    <p:sldLayoutId id="2147483669" r:id="rId9"/>
-    <p:sldLayoutId id="2147483670" r:id="rId10"/>
-    <p:sldLayoutId id="2147483671" r:id="rId11"/>
-    <p:sldLayoutId id="2147483672" r:id="rId12"/>
-    <p:sldLayoutId id="2147483673" r:id="rId13"/>
-    <p:sldLayoutId id="2147483674" r:id="rId14"/>
-    <p:sldLayoutId id="2147483675" r:id="rId15"/>
-    <p:sldLayoutId id="2147483676" r:id="rId16"/>
-    <p:sldLayoutId id="2147483677" r:id="rId17"/>
-    <p:sldLayoutId id="2147483678" r:id="rId18"/>
+    <p:sldLayoutId id="2147483680" r:id="rId1"/>
+    <p:sldLayoutId id="2147483681" r:id="rId2"/>
+    <p:sldLayoutId id="2147483682" r:id="rId3"/>
+    <p:sldLayoutId id="2147483683" r:id="rId4"/>
+    <p:sldLayoutId id="2147483684" r:id="rId5"/>
+    <p:sldLayoutId id="2147483685" r:id="rId6"/>
+    <p:sldLayoutId id="2147483686" r:id="rId7"/>
+    <p:sldLayoutId id="2147483687" r:id="rId8"/>
+    <p:sldLayoutId id="2147483688" r:id="rId9"/>
+    <p:sldLayoutId id="2147483689" r:id="rId10"/>
+    <p:sldLayoutId id="2147483690" r:id="rId11"/>
   </p:sldLayoutIdLst>
   <p:txStyles>
     <p:titleStyle>
-      <a:lvl1pPr algn="ctr" defTabSz="914400" rtl="0" eaLnBrk="1" latinLnBrk="1" hangingPunct="1">
+      <a:lvl1pPr algn="l" defTabSz="914400" rtl="0" eaLnBrk="1" latinLnBrk="1" hangingPunct="1">
         <a:lnSpc>
           <a:spcPct val="90000"/>
         </a:lnSpc>
@@ -6015,11 +3042,10 @@
           <a:spcPct val="0"/>
         </a:spcBef>
         <a:buNone/>
-        <a:defRPr sz="3600" kern="1200" cap="all" baseline="0">
+        <a:defRPr sz="4400" kern="1200">
           <a:solidFill>
             <a:schemeClr val="tx1"/>
           </a:solidFill>
-          <a:effectLst/>
           <a:latin typeface="+mj-lt"/>
           <a:ea typeface="+mj-ea"/>
           <a:cs typeface="+mj-cs"/>
@@ -6029,21 +3055,17 @@
     <p:bodyStyle>
       <a:lvl1pPr marL="228600" indent="-228600" algn="l" defTabSz="914400" rtl="0" eaLnBrk="1" latinLnBrk="1" hangingPunct="1">
         <a:lnSpc>
-          <a:spcPct val="120000"/>
+          <a:spcPct val="90000"/>
         </a:lnSpc>
         <a:spcBef>
           <a:spcPts val="1000"/>
         </a:spcBef>
-        <a:buClr>
-          <a:schemeClr val="tx1"/>
-        </a:buClr>
         <a:buFont typeface="Arial" panose="020B0604020202020204" pitchFamily="34" charset="0"/>
         <a:buChar char="•"/>
-        <a:defRPr sz="2000" kern="1200" cap="all" baseline="0">
+        <a:defRPr sz="2800" kern="1200">
           <a:solidFill>
             <a:schemeClr val="tx1"/>
           </a:solidFill>
-          <a:effectLst/>
           <a:latin typeface="+mn-lt"/>
           <a:ea typeface="+mn-ea"/>
           <a:cs typeface="+mn-cs"/>
@@ -6051,21 +3073,17 @@
       </a:lvl1pPr>
       <a:lvl2pPr marL="685800" indent="-228600" algn="l" defTabSz="914400" rtl="0" eaLnBrk="1" latinLnBrk="1" hangingPunct="1">
         <a:lnSpc>
-          <a:spcPct val="120000"/>
+          <a:spcPct val="90000"/>
         </a:lnSpc>
         <a:spcBef>
           <a:spcPts val="500"/>
         </a:spcBef>
-        <a:buClr>
-          <a:schemeClr val="tx1"/>
-        </a:buClr>
         <a:buFont typeface="Arial" panose="020B0604020202020204" pitchFamily="34" charset="0"/>
         <a:buChar char="•"/>
-        <a:defRPr sz="1800" kern="1200" cap="all" baseline="0">
+        <a:defRPr sz="2400" kern="1200">
           <a:solidFill>
             <a:schemeClr val="tx1"/>
           </a:solidFill>
-          <a:effectLst/>
           <a:latin typeface="+mn-lt"/>
           <a:ea typeface="+mn-ea"/>
           <a:cs typeface="+mn-cs"/>
@@ -6073,21 +3091,17 @@
       </a:lvl2pPr>
       <a:lvl3pPr marL="1143000" indent="-228600" algn="l" defTabSz="914400" rtl="0" eaLnBrk="1" latinLnBrk="1" hangingPunct="1">
         <a:lnSpc>
-          <a:spcPct val="120000"/>
+          <a:spcPct val="90000"/>
         </a:lnSpc>
         <a:spcBef>
           <a:spcPts val="500"/>
         </a:spcBef>
-        <a:buClr>
-          <a:schemeClr val="tx1"/>
-        </a:buClr>
         <a:buFont typeface="Arial" panose="020B0604020202020204" pitchFamily="34" charset="0"/>
         <a:buChar char="•"/>
-        <a:defRPr sz="1600" kern="1200" cap="all" baseline="0">
+        <a:defRPr sz="2000" kern="1200">
           <a:solidFill>
             <a:schemeClr val="tx1"/>
           </a:solidFill>
-          <a:effectLst/>
           <a:latin typeface="+mn-lt"/>
           <a:ea typeface="+mn-ea"/>
           <a:cs typeface="+mn-cs"/>
@@ -6095,21 +3109,17 @@
       </a:lvl3pPr>
       <a:lvl4pPr marL="1600200" indent="-228600" algn="l" defTabSz="914400" rtl="0" eaLnBrk="1" latinLnBrk="1" hangingPunct="1">
         <a:lnSpc>
-          <a:spcPct val="120000"/>
+          <a:spcPct val="90000"/>
         </a:lnSpc>
         <a:spcBef>
           <a:spcPts val="500"/>
         </a:spcBef>
-        <a:buClr>
-          <a:schemeClr val="tx1"/>
-        </a:buClr>
         <a:buFont typeface="Arial" panose="020B0604020202020204" pitchFamily="34" charset="0"/>
         <a:buChar char="•"/>
-        <a:defRPr sz="1400" kern="1200" cap="all" baseline="0">
+        <a:defRPr sz="1800" kern="1200">
           <a:solidFill>
             <a:schemeClr val="tx1"/>
           </a:solidFill>
-          <a:effectLst/>
           <a:latin typeface="+mn-lt"/>
           <a:ea typeface="+mn-ea"/>
           <a:cs typeface="+mn-cs"/>
@@ -6117,21 +3127,17 @@
       </a:lvl4pPr>
       <a:lvl5pPr marL="2057400" indent="-228600" algn="l" defTabSz="914400" rtl="0" eaLnBrk="1" latinLnBrk="1" hangingPunct="1">
         <a:lnSpc>
-          <a:spcPct val="120000"/>
+          <a:spcPct val="90000"/>
         </a:lnSpc>
         <a:spcBef>
           <a:spcPts val="500"/>
         </a:spcBef>
-        <a:buClr>
-          <a:schemeClr val="tx1"/>
-        </a:buClr>
         <a:buFont typeface="Arial" panose="020B0604020202020204" pitchFamily="34" charset="0"/>
         <a:buChar char="•"/>
-        <a:defRPr sz="1400" kern="1200" cap="all" baseline="0">
+        <a:defRPr sz="1800" kern="1200">
           <a:solidFill>
             <a:schemeClr val="tx1"/>
           </a:solidFill>
-          <a:effectLst/>
           <a:latin typeface="+mn-lt"/>
           <a:ea typeface="+mn-ea"/>
           <a:cs typeface="+mn-cs"/>
@@ -6139,21 +3145,17 @@
       </a:lvl5pPr>
       <a:lvl6pPr marL="2514600" indent="-228600" algn="l" defTabSz="914400" rtl="0" eaLnBrk="1" latinLnBrk="1" hangingPunct="1">
         <a:lnSpc>
-          <a:spcPct val="120000"/>
+          <a:spcPct val="90000"/>
         </a:lnSpc>
         <a:spcBef>
           <a:spcPts val="500"/>
         </a:spcBef>
-        <a:buClr>
-          <a:schemeClr val="tx1"/>
-        </a:buClr>
         <a:buFont typeface="Arial" panose="020B0604020202020204" pitchFamily="34" charset="0"/>
         <a:buChar char="•"/>
-        <a:defRPr sz="1400" kern="1200" cap="all" baseline="0">
+        <a:defRPr sz="1800" kern="1200">
           <a:solidFill>
             <a:schemeClr val="tx1"/>
           </a:solidFill>
-          <a:effectLst/>
           <a:latin typeface="+mn-lt"/>
           <a:ea typeface="+mn-ea"/>
           <a:cs typeface="+mn-cs"/>
@@ -6161,21 +3163,17 @@
       </a:lvl6pPr>
       <a:lvl7pPr marL="2971800" indent="-228600" algn="l" defTabSz="914400" rtl="0" eaLnBrk="1" latinLnBrk="1" hangingPunct="1">
         <a:lnSpc>
-          <a:spcPct val="120000"/>
+          <a:spcPct val="90000"/>
         </a:lnSpc>
         <a:spcBef>
           <a:spcPts val="500"/>
         </a:spcBef>
-        <a:buClr>
-          <a:schemeClr val="tx1"/>
-        </a:buClr>
         <a:buFont typeface="Arial" panose="020B0604020202020204" pitchFamily="34" charset="0"/>
         <a:buChar char="•"/>
-        <a:defRPr sz="1400" kern="1200" cap="all" baseline="0">
+        <a:defRPr sz="1800" kern="1200">
           <a:solidFill>
             <a:schemeClr val="tx1"/>
           </a:solidFill>
-          <a:effectLst/>
           <a:latin typeface="+mn-lt"/>
           <a:ea typeface="+mn-ea"/>
           <a:cs typeface="+mn-cs"/>
@@ -6183,21 +3181,17 @@
       </a:lvl7pPr>
       <a:lvl8pPr marL="3429000" indent="-228600" algn="l" defTabSz="914400" rtl="0" eaLnBrk="1" latinLnBrk="1" hangingPunct="1">
         <a:lnSpc>
-          <a:spcPct val="120000"/>
+          <a:spcPct val="90000"/>
         </a:lnSpc>
         <a:spcBef>
           <a:spcPts val="500"/>
         </a:spcBef>
-        <a:buClr>
-          <a:schemeClr val="tx1"/>
-        </a:buClr>
         <a:buFont typeface="Arial" panose="020B0604020202020204" pitchFamily="34" charset="0"/>
         <a:buChar char="•"/>
-        <a:defRPr sz="1400" kern="1200" cap="all" baseline="0">
+        <a:defRPr sz="1800" kern="1200">
           <a:solidFill>
             <a:schemeClr val="tx1"/>
           </a:solidFill>
-          <a:effectLst/>
           <a:latin typeface="+mn-lt"/>
           <a:ea typeface="+mn-ea"/>
           <a:cs typeface="+mn-cs"/>
@@ -6205,21 +3199,17 @@
       </a:lvl8pPr>
       <a:lvl9pPr marL="3886200" indent="-228600" algn="l" defTabSz="914400" rtl="0" eaLnBrk="1" latinLnBrk="1" hangingPunct="1">
         <a:lnSpc>
-          <a:spcPct val="120000"/>
+          <a:spcPct val="90000"/>
         </a:lnSpc>
         <a:spcBef>
           <a:spcPts val="500"/>
         </a:spcBef>
-        <a:buClr>
-          <a:schemeClr val="tx1"/>
-        </a:buClr>
         <a:buFont typeface="Arial" panose="020B0604020202020204" pitchFamily="34" charset="0"/>
         <a:buChar char="•"/>
-        <a:defRPr sz="1400" kern="1200" cap="all" baseline="0">
+        <a:defRPr sz="1800" kern="1200">
           <a:solidFill>
             <a:schemeClr val="tx1"/>
           </a:solidFill>
-          <a:effectLst/>
           <a:latin typeface="+mn-lt"/>
           <a:ea typeface="+mn-ea"/>
           <a:cs typeface="+mn-cs"/>
@@ -6228,7 +3218,7 @@
     </p:bodyStyle>
     <p:otherStyle>
       <a:defPPr>
-        <a:defRPr lang="en-US"/>
+        <a:defRPr lang="ko-KR"/>
       </a:defPPr>
       <a:lvl1pPr marL="0" algn="l" defTabSz="914400" rtl="0" eaLnBrk="1" latinLnBrk="1" hangingPunct="1">
         <a:defRPr sz="1800" kern="1200">
@@ -6396,7 +3386,7 @@
         <p:spPr/>
         <p:txBody>
           <a:bodyPr>
-            <a:normAutofit fontScale="77500" lnSpcReduction="20000"/>
+            <a:normAutofit/>
           </a:bodyPr>
           <a:lstStyle/>
           <a:p>
@@ -9613,9 +6603,9 @@
 </file>
 
 <file path=ppt/theme/theme1.xml><?xml version="1.0" encoding="utf-8"?>
-<a:theme xmlns:a="http://schemas.openxmlformats.org/drawingml/2006/main" name="물방울">
+<a:theme xmlns:a="http://schemas.openxmlformats.org/drawingml/2006/main" name="Office 테마">
   <a:themeElements>
-    <a:clrScheme name="물방울">
+    <a:clrScheme name="Office">
       <a:dk1>
         <a:sysClr val="windowText" lastClr="000000"/>
       </a:dk1>
@@ -9623,44 +6613,44 @@
         <a:sysClr val="window" lastClr="FFFFFF"/>
       </a:lt1>
       <a:dk2>
-        <a:srgbClr val="355071"/>
+        <a:srgbClr val="44546A"/>
       </a:dk2>
       <a:lt2>
-        <a:srgbClr val="AABED7"/>
+        <a:srgbClr val="E7E6E6"/>
       </a:lt2>
       <a:accent1>
-        <a:srgbClr val="2FA3EE"/>
+        <a:srgbClr val="4472C4"/>
       </a:accent1>
       <a:accent2>
-        <a:srgbClr val="4BCAAD"/>
+        <a:srgbClr val="ED7D31"/>
       </a:accent2>
       <a:accent3>
-        <a:srgbClr val="86C157"/>
+        <a:srgbClr val="A5A5A5"/>
       </a:accent3>
       <a:accent4>
-        <a:srgbClr val="D99C3F"/>
+        <a:srgbClr val="FFC000"/>
       </a:accent4>
       <a:accent5>
-        <a:srgbClr val="CE6633"/>
+        <a:srgbClr val="5B9BD5"/>
       </a:accent5>
       <a:accent6>
-        <a:srgbClr val="A35DD1"/>
+        <a:srgbClr val="70AD47"/>
       </a:accent6>
       <a:hlink>
-        <a:srgbClr val="56BCFE"/>
+        <a:srgbClr val="0563C1"/>
       </a:hlink>
       <a:folHlink>
-        <a:srgbClr val="97C5E3"/>
+        <a:srgbClr val="954F72"/>
       </a:folHlink>
     </a:clrScheme>
-    <a:fontScheme name="물방울">
+    <a:fontScheme name="Office">
       <a:majorFont>
-        <a:latin typeface="Tw Cen MT" panose="020B0602020104020603"/>
+        <a:latin typeface="맑은 고딕" panose="020F0302020204030204"/>
         <a:ea typeface=""/>
         <a:cs typeface=""/>
-        <a:font script="Jpan" typeface="ＭＳ Ｐゴシック"/>
+        <a:font script="Jpan" typeface="游ゴシック Light"/>
         <a:font script="Hang" typeface="맑은 고딕"/>
-        <a:font script="Hans" typeface="宋体"/>
+        <a:font script="Hans" typeface="等线 Light"/>
         <a:font script="Hant" typeface="新細明體"/>
         <a:font script="Arab" typeface="Times New Roman"/>
         <a:font script="Hebr" typeface="Times New Roman"/>
@@ -9688,14 +6678,31 @@
         <a:font script="Viet" typeface="Times New Roman"/>
         <a:font script="Uigh" typeface="Microsoft Uighur"/>
         <a:font script="Geor" typeface="Sylfaen"/>
+        <a:font script="Armn" typeface="Arial"/>
+        <a:font script="Bugi" typeface="Leelawadee UI"/>
+        <a:font script="Bopo" typeface="Microsoft JhengHei"/>
+        <a:font script="Java" typeface="Javanese Text"/>
+        <a:font script="Lisu" typeface="Segoe UI"/>
+        <a:font script="Mymr" typeface="Myanmar Text"/>
+        <a:font script="Nkoo" typeface="Ebrima"/>
+        <a:font script="Olck" typeface="Nirmala UI"/>
+        <a:font script="Osma" typeface="Ebrima"/>
+        <a:font script="Phag" typeface="Phagspa"/>
+        <a:font script="Syrn" typeface="Estrangelo Edessa"/>
+        <a:font script="Syrj" typeface="Estrangelo Edessa"/>
+        <a:font script="Syre" typeface="Estrangelo Edessa"/>
+        <a:font script="Sora" typeface="Nirmala UI"/>
+        <a:font script="Tale" typeface="Microsoft Tai Le"/>
+        <a:font script="Talu" typeface="Microsoft New Tai Lue"/>
+        <a:font script="Tfng" typeface="Ebrima"/>
       </a:majorFont>
       <a:minorFont>
-        <a:latin typeface="Tw Cen MT" panose="020B0602020104020603"/>
+        <a:latin typeface="맑은 고딕" panose="020F0502020204030204"/>
         <a:ea typeface=""/>
         <a:cs typeface=""/>
-        <a:font script="Jpan" typeface="ＭＳ Ｐゴシック"/>
+        <a:font script="Jpan" typeface="游ゴシック"/>
         <a:font script="Hang" typeface="맑은 고딕"/>
-        <a:font script="Hans" typeface="宋体"/>
+        <a:font script="Hans" typeface="等线"/>
         <a:font script="Hant" typeface="新細明體"/>
         <a:font script="Arab" typeface="Arial"/>
         <a:font script="Hebr" typeface="Arial"/>
@@ -9723,105 +6730,27 @@
         <a:font script="Viet" typeface="Arial"/>
         <a:font script="Uigh" typeface="Microsoft Uighur"/>
         <a:font script="Geor" typeface="Sylfaen"/>
+        <a:font script="Armn" typeface="Arial"/>
+        <a:font script="Bugi" typeface="Leelawadee UI"/>
+        <a:font script="Bopo" typeface="Microsoft JhengHei"/>
+        <a:font script="Java" typeface="Javanese Text"/>
+        <a:font script="Lisu" typeface="Segoe UI"/>
+        <a:font script="Mymr" typeface="Myanmar Text"/>
+        <a:font script="Nkoo" typeface="Ebrima"/>
+        <a:font script="Olck" typeface="Nirmala UI"/>
+        <a:font script="Osma" typeface="Ebrima"/>
+        <a:font script="Phag" typeface="Phagspa"/>
+        <a:font script="Syrn" typeface="Estrangelo Edessa"/>
+        <a:font script="Syrj" typeface="Estrangelo Edessa"/>
+        <a:font script="Syre" typeface="Estrangelo Edessa"/>
+        <a:font script="Sora" typeface="Nirmala UI"/>
+        <a:font script="Tale" typeface="Microsoft Tai Le"/>
+        <a:font script="Talu" typeface="Microsoft New Tai Lue"/>
+        <a:font script="Tfng" typeface="Ebrima"/>
       </a:minorFont>
     </a:fontScheme>
-    <a:fmtScheme name="물방울">
+    <a:fmtScheme name="Office">
       <a:fillStyleLst>
-        <a:solidFill>
-          <a:schemeClr val="phClr"/>
-        </a:solidFill>
-        <a:solidFill>
-          <a:schemeClr val="phClr">
-            <a:tint val="69000"/>
-            <a:satMod val="105000"/>
-            <a:lumMod val="110000"/>
-          </a:schemeClr>
-        </a:solidFill>
-        <a:gradFill rotWithShape="1">
-          <a:gsLst>
-            <a:gs pos="0">
-              <a:schemeClr val="phClr">
-                <a:tint val="94000"/>
-                <a:satMod val="100000"/>
-                <a:lumMod val="108000"/>
-              </a:schemeClr>
-            </a:gs>
-            <a:gs pos="50000">
-              <a:schemeClr val="phClr">
-                <a:tint val="98000"/>
-                <a:shade val="100000"/>
-                <a:satMod val="100000"/>
-                <a:lumMod val="100000"/>
-              </a:schemeClr>
-            </a:gs>
-            <a:gs pos="100000">
-              <a:schemeClr val="phClr">
-                <a:shade val="72000"/>
-                <a:satMod val="120000"/>
-                <a:lumMod val="100000"/>
-              </a:schemeClr>
-            </a:gs>
-          </a:gsLst>
-          <a:lin ang="5400000" scaled="0"/>
-        </a:gradFill>
-      </a:fillStyleLst>
-      <a:lnStyleLst>
-        <a:ln w="9525" cap="flat" cmpd="sng" algn="ctr">
-          <a:solidFill>
-            <a:schemeClr val="phClr">
-              <a:shade val="60000"/>
-            </a:schemeClr>
-          </a:solidFill>
-          <a:prstDash val="solid"/>
-        </a:ln>
-        <a:ln w="15875" cap="flat" cmpd="sng" algn="ctr">
-          <a:solidFill>
-            <a:schemeClr val="phClr"/>
-          </a:solidFill>
-          <a:prstDash val="solid"/>
-        </a:ln>
-        <a:ln w="22225" cap="flat" cmpd="sng" algn="ctr">
-          <a:solidFill>
-            <a:schemeClr val="phClr"/>
-          </a:solidFill>
-          <a:prstDash val="solid"/>
-        </a:ln>
-      </a:lnStyleLst>
-      <a:effectStyleLst>
-        <a:effectStyle>
-          <a:effectLst/>
-        </a:effectStyle>
-        <a:effectStyle>
-          <a:effectLst>
-            <a:outerShdw blurRad="50800" dist="25400" dir="5400000" rotWithShape="0">
-              <a:srgbClr val="000000">
-                <a:alpha val="28000"/>
-              </a:srgbClr>
-            </a:outerShdw>
-          </a:effectLst>
-        </a:effectStyle>
-        <a:effectStyle>
-          <a:effectLst>
-            <a:outerShdw blurRad="63500" dist="25400" dir="5400000" algn="ctr" rotWithShape="0">
-              <a:srgbClr val="000000">
-                <a:alpha val="69000"/>
-              </a:srgbClr>
-            </a:outerShdw>
-          </a:effectLst>
-          <a:scene3d>
-            <a:camera prst="orthographicFront">
-              <a:rot lat="0" lon="0" rev="0"/>
-            </a:camera>
-            <a:lightRig rig="balanced" dir="t">
-              <a:rot lat="0" lon="0" rev="1200000"/>
-            </a:lightRig>
-          </a:scene3d>
-          <a:sp3d prstMaterial="plastic">
-            <a:bevelT w="25400" h="25400"/>
-          </a:sp3d>
-        </a:effectStyle>
-      </a:effectStyleLst>
-      <a:bgFillStyleLst>
         <a:solidFill>
           <a:schemeClr val="phClr"/>
         </a:solidFill>
@@ -9829,14 +6758,23 @@
           <a:gsLst>
             <a:gs pos="0">
               <a:schemeClr val="phClr">
-                <a:tint val="90000"/>
                 <a:lumMod val="110000"/>
+                <a:satMod val="105000"/>
+                <a:tint val="67000"/>
+              </a:schemeClr>
+            </a:gs>
+            <a:gs pos="50000">
+              <a:schemeClr val="phClr">
+                <a:lumMod val="105000"/>
+                <a:satMod val="103000"/>
+                <a:tint val="73000"/>
               </a:schemeClr>
             </a:gs>
             <a:gs pos="100000">
               <a:schemeClr val="phClr">
-                <a:shade val="64000"/>
-                <a:lumMod val="88000"/>
+                <a:lumMod val="105000"/>
+                <a:satMod val="109000"/>
+                <a:tint val="81000"/>
               </a:schemeClr>
             </a:gs>
           </a:gsLst>
@@ -9846,18 +6784,101 @@
           <a:gsLst>
             <a:gs pos="0">
               <a:schemeClr val="phClr">
-                <a:tint val="84000"/>
+                <a:satMod val="103000"/>
+                <a:lumMod val="102000"/>
+                <a:tint val="94000"/>
+              </a:schemeClr>
+            </a:gs>
+            <a:gs pos="50000">
+              <a:schemeClr val="phClr">
+                <a:satMod val="110000"/>
+                <a:lumMod val="100000"/>
                 <a:shade val="100000"/>
-                <a:hueMod val="130000"/>
-                <a:satMod val="150000"/>
-                <a:lumMod val="112000"/>
               </a:schemeClr>
             </a:gs>
             <a:gs pos="100000">
               <a:schemeClr val="phClr">
-                <a:shade val="92000"/>
-                <a:satMod val="140000"/>
-                <a:lumMod val="110000"/>
+                <a:lumMod val="99000"/>
+                <a:satMod val="120000"/>
+                <a:shade val="78000"/>
+              </a:schemeClr>
+            </a:gs>
+          </a:gsLst>
+          <a:lin ang="5400000" scaled="0"/>
+        </a:gradFill>
+      </a:fillStyleLst>
+      <a:lnStyleLst>
+        <a:ln w="6350" cap="flat" cmpd="sng" algn="ctr">
+          <a:solidFill>
+            <a:schemeClr val="phClr"/>
+          </a:solidFill>
+          <a:prstDash val="solid"/>
+          <a:miter lim="800000"/>
+        </a:ln>
+        <a:ln w="12700" cap="flat" cmpd="sng" algn="ctr">
+          <a:solidFill>
+            <a:schemeClr val="phClr"/>
+          </a:solidFill>
+          <a:prstDash val="solid"/>
+          <a:miter lim="800000"/>
+        </a:ln>
+        <a:ln w="19050" cap="flat" cmpd="sng" algn="ctr">
+          <a:solidFill>
+            <a:schemeClr val="phClr"/>
+          </a:solidFill>
+          <a:prstDash val="solid"/>
+          <a:miter lim="800000"/>
+        </a:ln>
+      </a:lnStyleLst>
+      <a:effectStyleLst>
+        <a:effectStyle>
+          <a:effectLst/>
+        </a:effectStyle>
+        <a:effectStyle>
+          <a:effectLst/>
+        </a:effectStyle>
+        <a:effectStyle>
+          <a:effectLst>
+            <a:outerShdw blurRad="57150" dist="19050" dir="5400000" algn="ctr" rotWithShape="0">
+              <a:srgbClr val="000000">
+                <a:alpha val="63000"/>
+              </a:srgbClr>
+            </a:outerShdw>
+          </a:effectLst>
+        </a:effectStyle>
+      </a:effectStyleLst>
+      <a:bgFillStyleLst>
+        <a:solidFill>
+          <a:schemeClr val="phClr"/>
+        </a:solidFill>
+        <a:solidFill>
+          <a:schemeClr val="phClr">
+            <a:tint val="95000"/>
+            <a:satMod val="170000"/>
+          </a:schemeClr>
+        </a:solidFill>
+        <a:gradFill rotWithShape="1">
+          <a:gsLst>
+            <a:gs pos="0">
+              <a:schemeClr val="phClr">
+                <a:tint val="93000"/>
+                <a:satMod val="150000"/>
+                <a:shade val="98000"/>
+                <a:lumMod val="102000"/>
+              </a:schemeClr>
+            </a:gs>
+            <a:gs pos="50000">
+              <a:schemeClr val="phClr">
+                <a:tint val="98000"/>
+                <a:satMod val="130000"/>
+                <a:shade val="90000"/>
+                <a:lumMod val="103000"/>
+              </a:schemeClr>
+            </a:gs>
+            <a:gs pos="100000">
+              <a:schemeClr val="phClr">
+                <a:shade val="63000"/>
+                <a:satMod val="120000"/>
               </a:schemeClr>
             </a:gs>
           </a:gsLst>
@@ -9870,7 +6891,7 @@
   <a:extraClrSchemeLst/>
   <a:extLst>
     <a:ext uri="{05A4C25C-085E-4340-85A3-A5531E510DB2}">
-      <thm15:themeFamily xmlns:thm15="http://schemas.microsoft.com/office/thememl/2012/main" name="Droplet" id="{8984A317-299A-4E50-B45D-BFC9EDE2337A}" vid="{A633B6A3-9E7F-4C10-9C98-2517A3134361}"/>
+      <thm15:themeFamily xmlns:thm15="http://schemas.microsoft.com/office/thememl/2012/main" name="Office Theme" id="{62F939B6-93AF-4DB8-9C6B-D6C7DFDC589F}" vid="{4A3C46E8-61CC-4603-A589-7422A47A8E4A}"/>
     </a:ext>
   </a:extLst>
 </a:theme>

--- a/프로젝트 문서/기획서.pptx
+++ b/프로젝트 문서/기획서.pptx
@@ -265,7 +265,7 @@
           <a:p>
             <a:fld id="{9726B004-2BA4-4F9F-9C81-E8C2B4C1763F}" type="datetimeFigureOut">
               <a:rPr lang="ko-KR" altLang="en-US" smtClean="0"/>
-              <a:t>2025-02-19</a:t>
+              <a:t>2025-02-20</a:t>
             </a:fld>
             <a:endParaRPr lang="ko-KR" altLang="en-US"/>
           </a:p>
@@ -463,7 +463,7 @@
           <a:p>
             <a:fld id="{9726B004-2BA4-4F9F-9C81-E8C2B4C1763F}" type="datetimeFigureOut">
               <a:rPr lang="ko-KR" altLang="en-US" smtClean="0"/>
-              <a:t>2025-02-19</a:t>
+              <a:t>2025-02-20</a:t>
             </a:fld>
             <a:endParaRPr lang="ko-KR" altLang="en-US"/>
           </a:p>
@@ -671,7 +671,7 @@
           <a:p>
             <a:fld id="{9726B004-2BA4-4F9F-9C81-E8C2B4C1763F}" type="datetimeFigureOut">
               <a:rPr lang="ko-KR" altLang="en-US" smtClean="0"/>
-              <a:t>2025-02-19</a:t>
+              <a:t>2025-02-20</a:t>
             </a:fld>
             <a:endParaRPr lang="ko-KR" altLang="en-US"/>
           </a:p>
@@ -869,7 +869,7 @@
           <a:p>
             <a:fld id="{9726B004-2BA4-4F9F-9C81-E8C2B4C1763F}" type="datetimeFigureOut">
               <a:rPr lang="ko-KR" altLang="en-US" smtClean="0"/>
-              <a:t>2025-02-19</a:t>
+              <a:t>2025-02-20</a:t>
             </a:fld>
             <a:endParaRPr lang="ko-KR" altLang="en-US"/>
           </a:p>
@@ -1144,7 +1144,7 @@
           <a:p>
             <a:fld id="{9726B004-2BA4-4F9F-9C81-E8C2B4C1763F}" type="datetimeFigureOut">
               <a:rPr lang="ko-KR" altLang="en-US" smtClean="0"/>
-              <a:t>2025-02-19</a:t>
+              <a:t>2025-02-20</a:t>
             </a:fld>
             <a:endParaRPr lang="ko-KR" altLang="en-US"/>
           </a:p>
@@ -1409,7 +1409,7 @@
           <a:p>
             <a:fld id="{9726B004-2BA4-4F9F-9C81-E8C2B4C1763F}" type="datetimeFigureOut">
               <a:rPr lang="ko-KR" altLang="en-US" smtClean="0"/>
-              <a:t>2025-02-19</a:t>
+              <a:t>2025-02-20</a:t>
             </a:fld>
             <a:endParaRPr lang="ko-KR" altLang="en-US"/>
           </a:p>
@@ -1821,7 +1821,7 @@
           <a:p>
             <a:fld id="{9726B004-2BA4-4F9F-9C81-E8C2B4C1763F}" type="datetimeFigureOut">
               <a:rPr lang="ko-KR" altLang="en-US" smtClean="0"/>
-              <a:t>2025-02-19</a:t>
+              <a:t>2025-02-20</a:t>
             </a:fld>
             <a:endParaRPr lang="ko-KR" altLang="en-US"/>
           </a:p>
@@ -1962,7 +1962,7 @@
           <a:p>
             <a:fld id="{9726B004-2BA4-4F9F-9C81-E8C2B4C1763F}" type="datetimeFigureOut">
               <a:rPr lang="ko-KR" altLang="en-US" smtClean="0"/>
-              <a:t>2025-02-19</a:t>
+              <a:t>2025-02-20</a:t>
             </a:fld>
             <a:endParaRPr lang="ko-KR" altLang="en-US"/>
           </a:p>
@@ -2075,7 +2075,7 @@
           <a:p>
             <a:fld id="{9726B004-2BA4-4F9F-9C81-E8C2B4C1763F}" type="datetimeFigureOut">
               <a:rPr lang="ko-KR" altLang="en-US" smtClean="0"/>
-              <a:t>2025-02-19</a:t>
+              <a:t>2025-02-20</a:t>
             </a:fld>
             <a:endParaRPr lang="ko-KR" altLang="en-US"/>
           </a:p>
@@ -2386,7 +2386,7 @@
           <a:p>
             <a:fld id="{9726B004-2BA4-4F9F-9C81-E8C2B4C1763F}" type="datetimeFigureOut">
               <a:rPr lang="ko-KR" altLang="en-US" smtClean="0"/>
-              <a:t>2025-02-19</a:t>
+              <a:t>2025-02-20</a:t>
             </a:fld>
             <a:endParaRPr lang="ko-KR" altLang="en-US"/>
           </a:p>
@@ -2674,7 +2674,7 @@
           <a:p>
             <a:fld id="{9726B004-2BA4-4F9F-9C81-E8C2B4C1763F}" type="datetimeFigureOut">
               <a:rPr lang="ko-KR" altLang="en-US" smtClean="0"/>
-              <a:t>2025-02-19</a:t>
+              <a:t>2025-02-20</a:t>
             </a:fld>
             <a:endParaRPr lang="ko-KR" altLang="en-US"/>
           </a:p>
@@ -2915,7 +2915,7 @@
           <a:p>
             <a:fld id="{9726B004-2BA4-4F9F-9C81-E8C2B4C1763F}" type="datetimeFigureOut">
               <a:rPr lang="ko-KR" altLang="en-US" smtClean="0"/>
-              <a:t>2025-02-19</a:t>
+              <a:t>2025-02-20</a:t>
             </a:fld>
             <a:endParaRPr lang="ko-KR" altLang="en-US"/>
           </a:p>
@@ -6479,33 +6479,21 @@
           <a:p>
             <a:r>
               <a:rPr lang="ko-KR" altLang="en-US" dirty="0"/>
-              <a:t>정책 수립 및 의사결정 지원에 도움을 줄 수 있다</a:t>
-            </a:r>
-            <a:r>
-              <a:rPr lang="en-US" altLang="ko-KR" dirty="0"/>
+              <a:t>인구수 예측 </a:t>
+            </a:r>
+            <a:r>
+              <a:rPr lang="ko-KR" altLang="en-US" dirty="0" err="1"/>
+              <a:t>머신러닝</a:t>
+            </a:r>
+            <a:r>
+              <a:rPr lang="ko-KR" altLang="en-US" dirty="0"/>
+              <a:t> 모델 발전에 기여한다</a:t>
+            </a:r>
+            <a:r>
+              <a:rPr lang="en-US" altLang="ko-KR"/>
               <a:t>.</a:t>
             </a:r>
-          </a:p>
-          <a:p>
-            <a:r>
-              <a:rPr lang="ko-KR" altLang="en-US" dirty="0"/>
-              <a:t>지역 균형 발전 전략에 도움을 줄 수 있다</a:t>
-            </a:r>
-            <a:r>
-              <a:rPr lang="en-US" altLang="ko-KR" dirty="0"/>
-              <a:t>.</a:t>
-            </a:r>
-          </a:p>
-          <a:p>
-            <a:r>
-              <a:rPr lang="ko-KR" altLang="en-US" dirty="0"/>
-              <a:t>정확한 인구 변화 예측을 통해 기업 전략 계획 수립에 도움을 줄 수 있다</a:t>
-            </a:r>
-            <a:r>
-              <a:rPr lang="en-US" altLang="ko-KR" dirty="0"/>
-              <a:t>.</a:t>
-            </a:r>
-            <a:endParaRPr lang="ko-KR" altLang="en-US" dirty="0"/>
+            <a:endParaRPr lang="en-US" altLang="ko-KR" dirty="0"/>
           </a:p>
         </p:txBody>
       </p:sp>
